--- a/开题答辩/毕设开题答辩-最终版-计32周建宇.pptx
+++ b/开题答辩/毕设开题答辩-最终版-计32周建宇.pptx
@@ -133,6 +133,10 @@
 </p:presentation>
 </file>
 
+<file path=ppt/revisionInfo.xml><?xml version="1.0" encoding="utf-8"?>
+<p1510:revInfo xmlns:a="http://schemas.openxmlformats.org/drawingml/2006/main" xmlns:r="http://schemas.openxmlformats.org/officeDocument/2006/relationships" xmlns:p1510="http://schemas.microsoft.com/office/powerpoint/2015/10/main"/>
+</file>
+
 <file path=ppt/notesMasters/notesMaster1.xml><?xml version="1.0" encoding="utf-8"?>
 <p:notesMaster xmlns:a="http://schemas.openxmlformats.org/drawingml/2006/main" xmlns:r="http://schemas.openxmlformats.org/officeDocument/2006/relationships" xmlns:p="http://schemas.openxmlformats.org/presentationml/2006/main">
   <p:cSld>
@@ -215,7 +219,7 @@
           <a:p>
             <a:fld id="{DBAD91BB-FD6C-4CF5-B2A4-77732C31BDDE}" type="datetimeFigureOut">
               <a:rPr lang="zh-CN" altLang="en-US" smtClean="0"/>
-              <a:t>2017/1/21</a:t>
+              <a:t>2017/6/13</a:t>
             </a:fld>
             <a:endParaRPr lang="zh-CN" altLang="en-US"/>
           </a:p>
@@ -279,38 +283,37 @@
           <a:p>
             <a:pPr lvl="0"/>
             <a:r>
-              <a:rPr lang="zh-CN" altLang="en-US" smtClean="0"/>
+              <a:rPr lang="zh-CN" altLang="en-US"/>
               <a:t>单击此处编辑母版文本样式</a:t>
             </a:r>
           </a:p>
           <a:p>
             <a:pPr lvl="1"/>
             <a:r>
-              <a:rPr lang="zh-CN" altLang="en-US" smtClean="0"/>
+              <a:rPr lang="zh-CN" altLang="en-US"/>
               <a:t>第二级</a:t>
             </a:r>
           </a:p>
           <a:p>
             <a:pPr lvl="2"/>
             <a:r>
-              <a:rPr lang="zh-CN" altLang="en-US" smtClean="0"/>
+              <a:rPr lang="zh-CN" altLang="en-US"/>
               <a:t>第三级</a:t>
             </a:r>
           </a:p>
           <a:p>
             <a:pPr lvl="3"/>
             <a:r>
-              <a:rPr lang="zh-CN" altLang="en-US" smtClean="0"/>
+              <a:rPr lang="zh-CN" altLang="en-US"/>
               <a:t>第四级</a:t>
             </a:r>
           </a:p>
           <a:p>
             <a:pPr lvl="4"/>
             <a:r>
-              <a:rPr lang="zh-CN" altLang="en-US" smtClean="0"/>
+              <a:rPr lang="zh-CN" altLang="en-US"/>
               <a:t>第五级</a:t>
             </a:r>
-            <a:endParaRPr lang="zh-CN" altLang="en-US"/>
           </a:p>
         </p:txBody>
       </p:sp>
@@ -539,7 +542,7 @@
               <a:buNone/>
             </a:pPr>
             <a:r>
-              <a:rPr lang="zh-CN" altLang="en-US" dirty="0" smtClean="0">
+              <a:rPr lang="zh-CN" altLang="en-US" dirty="0">
                 <a:solidFill>
                   <a:schemeClr val="tx1">
                     <a:lumMod val="75000"/>
@@ -552,7 +555,7 @@
               </a:rPr>
               <a:t>自动问答一直是自然语言处理领域一个十分热门的研究方向，</a:t>
             </a:r>
-            <a:endParaRPr lang="en-US" altLang="zh-CN" dirty="0" smtClean="0">
+            <a:endParaRPr lang="en-US" altLang="zh-CN" dirty="0">
               <a:solidFill>
                 <a:schemeClr val="tx1">
                   <a:lumMod val="75000"/>
@@ -575,7 +578,7 @@
               <a:buNone/>
             </a:pPr>
             <a:r>
-              <a:rPr lang="zh-CN" altLang="en-US" dirty="0" smtClean="0">
+              <a:rPr lang="zh-CN" altLang="en-US" dirty="0">
                 <a:solidFill>
                   <a:schemeClr val="tx1">
                     <a:lumMod val="75000"/>
@@ -588,7 +591,7 @@
               </a:rPr>
               <a:t>它综合运用了各种自然语言处理技术。自动问答在学术界得到了广泛关注，很多成果也被用于工业界中。</a:t>
             </a:r>
-            <a:endParaRPr lang="en-US" altLang="zh-CN" dirty="0" smtClean="0">
+            <a:endParaRPr lang="en-US" altLang="zh-CN" dirty="0">
               <a:solidFill>
                 <a:schemeClr val="tx1">
                   <a:lumMod val="75000"/>
@@ -611,7 +614,7 @@
               <a:buNone/>
             </a:pPr>
             <a:r>
-              <a:rPr lang="zh-CN" altLang="en-US" dirty="0" smtClean="0">
+              <a:rPr lang="zh-CN" altLang="en-US" dirty="0">
                 <a:solidFill>
                   <a:schemeClr val="tx1">
                     <a:lumMod val="75000"/>
@@ -722,7 +725,7 @@
               <a:buNone/>
             </a:pPr>
             <a:r>
-              <a:rPr lang="zh-CN" altLang="en-US" dirty="0" smtClean="0">
+              <a:rPr lang="zh-CN" altLang="en-US" dirty="0">
                 <a:solidFill>
                   <a:schemeClr val="tx1">
                     <a:lumMod val="75000"/>
@@ -735,7 +738,7 @@
               </a:rPr>
               <a:t>自动问答一直是自然语言处理领域一个十分热门的研究方向，</a:t>
             </a:r>
-            <a:endParaRPr lang="en-US" altLang="zh-CN" dirty="0" smtClean="0">
+            <a:endParaRPr lang="en-US" altLang="zh-CN" dirty="0">
               <a:solidFill>
                 <a:schemeClr val="tx1">
                   <a:lumMod val="75000"/>
@@ -758,7 +761,7 @@
               <a:buNone/>
             </a:pPr>
             <a:r>
-              <a:rPr lang="zh-CN" altLang="en-US" dirty="0" smtClean="0">
+              <a:rPr lang="zh-CN" altLang="en-US" dirty="0">
                 <a:solidFill>
                   <a:schemeClr val="tx1">
                     <a:lumMod val="75000"/>
@@ -771,7 +774,7 @@
               </a:rPr>
               <a:t>它综合运用了各种自然语言处理技术。自动问答在学术界得到了广泛关注，很多成果也被用于工业界中。</a:t>
             </a:r>
-            <a:endParaRPr lang="en-US" altLang="zh-CN" dirty="0" smtClean="0">
+            <a:endParaRPr lang="en-US" altLang="zh-CN" dirty="0">
               <a:solidFill>
                 <a:schemeClr val="tx1">
                   <a:lumMod val="75000"/>
@@ -794,7 +797,7 @@
               <a:buNone/>
             </a:pPr>
             <a:r>
-              <a:rPr lang="zh-CN" altLang="en-US" dirty="0" smtClean="0">
+              <a:rPr lang="zh-CN" altLang="en-US" dirty="0">
                 <a:solidFill>
                   <a:schemeClr val="tx1">
                     <a:lumMod val="75000"/>
@@ -905,7 +908,7 @@
               <a:buNone/>
             </a:pPr>
             <a:r>
-              <a:rPr lang="zh-CN" altLang="en-US" dirty="0" smtClean="0">
+              <a:rPr lang="zh-CN" altLang="en-US" dirty="0">
                 <a:solidFill>
                   <a:schemeClr val="tx1">
                     <a:lumMod val="75000"/>
@@ -918,7 +921,7 @@
               </a:rPr>
               <a:t>自动问答一直是自然语言处理领域一个十分热门的研究方向，</a:t>
             </a:r>
-            <a:endParaRPr lang="en-US" altLang="zh-CN" dirty="0" smtClean="0">
+            <a:endParaRPr lang="en-US" altLang="zh-CN" dirty="0">
               <a:solidFill>
                 <a:schemeClr val="tx1">
                   <a:lumMod val="75000"/>
@@ -941,7 +944,7 @@
               <a:buNone/>
             </a:pPr>
             <a:r>
-              <a:rPr lang="zh-CN" altLang="en-US" dirty="0" smtClean="0">
+              <a:rPr lang="zh-CN" altLang="en-US" dirty="0">
                 <a:solidFill>
                   <a:schemeClr val="tx1">
                     <a:lumMod val="75000"/>
@@ -954,7 +957,7 @@
               </a:rPr>
               <a:t>它综合运用了各种自然语言处理技术。自动问答在学术界得到了广泛关注，很多成果也被用于工业界中。</a:t>
             </a:r>
-            <a:endParaRPr lang="en-US" altLang="zh-CN" dirty="0" smtClean="0">
+            <a:endParaRPr lang="en-US" altLang="zh-CN" dirty="0">
               <a:solidFill>
                 <a:schemeClr val="tx1">
                   <a:lumMod val="75000"/>
@@ -977,7 +980,7 @@
               <a:buNone/>
             </a:pPr>
             <a:r>
-              <a:rPr lang="zh-CN" altLang="en-US" dirty="0" smtClean="0">
+              <a:rPr lang="zh-CN" altLang="en-US" dirty="0">
                 <a:solidFill>
                   <a:schemeClr val="tx1">
                     <a:lumMod val="75000"/>
@@ -1088,7 +1091,7 @@
               <a:buNone/>
             </a:pPr>
             <a:r>
-              <a:rPr lang="zh-CN" altLang="en-US" dirty="0" smtClean="0">
+              <a:rPr lang="zh-CN" altLang="en-US" dirty="0">
                 <a:solidFill>
                   <a:schemeClr val="tx1">
                     <a:lumMod val="75000"/>
@@ -1101,7 +1104,7 @@
               </a:rPr>
               <a:t>自动问答一直是自然语言处理领域一个十分热门的研究方向，</a:t>
             </a:r>
-            <a:endParaRPr lang="en-US" altLang="zh-CN" dirty="0" smtClean="0">
+            <a:endParaRPr lang="en-US" altLang="zh-CN" dirty="0">
               <a:solidFill>
                 <a:schemeClr val="tx1">
                   <a:lumMod val="75000"/>
@@ -1124,7 +1127,7 @@
               <a:buNone/>
             </a:pPr>
             <a:r>
-              <a:rPr lang="zh-CN" altLang="en-US" dirty="0" smtClean="0">
+              <a:rPr lang="zh-CN" altLang="en-US" dirty="0">
                 <a:solidFill>
                   <a:schemeClr val="tx1">
                     <a:lumMod val="75000"/>
@@ -1137,7 +1140,7 @@
               </a:rPr>
               <a:t>它综合运用了各种自然语言处理技术。自动问答在学术界得到了广泛关注，很多成果也被用于工业界中。</a:t>
             </a:r>
-            <a:endParaRPr lang="en-US" altLang="zh-CN" dirty="0" smtClean="0">
+            <a:endParaRPr lang="en-US" altLang="zh-CN" dirty="0">
               <a:solidFill>
                 <a:schemeClr val="tx1">
                   <a:lumMod val="75000"/>
@@ -1160,7 +1163,7 @@
               <a:buNone/>
             </a:pPr>
             <a:r>
-              <a:rPr lang="zh-CN" altLang="en-US" dirty="0" smtClean="0">
+              <a:rPr lang="zh-CN" altLang="en-US" dirty="0">
                 <a:solidFill>
                   <a:schemeClr val="tx1">
                     <a:lumMod val="75000"/>
@@ -1271,7 +1274,7 @@
               <a:buNone/>
             </a:pPr>
             <a:r>
-              <a:rPr lang="zh-CN" altLang="en-US" dirty="0" smtClean="0">
+              <a:rPr lang="zh-CN" altLang="en-US" dirty="0">
                 <a:solidFill>
                   <a:schemeClr val="tx1">
                     <a:lumMod val="75000"/>
@@ -1284,7 +1287,7 @@
               </a:rPr>
               <a:t>自动问答一直是自然语言处理领域一个十分热门的研究方向，</a:t>
             </a:r>
-            <a:endParaRPr lang="en-US" altLang="zh-CN" dirty="0" smtClean="0">
+            <a:endParaRPr lang="en-US" altLang="zh-CN" dirty="0">
               <a:solidFill>
                 <a:schemeClr val="tx1">
                   <a:lumMod val="75000"/>
@@ -1307,7 +1310,7 @@
               <a:buNone/>
             </a:pPr>
             <a:r>
-              <a:rPr lang="zh-CN" altLang="en-US" dirty="0" smtClean="0">
+              <a:rPr lang="zh-CN" altLang="en-US" dirty="0">
                 <a:solidFill>
                   <a:schemeClr val="tx1">
                     <a:lumMod val="75000"/>
@@ -1320,7 +1323,7 @@
               </a:rPr>
               <a:t>它综合运用了各种自然语言处理技术。自动问答在学术界得到了广泛关注，很多成果也被用于工业界中。</a:t>
             </a:r>
-            <a:endParaRPr lang="en-US" altLang="zh-CN" dirty="0" smtClean="0">
+            <a:endParaRPr lang="en-US" altLang="zh-CN" dirty="0">
               <a:solidFill>
                 <a:schemeClr val="tx1">
                   <a:lumMod val="75000"/>
@@ -1343,7 +1346,7 @@
               <a:buNone/>
             </a:pPr>
             <a:r>
-              <a:rPr lang="zh-CN" altLang="en-US" dirty="0" smtClean="0">
+              <a:rPr lang="zh-CN" altLang="en-US" dirty="0">
                 <a:solidFill>
                   <a:schemeClr val="tx1">
                     <a:lumMod val="75000"/>
@@ -1454,7 +1457,7 @@
               <a:buNone/>
             </a:pPr>
             <a:r>
-              <a:rPr lang="zh-CN" altLang="en-US" dirty="0" smtClean="0">
+              <a:rPr lang="zh-CN" altLang="en-US" dirty="0">
                 <a:solidFill>
                   <a:schemeClr val="tx1">
                     <a:lumMod val="75000"/>
@@ -1467,7 +1470,7 @@
               </a:rPr>
               <a:t>自动问答一直是自然语言处理领域一个十分热门的研究方向，</a:t>
             </a:r>
-            <a:endParaRPr lang="en-US" altLang="zh-CN" dirty="0" smtClean="0">
+            <a:endParaRPr lang="en-US" altLang="zh-CN" dirty="0">
               <a:solidFill>
                 <a:schemeClr val="tx1">
                   <a:lumMod val="75000"/>
@@ -1490,7 +1493,7 @@
               <a:buNone/>
             </a:pPr>
             <a:r>
-              <a:rPr lang="zh-CN" altLang="en-US" dirty="0" smtClean="0">
+              <a:rPr lang="zh-CN" altLang="en-US" dirty="0">
                 <a:solidFill>
                   <a:schemeClr val="tx1">
                     <a:lumMod val="75000"/>
@@ -1503,7 +1506,7 @@
               </a:rPr>
               <a:t>它综合运用了各种自然语言处理技术。自动问答在学术界得到了广泛关注，很多成果也被用于工业界中。</a:t>
             </a:r>
-            <a:endParaRPr lang="en-US" altLang="zh-CN" dirty="0" smtClean="0">
+            <a:endParaRPr lang="en-US" altLang="zh-CN" dirty="0">
               <a:solidFill>
                 <a:schemeClr val="tx1">
                   <a:lumMod val="75000"/>
@@ -1526,7 +1529,7 @@
               <a:buNone/>
             </a:pPr>
             <a:r>
-              <a:rPr lang="zh-CN" altLang="en-US" dirty="0" smtClean="0">
+              <a:rPr lang="zh-CN" altLang="en-US" dirty="0">
                 <a:solidFill>
                   <a:schemeClr val="tx1">
                     <a:lumMod val="75000"/>
@@ -1637,7 +1640,7 @@
               <a:buNone/>
             </a:pPr>
             <a:r>
-              <a:rPr lang="zh-CN" altLang="en-US" dirty="0" smtClean="0">
+              <a:rPr lang="zh-CN" altLang="en-US" dirty="0">
                 <a:solidFill>
                   <a:schemeClr val="tx1">
                     <a:lumMod val="75000"/>
@@ -1650,7 +1653,7 @@
               </a:rPr>
               <a:t>自动问答一直是自然语言处理领域一个十分热门的研究方向，</a:t>
             </a:r>
-            <a:endParaRPr lang="en-US" altLang="zh-CN" dirty="0" smtClean="0">
+            <a:endParaRPr lang="en-US" altLang="zh-CN" dirty="0">
               <a:solidFill>
                 <a:schemeClr val="tx1">
                   <a:lumMod val="75000"/>
@@ -1673,7 +1676,7 @@
               <a:buNone/>
             </a:pPr>
             <a:r>
-              <a:rPr lang="zh-CN" altLang="en-US" dirty="0" smtClean="0">
+              <a:rPr lang="zh-CN" altLang="en-US" dirty="0">
                 <a:solidFill>
                   <a:schemeClr val="tx1">
                     <a:lumMod val="75000"/>
@@ -1686,7 +1689,7 @@
               </a:rPr>
               <a:t>它综合运用了各种自然语言处理技术。自动问答在学术界得到了广泛关注，很多成果也被用于工业界中。</a:t>
             </a:r>
-            <a:endParaRPr lang="en-US" altLang="zh-CN" dirty="0" smtClean="0">
+            <a:endParaRPr lang="en-US" altLang="zh-CN" dirty="0">
               <a:solidFill>
                 <a:schemeClr val="tx1">
                   <a:lumMod val="75000"/>
@@ -1709,7 +1712,7 @@
               <a:buNone/>
             </a:pPr>
             <a:r>
-              <a:rPr lang="zh-CN" altLang="en-US" dirty="0" smtClean="0">
+              <a:rPr lang="zh-CN" altLang="en-US" dirty="0">
                 <a:solidFill>
                   <a:schemeClr val="tx1">
                     <a:lumMod val="75000"/>
@@ -1820,7 +1823,7 @@
               <a:buNone/>
             </a:pPr>
             <a:r>
-              <a:rPr lang="zh-CN" altLang="en-US" dirty="0" smtClean="0">
+              <a:rPr lang="zh-CN" altLang="en-US" dirty="0">
                 <a:solidFill>
                   <a:schemeClr val="tx1">
                     <a:lumMod val="75000"/>
@@ -1833,7 +1836,7 @@
               </a:rPr>
               <a:t>自动问答一直是自然语言处理领域一个十分热门的研究方向，</a:t>
             </a:r>
-            <a:endParaRPr lang="en-US" altLang="zh-CN" dirty="0" smtClean="0">
+            <a:endParaRPr lang="en-US" altLang="zh-CN" dirty="0">
               <a:solidFill>
                 <a:schemeClr val="tx1">
                   <a:lumMod val="75000"/>
@@ -1856,7 +1859,7 @@
               <a:buNone/>
             </a:pPr>
             <a:r>
-              <a:rPr lang="zh-CN" altLang="en-US" dirty="0" smtClean="0">
+              <a:rPr lang="zh-CN" altLang="en-US" dirty="0">
                 <a:solidFill>
                   <a:schemeClr val="tx1">
                     <a:lumMod val="75000"/>
@@ -1869,7 +1872,7 @@
               </a:rPr>
               <a:t>它综合运用了各种自然语言处理技术。自动问答在学术界得到了广泛关注，很多成果也被用于工业界中。</a:t>
             </a:r>
-            <a:endParaRPr lang="en-US" altLang="zh-CN" dirty="0" smtClean="0">
+            <a:endParaRPr lang="en-US" altLang="zh-CN" dirty="0">
               <a:solidFill>
                 <a:schemeClr val="tx1">
                   <a:lumMod val="75000"/>
@@ -1892,7 +1895,7 @@
               <a:buNone/>
             </a:pPr>
             <a:r>
-              <a:rPr lang="zh-CN" altLang="en-US" dirty="0" smtClean="0">
+              <a:rPr lang="zh-CN" altLang="en-US" dirty="0">
                 <a:solidFill>
                   <a:schemeClr val="tx1">
                     <a:lumMod val="75000"/>
@@ -2003,7 +2006,7 @@
               <a:buNone/>
             </a:pPr>
             <a:r>
-              <a:rPr lang="zh-CN" altLang="en-US" dirty="0" smtClean="0">
+              <a:rPr lang="zh-CN" altLang="en-US" dirty="0">
                 <a:solidFill>
                   <a:schemeClr val="tx1">
                     <a:lumMod val="75000"/>
@@ -2016,7 +2019,7 @@
               </a:rPr>
               <a:t>自动问答一直是自然语言处理领域一个十分热门的研究方向，</a:t>
             </a:r>
-            <a:endParaRPr lang="en-US" altLang="zh-CN" dirty="0" smtClean="0">
+            <a:endParaRPr lang="en-US" altLang="zh-CN" dirty="0">
               <a:solidFill>
                 <a:schemeClr val="tx1">
                   <a:lumMod val="75000"/>
@@ -2039,7 +2042,7 @@
               <a:buNone/>
             </a:pPr>
             <a:r>
-              <a:rPr lang="zh-CN" altLang="en-US" dirty="0" smtClean="0">
+              <a:rPr lang="zh-CN" altLang="en-US" dirty="0">
                 <a:solidFill>
                   <a:schemeClr val="tx1">
                     <a:lumMod val="75000"/>
@@ -2052,7 +2055,7 @@
               </a:rPr>
               <a:t>它综合运用了各种自然语言处理技术。自动问答在学术界得到了广泛关注，很多成果也被用于工业界中。</a:t>
             </a:r>
-            <a:endParaRPr lang="en-US" altLang="zh-CN" dirty="0" smtClean="0">
+            <a:endParaRPr lang="en-US" altLang="zh-CN" dirty="0">
               <a:solidFill>
                 <a:schemeClr val="tx1">
                   <a:lumMod val="75000"/>
@@ -2075,7 +2078,7 @@
               <a:buNone/>
             </a:pPr>
             <a:r>
-              <a:rPr lang="zh-CN" altLang="en-US" dirty="0" smtClean="0">
+              <a:rPr lang="zh-CN" altLang="en-US" dirty="0">
                 <a:solidFill>
                   <a:schemeClr val="tx1">
                     <a:lumMod val="75000"/>
@@ -2186,7 +2189,7 @@
               <a:buNone/>
             </a:pPr>
             <a:r>
-              <a:rPr lang="zh-CN" altLang="en-US" dirty="0" smtClean="0">
+              <a:rPr lang="zh-CN" altLang="en-US" dirty="0">
                 <a:solidFill>
                   <a:schemeClr val="tx1">
                     <a:lumMod val="75000"/>
@@ -2199,7 +2202,7 @@
               </a:rPr>
               <a:t>自动问答一直是自然语言处理领域一个十分热门的研究方向，</a:t>
             </a:r>
-            <a:endParaRPr lang="en-US" altLang="zh-CN" dirty="0" smtClean="0">
+            <a:endParaRPr lang="en-US" altLang="zh-CN" dirty="0">
               <a:solidFill>
                 <a:schemeClr val="tx1">
                   <a:lumMod val="75000"/>
@@ -2222,7 +2225,7 @@
               <a:buNone/>
             </a:pPr>
             <a:r>
-              <a:rPr lang="zh-CN" altLang="en-US" dirty="0" smtClean="0">
+              <a:rPr lang="zh-CN" altLang="en-US" dirty="0">
                 <a:solidFill>
                   <a:schemeClr val="tx1">
                     <a:lumMod val="75000"/>
@@ -2235,7 +2238,7 @@
               </a:rPr>
               <a:t>它综合运用了各种自然语言处理技术。自动问答在学术界得到了广泛关注，很多成果也被用于工业界中。</a:t>
             </a:r>
-            <a:endParaRPr lang="en-US" altLang="zh-CN" dirty="0" smtClean="0">
+            <a:endParaRPr lang="en-US" altLang="zh-CN" dirty="0">
               <a:solidFill>
                 <a:schemeClr val="tx1">
                   <a:lumMod val="75000"/>
@@ -2258,7 +2261,7 @@
               <a:buNone/>
             </a:pPr>
             <a:r>
-              <a:rPr lang="zh-CN" altLang="en-US" dirty="0" smtClean="0">
+              <a:rPr lang="zh-CN" altLang="en-US" dirty="0">
                 <a:solidFill>
                   <a:schemeClr val="tx1">
                     <a:lumMod val="75000"/>
@@ -2369,7 +2372,7 @@
               <a:buNone/>
             </a:pPr>
             <a:r>
-              <a:rPr lang="zh-CN" altLang="en-US" dirty="0" smtClean="0">
+              <a:rPr lang="zh-CN" altLang="en-US" dirty="0">
                 <a:solidFill>
                   <a:schemeClr val="tx1">
                     <a:lumMod val="75000"/>
@@ -2382,7 +2385,7 @@
               </a:rPr>
               <a:t>自动问答一直是自然语言处理领域一个十分热门的研究方向，</a:t>
             </a:r>
-            <a:endParaRPr lang="en-US" altLang="zh-CN" dirty="0" smtClean="0">
+            <a:endParaRPr lang="en-US" altLang="zh-CN" dirty="0">
               <a:solidFill>
                 <a:schemeClr val="tx1">
                   <a:lumMod val="75000"/>
@@ -2405,7 +2408,7 @@
               <a:buNone/>
             </a:pPr>
             <a:r>
-              <a:rPr lang="zh-CN" altLang="en-US" dirty="0" smtClean="0">
+              <a:rPr lang="zh-CN" altLang="en-US" dirty="0">
                 <a:solidFill>
                   <a:schemeClr val="tx1">
                     <a:lumMod val="75000"/>
@@ -2418,7 +2421,7 @@
               </a:rPr>
               <a:t>它综合运用了各种自然语言处理技术。自动问答在学术界得到了广泛关注，很多成果也被用于工业界中。</a:t>
             </a:r>
-            <a:endParaRPr lang="en-US" altLang="zh-CN" dirty="0" smtClean="0">
+            <a:endParaRPr lang="en-US" altLang="zh-CN" dirty="0">
               <a:solidFill>
                 <a:schemeClr val="tx1">
                   <a:lumMod val="75000"/>
@@ -2441,7 +2444,7 @@
               <a:buNone/>
             </a:pPr>
             <a:r>
-              <a:rPr lang="zh-CN" altLang="en-US" dirty="0" smtClean="0">
+              <a:rPr lang="zh-CN" altLang="en-US" dirty="0">
                 <a:solidFill>
                   <a:schemeClr val="tx1">
                     <a:lumMod val="75000"/>
@@ -2552,7 +2555,7 @@
               <a:buNone/>
             </a:pPr>
             <a:r>
-              <a:rPr lang="zh-CN" altLang="en-US" dirty="0" smtClean="0">
+              <a:rPr lang="zh-CN" altLang="en-US" dirty="0">
                 <a:solidFill>
                   <a:schemeClr val="tx1">
                     <a:lumMod val="75000"/>
@@ -2565,7 +2568,7 @@
               </a:rPr>
               <a:t>自动问答一直是自然语言处理领域一个十分热门的研究方向，</a:t>
             </a:r>
-            <a:endParaRPr lang="en-US" altLang="zh-CN" dirty="0" smtClean="0">
+            <a:endParaRPr lang="en-US" altLang="zh-CN" dirty="0">
               <a:solidFill>
                 <a:schemeClr val="tx1">
                   <a:lumMod val="75000"/>
@@ -2588,7 +2591,7 @@
               <a:buNone/>
             </a:pPr>
             <a:r>
-              <a:rPr lang="zh-CN" altLang="en-US" dirty="0" smtClean="0">
+              <a:rPr lang="zh-CN" altLang="en-US" dirty="0">
                 <a:solidFill>
                   <a:schemeClr val="tx1">
                     <a:lumMod val="75000"/>
@@ -2601,7 +2604,7 @@
               </a:rPr>
               <a:t>它综合运用了各种自然语言处理技术。自动问答在学术界得到了广泛关注，很多成果也被用于工业界中。</a:t>
             </a:r>
-            <a:endParaRPr lang="en-US" altLang="zh-CN" dirty="0" smtClean="0">
+            <a:endParaRPr lang="en-US" altLang="zh-CN" dirty="0">
               <a:solidFill>
                 <a:schemeClr val="tx1">
                   <a:lumMod val="75000"/>
@@ -2624,7 +2627,7 @@
               <a:buNone/>
             </a:pPr>
             <a:r>
-              <a:rPr lang="zh-CN" altLang="en-US" dirty="0" smtClean="0">
+              <a:rPr lang="zh-CN" altLang="en-US" dirty="0">
                 <a:solidFill>
                   <a:schemeClr val="tx1">
                     <a:lumMod val="75000"/>
@@ -2735,7 +2738,7 @@
               <a:buNone/>
             </a:pPr>
             <a:r>
-              <a:rPr lang="zh-CN" altLang="en-US" dirty="0" smtClean="0">
+              <a:rPr lang="zh-CN" altLang="en-US" dirty="0">
                 <a:solidFill>
                   <a:schemeClr val="tx1">
                     <a:lumMod val="75000"/>
@@ -2748,7 +2751,7 @@
               </a:rPr>
               <a:t>自动问答一直是自然语言处理领域一个十分热门的研究方向，</a:t>
             </a:r>
-            <a:endParaRPr lang="en-US" altLang="zh-CN" dirty="0" smtClean="0">
+            <a:endParaRPr lang="en-US" altLang="zh-CN" dirty="0">
               <a:solidFill>
                 <a:schemeClr val="tx1">
                   <a:lumMod val="75000"/>
@@ -2771,7 +2774,7 @@
               <a:buNone/>
             </a:pPr>
             <a:r>
-              <a:rPr lang="zh-CN" altLang="en-US" dirty="0" smtClean="0">
+              <a:rPr lang="zh-CN" altLang="en-US" dirty="0">
                 <a:solidFill>
                   <a:schemeClr val="tx1">
                     <a:lumMod val="75000"/>
@@ -2784,7 +2787,7 @@
               </a:rPr>
               <a:t>它综合运用了各种自然语言处理技术。自动问答在学术界得到了广泛关注，很多成果也被用于工业界中。</a:t>
             </a:r>
-            <a:endParaRPr lang="en-US" altLang="zh-CN" dirty="0" smtClean="0">
+            <a:endParaRPr lang="en-US" altLang="zh-CN" dirty="0">
               <a:solidFill>
                 <a:schemeClr val="tx1">
                   <a:lumMod val="75000"/>
@@ -2807,7 +2810,7 @@
               <a:buNone/>
             </a:pPr>
             <a:r>
-              <a:rPr lang="zh-CN" altLang="en-US" dirty="0" smtClean="0">
+              <a:rPr lang="zh-CN" altLang="en-US" dirty="0">
                 <a:solidFill>
                   <a:schemeClr val="tx1">
                     <a:lumMod val="75000"/>
@@ -2918,7 +2921,7 @@
               <a:buNone/>
             </a:pPr>
             <a:r>
-              <a:rPr lang="zh-CN" altLang="en-US" dirty="0" smtClean="0">
+              <a:rPr lang="zh-CN" altLang="en-US" dirty="0">
                 <a:solidFill>
                   <a:schemeClr val="tx1">
                     <a:lumMod val="75000"/>
@@ -2931,7 +2934,7 @@
               </a:rPr>
               <a:t>自动问答一直是自然语言处理领域一个十分热门的研究方向，</a:t>
             </a:r>
-            <a:endParaRPr lang="en-US" altLang="zh-CN" dirty="0" smtClean="0">
+            <a:endParaRPr lang="en-US" altLang="zh-CN" dirty="0">
               <a:solidFill>
                 <a:schemeClr val="tx1">
                   <a:lumMod val="75000"/>
@@ -2954,7 +2957,7 @@
               <a:buNone/>
             </a:pPr>
             <a:r>
-              <a:rPr lang="zh-CN" altLang="en-US" dirty="0" smtClean="0">
+              <a:rPr lang="zh-CN" altLang="en-US" dirty="0">
                 <a:solidFill>
                   <a:schemeClr val="tx1">
                     <a:lumMod val="75000"/>
@@ -2967,7 +2970,7 @@
               </a:rPr>
               <a:t>它综合运用了各种自然语言处理技术。自动问答在学术界得到了广泛关注，很多成果也被用于工业界中。</a:t>
             </a:r>
-            <a:endParaRPr lang="en-US" altLang="zh-CN" dirty="0" smtClean="0">
+            <a:endParaRPr lang="en-US" altLang="zh-CN" dirty="0">
               <a:solidFill>
                 <a:schemeClr val="tx1">
                   <a:lumMod val="75000"/>
@@ -2990,7 +2993,7 @@
               <a:buNone/>
             </a:pPr>
             <a:r>
-              <a:rPr lang="zh-CN" altLang="en-US" dirty="0" smtClean="0">
+              <a:rPr lang="zh-CN" altLang="en-US" dirty="0">
                 <a:solidFill>
                   <a:schemeClr val="tx1">
                     <a:lumMod val="75000"/>
@@ -3101,7 +3104,7 @@
               <a:buNone/>
             </a:pPr>
             <a:r>
-              <a:rPr lang="zh-CN" altLang="en-US" dirty="0" smtClean="0">
+              <a:rPr lang="zh-CN" altLang="en-US" dirty="0">
                 <a:solidFill>
                   <a:schemeClr val="tx1">
                     <a:lumMod val="75000"/>
@@ -3114,7 +3117,7 @@
               </a:rPr>
               <a:t>自动问答一直是自然语言处理领域一个十分热门的研究方向，</a:t>
             </a:r>
-            <a:endParaRPr lang="en-US" altLang="zh-CN" dirty="0" smtClean="0">
+            <a:endParaRPr lang="en-US" altLang="zh-CN" dirty="0">
               <a:solidFill>
                 <a:schemeClr val="tx1">
                   <a:lumMod val="75000"/>
@@ -3137,7 +3140,7 @@
               <a:buNone/>
             </a:pPr>
             <a:r>
-              <a:rPr lang="zh-CN" altLang="en-US" dirty="0" smtClean="0">
+              <a:rPr lang="zh-CN" altLang="en-US" dirty="0">
                 <a:solidFill>
                   <a:schemeClr val="tx1">
                     <a:lumMod val="75000"/>
@@ -3150,7 +3153,7 @@
               </a:rPr>
               <a:t>它综合运用了各种自然语言处理技术。自动问答在学术界得到了广泛关注，很多成果也被用于工业界中。</a:t>
             </a:r>
-            <a:endParaRPr lang="en-US" altLang="zh-CN" dirty="0" smtClean="0">
+            <a:endParaRPr lang="en-US" altLang="zh-CN" dirty="0">
               <a:solidFill>
                 <a:schemeClr val="tx1">
                   <a:lumMod val="75000"/>
@@ -3173,7 +3176,7 @@
               <a:buNone/>
             </a:pPr>
             <a:r>
-              <a:rPr lang="zh-CN" altLang="en-US" dirty="0" smtClean="0">
+              <a:rPr lang="zh-CN" altLang="en-US" dirty="0">
                 <a:solidFill>
                   <a:schemeClr val="tx1">
                     <a:lumMod val="75000"/>
@@ -3284,7 +3287,7 @@
               <a:buNone/>
             </a:pPr>
             <a:r>
-              <a:rPr lang="zh-CN" altLang="en-US" dirty="0" smtClean="0">
+              <a:rPr lang="zh-CN" altLang="en-US" dirty="0">
                 <a:solidFill>
                   <a:schemeClr val="tx1">
                     <a:lumMod val="75000"/>
@@ -3297,7 +3300,7 @@
               </a:rPr>
               <a:t>自动问答一直是自然语言处理领域一个十分热门的研究方向，</a:t>
             </a:r>
-            <a:endParaRPr lang="en-US" altLang="zh-CN" dirty="0" smtClean="0">
+            <a:endParaRPr lang="en-US" altLang="zh-CN" dirty="0">
               <a:solidFill>
                 <a:schemeClr val="tx1">
                   <a:lumMod val="75000"/>
@@ -3320,7 +3323,7 @@
               <a:buNone/>
             </a:pPr>
             <a:r>
-              <a:rPr lang="zh-CN" altLang="en-US" dirty="0" smtClean="0">
+              <a:rPr lang="zh-CN" altLang="en-US" dirty="0">
                 <a:solidFill>
                   <a:schemeClr val="tx1">
                     <a:lumMod val="75000"/>
@@ -3333,7 +3336,7 @@
               </a:rPr>
               <a:t>它综合运用了各种自然语言处理技术。自动问答在学术界得到了广泛关注，很多成果也被用于工业界中。</a:t>
             </a:r>
-            <a:endParaRPr lang="en-US" altLang="zh-CN" dirty="0" smtClean="0">
+            <a:endParaRPr lang="en-US" altLang="zh-CN" dirty="0">
               <a:solidFill>
                 <a:schemeClr val="tx1">
                   <a:lumMod val="75000"/>
@@ -3356,7 +3359,7 @@
               <a:buNone/>
             </a:pPr>
             <a:r>
-              <a:rPr lang="zh-CN" altLang="en-US" dirty="0" smtClean="0">
+              <a:rPr lang="zh-CN" altLang="en-US" dirty="0">
                 <a:solidFill>
                   <a:schemeClr val="tx1">
                     <a:lumMod val="75000"/>
@@ -3467,7 +3470,7 @@
               <a:buNone/>
             </a:pPr>
             <a:r>
-              <a:rPr lang="zh-CN" altLang="en-US" dirty="0" smtClean="0">
+              <a:rPr lang="zh-CN" altLang="en-US" dirty="0">
                 <a:solidFill>
                   <a:schemeClr val="tx1">
                     <a:lumMod val="75000"/>
@@ -3480,7 +3483,7 @@
               </a:rPr>
               <a:t>自动问答一直是自然语言处理领域一个十分热门的研究方向，</a:t>
             </a:r>
-            <a:endParaRPr lang="en-US" altLang="zh-CN" dirty="0" smtClean="0">
+            <a:endParaRPr lang="en-US" altLang="zh-CN" dirty="0">
               <a:solidFill>
                 <a:schemeClr val="tx1">
                   <a:lumMod val="75000"/>
@@ -3503,7 +3506,7 @@
               <a:buNone/>
             </a:pPr>
             <a:r>
-              <a:rPr lang="zh-CN" altLang="en-US" dirty="0" smtClean="0">
+              <a:rPr lang="zh-CN" altLang="en-US" dirty="0">
                 <a:solidFill>
                   <a:schemeClr val="tx1">
                     <a:lumMod val="75000"/>
@@ -3516,7 +3519,7 @@
               </a:rPr>
               <a:t>它综合运用了各种自然语言处理技术。自动问答在学术界得到了广泛关注，很多成果也被用于工业界中。</a:t>
             </a:r>
-            <a:endParaRPr lang="en-US" altLang="zh-CN" dirty="0" smtClean="0">
+            <a:endParaRPr lang="en-US" altLang="zh-CN" dirty="0">
               <a:solidFill>
                 <a:schemeClr val="tx1">
                   <a:lumMod val="75000"/>
@@ -3539,7 +3542,7 @@
               <a:buNone/>
             </a:pPr>
             <a:r>
-              <a:rPr lang="zh-CN" altLang="en-US" dirty="0" smtClean="0">
+              <a:rPr lang="zh-CN" altLang="en-US" dirty="0">
                 <a:solidFill>
                   <a:schemeClr val="tx1">
                     <a:lumMod val="75000"/>
@@ -3636,10 +3639,9 @@
           </a:lstStyle>
           <a:p>
             <a:r>
-              <a:rPr lang="zh-CN" altLang="en-US" smtClean="0"/>
+              <a:rPr lang="zh-CN" altLang="en-US"/>
               <a:t>单击此处编辑母版标题样式</a:t>
             </a:r>
-            <a:endParaRPr lang="zh-CN" altLang="en-US"/>
           </a:p>
         </p:txBody>
       </p:sp>
@@ -3701,10 +3703,9 @@
           </a:lstStyle>
           <a:p>
             <a:r>
-              <a:rPr lang="zh-CN" altLang="en-US" smtClean="0"/>
+              <a:rPr lang="zh-CN" altLang="en-US"/>
               <a:t>单击此处编辑母版副标题样式</a:t>
             </a:r>
-            <a:endParaRPr lang="zh-CN" altLang="en-US"/>
           </a:p>
         </p:txBody>
       </p:sp>
@@ -3725,7 +3726,7 @@
           <a:p>
             <a:fld id="{CF58F6F5-F0C6-4ABB-B9FB-470D5B157132}" type="datetimeFigureOut">
               <a:rPr lang="zh-CN" altLang="en-US" smtClean="0"/>
-              <a:t>2017/1/21</a:t>
+              <a:t>2017/6/13</a:t>
             </a:fld>
             <a:endParaRPr lang="zh-CN" altLang="en-US"/>
           </a:p>
@@ -3814,10 +3815,9 @@
           <a:lstStyle/>
           <a:p>
             <a:r>
-              <a:rPr lang="zh-CN" altLang="en-US" smtClean="0"/>
+              <a:rPr lang="zh-CN" altLang="en-US"/>
               <a:t>单击此处编辑母版标题样式</a:t>
             </a:r>
-            <a:endParaRPr lang="zh-CN" altLang="en-US"/>
           </a:p>
         </p:txBody>
       </p:sp>
@@ -3838,38 +3838,37 @@
           <a:p>
             <a:pPr lvl="0"/>
             <a:r>
-              <a:rPr lang="zh-CN" altLang="en-US" smtClean="0"/>
+              <a:rPr lang="zh-CN" altLang="en-US"/>
               <a:t>单击此处编辑母版文本样式</a:t>
             </a:r>
           </a:p>
           <a:p>
             <a:pPr lvl="1"/>
             <a:r>
-              <a:rPr lang="zh-CN" altLang="en-US" smtClean="0"/>
+              <a:rPr lang="zh-CN" altLang="en-US"/>
               <a:t>第二级</a:t>
             </a:r>
           </a:p>
           <a:p>
             <a:pPr lvl="2"/>
             <a:r>
-              <a:rPr lang="zh-CN" altLang="en-US" smtClean="0"/>
+              <a:rPr lang="zh-CN" altLang="en-US"/>
               <a:t>第三级</a:t>
             </a:r>
           </a:p>
           <a:p>
             <a:pPr lvl="3"/>
             <a:r>
-              <a:rPr lang="zh-CN" altLang="en-US" smtClean="0"/>
+              <a:rPr lang="zh-CN" altLang="en-US"/>
               <a:t>第四级</a:t>
             </a:r>
           </a:p>
           <a:p>
             <a:pPr lvl="4"/>
             <a:r>
-              <a:rPr lang="zh-CN" altLang="en-US" smtClean="0"/>
+              <a:rPr lang="zh-CN" altLang="en-US"/>
               <a:t>第五级</a:t>
             </a:r>
-            <a:endParaRPr lang="zh-CN" altLang="en-US"/>
           </a:p>
         </p:txBody>
       </p:sp>
@@ -3890,7 +3889,7 @@
           <a:p>
             <a:fld id="{CF58F6F5-F0C6-4ABB-B9FB-470D5B157132}" type="datetimeFigureOut">
               <a:rPr lang="zh-CN" altLang="en-US" smtClean="0"/>
-              <a:t>2017/1/21</a:t>
+              <a:t>2017/6/13</a:t>
             </a:fld>
             <a:endParaRPr lang="zh-CN" altLang="en-US"/>
           </a:p>
@@ -3984,10 +3983,9 @@
           <a:lstStyle/>
           <a:p>
             <a:r>
-              <a:rPr lang="zh-CN" altLang="en-US" smtClean="0"/>
+              <a:rPr lang="zh-CN" altLang="en-US"/>
               <a:t>单击此处编辑母版标题样式</a:t>
             </a:r>
-            <a:endParaRPr lang="zh-CN" altLang="en-US"/>
           </a:p>
         </p:txBody>
       </p:sp>
@@ -4013,38 +4011,37 @@
           <a:p>
             <a:pPr lvl="0"/>
             <a:r>
-              <a:rPr lang="zh-CN" altLang="en-US" smtClean="0"/>
+              <a:rPr lang="zh-CN" altLang="en-US"/>
               <a:t>单击此处编辑母版文本样式</a:t>
             </a:r>
           </a:p>
           <a:p>
             <a:pPr lvl="1"/>
             <a:r>
-              <a:rPr lang="zh-CN" altLang="en-US" smtClean="0"/>
+              <a:rPr lang="zh-CN" altLang="en-US"/>
               <a:t>第二级</a:t>
             </a:r>
           </a:p>
           <a:p>
             <a:pPr lvl="2"/>
             <a:r>
-              <a:rPr lang="zh-CN" altLang="en-US" smtClean="0"/>
+              <a:rPr lang="zh-CN" altLang="en-US"/>
               <a:t>第三级</a:t>
             </a:r>
           </a:p>
           <a:p>
             <a:pPr lvl="3"/>
             <a:r>
-              <a:rPr lang="zh-CN" altLang="en-US" smtClean="0"/>
+              <a:rPr lang="zh-CN" altLang="en-US"/>
               <a:t>第四级</a:t>
             </a:r>
           </a:p>
           <a:p>
             <a:pPr lvl="4"/>
             <a:r>
-              <a:rPr lang="zh-CN" altLang="en-US" smtClean="0"/>
+              <a:rPr lang="zh-CN" altLang="en-US"/>
               <a:t>第五级</a:t>
             </a:r>
-            <a:endParaRPr lang="zh-CN" altLang="en-US"/>
           </a:p>
         </p:txBody>
       </p:sp>
@@ -4065,7 +4062,7 @@
           <a:p>
             <a:fld id="{CF58F6F5-F0C6-4ABB-B9FB-470D5B157132}" type="datetimeFigureOut">
               <a:rPr lang="zh-CN" altLang="en-US" smtClean="0"/>
-              <a:t>2017/1/21</a:t>
+              <a:t>2017/6/13</a:t>
             </a:fld>
             <a:endParaRPr lang="zh-CN" altLang="en-US"/>
           </a:p>
@@ -4154,10 +4151,9 @@
           <a:lstStyle/>
           <a:p>
             <a:r>
-              <a:rPr lang="zh-CN" altLang="en-US" smtClean="0"/>
+              <a:rPr lang="zh-CN" altLang="en-US"/>
               <a:t>单击此处编辑母版标题样式</a:t>
             </a:r>
-            <a:endParaRPr lang="zh-CN" altLang="en-US"/>
           </a:p>
         </p:txBody>
       </p:sp>
@@ -4178,38 +4174,37 @@
           <a:p>
             <a:pPr lvl="0"/>
             <a:r>
-              <a:rPr lang="zh-CN" altLang="en-US" smtClean="0"/>
+              <a:rPr lang="zh-CN" altLang="en-US"/>
               <a:t>单击此处编辑母版文本样式</a:t>
             </a:r>
           </a:p>
           <a:p>
             <a:pPr lvl="1"/>
             <a:r>
-              <a:rPr lang="zh-CN" altLang="en-US" smtClean="0"/>
+              <a:rPr lang="zh-CN" altLang="en-US"/>
               <a:t>第二级</a:t>
             </a:r>
           </a:p>
           <a:p>
             <a:pPr lvl="2"/>
             <a:r>
-              <a:rPr lang="zh-CN" altLang="en-US" smtClean="0"/>
+              <a:rPr lang="zh-CN" altLang="en-US"/>
               <a:t>第三级</a:t>
             </a:r>
           </a:p>
           <a:p>
             <a:pPr lvl="3"/>
             <a:r>
-              <a:rPr lang="zh-CN" altLang="en-US" smtClean="0"/>
+              <a:rPr lang="zh-CN" altLang="en-US"/>
               <a:t>第四级</a:t>
             </a:r>
           </a:p>
           <a:p>
             <a:pPr lvl="4"/>
             <a:r>
-              <a:rPr lang="zh-CN" altLang="en-US" smtClean="0"/>
+              <a:rPr lang="zh-CN" altLang="en-US"/>
               <a:t>第五级</a:t>
             </a:r>
-            <a:endParaRPr lang="zh-CN" altLang="en-US"/>
           </a:p>
         </p:txBody>
       </p:sp>
@@ -4230,7 +4225,7 @@
           <a:p>
             <a:fld id="{CF58F6F5-F0C6-4ABB-B9FB-470D5B157132}" type="datetimeFigureOut">
               <a:rPr lang="zh-CN" altLang="en-US" smtClean="0"/>
-              <a:t>2017/1/21</a:t>
+              <a:t>2017/6/13</a:t>
             </a:fld>
             <a:endParaRPr lang="zh-CN" altLang="en-US"/>
           </a:p>
@@ -4328,10 +4323,9 @@
           </a:lstStyle>
           <a:p>
             <a:r>
-              <a:rPr lang="zh-CN" altLang="en-US" smtClean="0"/>
+              <a:rPr lang="zh-CN" altLang="en-US"/>
               <a:t>单击此处编辑母版标题样式</a:t>
             </a:r>
-            <a:endParaRPr lang="zh-CN" altLang="en-US"/>
           </a:p>
         </p:txBody>
       </p:sp>
@@ -4448,7 +4442,7 @@
           <a:p>
             <a:pPr lvl="0"/>
             <a:r>
-              <a:rPr lang="zh-CN" altLang="en-US" smtClean="0"/>
+              <a:rPr lang="zh-CN" altLang="en-US"/>
               <a:t>单击此处编辑母版文本样式</a:t>
             </a:r>
           </a:p>
@@ -4471,7 +4465,7 @@
           <a:p>
             <a:fld id="{CF58F6F5-F0C6-4ABB-B9FB-470D5B157132}" type="datetimeFigureOut">
               <a:rPr lang="zh-CN" altLang="en-US" smtClean="0"/>
-              <a:t>2017/1/21</a:t>
+              <a:t>2017/6/13</a:t>
             </a:fld>
             <a:endParaRPr lang="zh-CN" altLang="en-US"/>
           </a:p>
@@ -4560,10 +4554,9 @@
           <a:lstStyle/>
           <a:p>
             <a:r>
-              <a:rPr lang="zh-CN" altLang="en-US" smtClean="0"/>
+              <a:rPr lang="zh-CN" altLang="en-US"/>
               <a:t>单击此处编辑母版标题样式</a:t>
             </a:r>
-            <a:endParaRPr lang="zh-CN" altLang="en-US"/>
           </a:p>
         </p:txBody>
       </p:sp>
@@ -4589,38 +4582,37 @@
           <a:p>
             <a:pPr lvl="0"/>
             <a:r>
-              <a:rPr lang="zh-CN" altLang="en-US" smtClean="0"/>
+              <a:rPr lang="zh-CN" altLang="en-US"/>
               <a:t>单击此处编辑母版文本样式</a:t>
             </a:r>
           </a:p>
           <a:p>
             <a:pPr lvl="1"/>
             <a:r>
-              <a:rPr lang="zh-CN" altLang="en-US" smtClean="0"/>
+              <a:rPr lang="zh-CN" altLang="en-US"/>
               <a:t>第二级</a:t>
             </a:r>
           </a:p>
           <a:p>
             <a:pPr lvl="2"/>
             <a:r>
-              <a:rPr lang="zh-CN" altLang="en-US" smtClean="0"/>
+              <a:rPr lang="zh-CN" altLang="en-US"/>
               <a:t>第三级</a:t>
             </a:r>
           </a:p>
           <a:p>
             <a:pPr lvl="3"/>
             <a:r>
-              <a:rPr lang="zh-CN" altLang="en-US" smtClean="0"/>
+              <a:rPr lang="zh-CN" altLang="en-US"/>
               <a:t>第四级</a:t>
             </a:r>
           </a:p>
           <a:p>
             <a:pPr lvl="4"/>
             <a:r>
-              <a:rPr lang="zh-CN" altLang="en-US" smtClean="0"/>
+              <a:rPr lang="zh-CN" altLang="en-US"/>
               <a:t>第五级</a:t>
             </a:r>
-            <a:endParaRPr lang="zh-CN" altLang="en-US"/>
           </a:p>
         </p:txBody>
       </p:sp>
@@ -4646,38 +4638,37 @@
           <a:p>
             <a:pPr lvl="0"/>
             <a:r>
-              <a:rPr lang="zh-CN" altLang="en-US" smtClean="0"/>
+              <a:rPr lang="zh-CN" altLang="en-US"/>
               <a:t>单击此处编辑母版文本样式</a:t>
             </a:r>
           </a:p>
           <a:p>
             <a:pPr lvl="1"/>
             <a:r>
-              <a:rPr lang="zh-CN" altLang="en-US" smtClean="0"/>
+              <a:rPr lang="zh-CN" altLang="en-US"/>
               <a:t>第二级</a:t>
             </a:r>
           </a:p>
           <a:p>
             <a:pPr lvl="2"/>
             <a:r>
-              <a:rPr lang="zh-CN" altLang="en-US" smtClean="0"/>
+              <a:rPr lang="zh-CN" altLang="en-US"/>
               <a:t>第三级</a:t>
             </a:r>
           </a:p>
           <a:p>
             <a:pPr lvl="3"/>
             <a:r>
-              <a:rPr lang="zh-CN" altLang="en-US" smtClean="0"/>
+              <a:rPr lang="zh-CN" altLang="en-US"/>
               <a:t>第四级</a:t>
             </a:r>
           </a:p>
           <a:p>
             <a:pPr lvl="4"/>
             <a:r>
-              <a:rPr lang="zh-CN" altLang="en-US" smtClean="0"/>
+              <a:rPr lang="zh-CN" altLang="en-US"/>
               <a:t>第五级</a:t>
             </a:r>
-            <a:endParaRPr lang="zh-CN" altLang="en-US"/>
           </a:p>
         </p:txBody>
       </p:sp>
@@ -4698,7 +4689,7 @@
           <a:p>
             <a:fld id="{CF58F6F5-F0C6-4ABB-B9FB-470D5B157132}" type="datetimeFigureOut">
               <a:rPr lang="zh-CN" altLang="en-US" smtClean="0"/>
-              <a:t>2017/1/21</a:t>
+              <a:t>2017/6/13</a:t>
             </a:fld>
             <a:endParaRPr lang="zh-CN" altLang="en-US"/>
           </a:p>
@@ -4792,10 +4783,9 @@
           <a:lstStyle/>
           <a:p>
             <a:r>
-              <a:rPr lang="zh-CN" altLang="en-US" smtClean="0"/>
+              <a:rPr lang="zh-CN" altLang="en-US"/>
               <a:t>单击此处编辑母版标题样式</a:t>
             </a:r>
-            <a:endParaRPr lang="zh-CN" altLang="en-US"/>
           </a:p>
         </p:txBody>
       </p:sp>
@@ -4858,7 +4848,7 @@
           <a:p>
             <a:pPr lvl="0"/>
             <a:r>
-              <a:rPr lang="zh-CN" altLang="en-US" smtClean="0"/>
+              <a:rPr lang="zh-CN" altLang="en-US"/>
               <a:t>单击此处编辑母版文本样式</a:t>
             </a:r>
           </a:p>
@@ -4886,38 +4876,37 @@
           <a:p>
             <a:pPr lvl="0"/>
             <a:r>
-              <a:rPr lang="zh-CN" altLang="en-US" smtClean="0"/>
+              <a:rPr lang="zh-CN" altLang="en-US"/>
               <a:t>单击此处编辑母版文本样式</a:t>
             </a:r>
           </a:p>
           <a:p>
             <a:pPr lvl="1"/>
             <a:r>
-              <a:rPr lang="zh-CN" altLang="en-US" smtClean="0"/>
+              <a:rPr lang="zh-CN" altLang="en-US"/>
               <a:t>第二级</a:t>
             </a:r>
           </a:p>
           <a:p>
             <a:pPr lvl="2"/>
             <a:r>
-              <a:rPr lang="zh-CN" altLang="en-US" smtClean="0"/>
+              <a:rPr lang="zh-CN" altLang="en-US"/>
               <a:t>第三级</a:t>
             </a:r>
           </a:p>
           <a:p>
             <a:pPr lvl="3"/>
             <a:r>
-              <a:rPr lang="zh-CN" altLang="en-US" smtClean="0"/>
+              <a:rPr lang="zh-CN" altLang="en-US"/>
               <a:t>第四级</a:t>
             </a:r>
           </a:p>
           <a:p>
             <a:pPr lvl="4"/>
             <a:r>
-              <a:rPr lang="zh-CN" altLang="en-US" smtClean="0"/>
+              <a:rPr lang="zh-CN" altLang="en-US"/>
               <a:t>第五级</a:t>
             </a:r>
-            <a:endParaRPr lang="zh-CN" altLang="en-US"/>
           </a:p>
         </p:txBody>
       </p:sp>
@@ -4980,7 +4969,7 @@
           <a:p>
             <a:pPr lvl="0"/>
             <a:r>
-              <a:rPr lang="zh-CN" altLang="en-US" smtClean="0"/>
+              <a:rPr lang="zh-CN" altLang="en-US"/>
               <a:t>单击此处编辑母版文本样式</a:t>
             </a:r>
           </a:p>
@@ -5008,38 +4997,37 @@
           <a:p>
             <a:pPr lvl="0"/>
             <a:r>
-              <a:rPr lang="zh-CN" altLang="en-US" smtClean="0"/>
+              <a:rPr lang="zh-CN" altLang="en-US"/>
               <a:t>单击此处编辑母版文本样式</a:t>
             </a:r>
           </a:p>
           <a:p>
             <a:pPr lvl="1"/>
             <a:r>
-              <a:rPr lang="zh-CN" altLang="en-US" smtClean="0"/>
+              <a:rPr lang="zh-CN" altLang="en-US"/>
               <a:t>第二级</a:t>
             </a:r>
           </a:p>
           <a:p>
             <a:pPr lvl="2"/>
             <a:r>
-              <a:rPr lang="zh-CN" altLang="en-US" smtClean="0"/>
+              <a:rPr lang="zh-CN" altLang="en-US"/>
               <a:t>第三级</a:t>
             </a:r>
           </a:p>
           <a:p>
             <a:pPr lvl="3"/>
             <a:r>
-              <a:rPr lang="zh-CN" altLang="en-US" smtClean="0"/>
+              <a:rPr lang="zh-CN" altLang="en-US"/>
               <a:t>第四级</a:t>
             </a:r>
           </a:p>
           <a:p>
             <a:pPr lvl="4"/>
             <a:r>
-              <a:rPr lang="zh-CN" altLang="en-US" smtClean="0"/>
+              <a:rPr lang="zh-CN" altLang="en-US"/>
               <a:t>第五级</a:t>
             </a:r>
-            <a:endParaRPr lang="zh-CN" altLang="en-US"/>
           </a:p>
         </p:txBody>
       </p:sp>
@@ -5060,7 +5048,7 @@
           <a:p>
             <a:fld id="{CF58F6F5-F0C6-4ABB-B9FB-470D5B157132}" type="datetimeFigureOut">
               <a:rPr lang="zh-CN" altLang="en-US" smtClean="0"/>
-              <a:t>2017/1/21</a:t>
+              <a:t>2017/6/13</a:t>
             </a:fld>
             <a:endParaRPr lang="zh-CN" altLang="en-US"/>
           </a:p>
@@ -5149,10 +5137,9 @@
           <a:lstStyle/>
           <a:p>
             <a:r>
-              <a:rPr lang="zh-CN" altLang="en-US" smtClean="0"/>
+              <a:rPr lang="zh-CN" altLang="en-US"/>
               <a:t>单击此处编辑母版标题样式</a:t>
             </a:r>
-            <a:endParaRPr lang="zh-CN" altLang="en-US"/>
           </a:p>
         </p:txBody>
       </p:sp>
@@ -5173,7 +5160,7 @@
           <a:p>
             <a:fld id="{CF58F6F5-F0C6-4ABB-B9FB-470D5B157132}" type="datetimeFigureOut">
               <a:rPr lang="zh-CN" altLang="en-US" smtClean="0"/>
-              <a:t>2017/1/21</a:t>
+              <a:t>2017/6/13</a:t>
             </a:fld>
             <a:endParaRPr lang="zh-CN" altLang="en-US"/>
           </a:p>
@@ -5263,7 +5250,7 @@
           <a:p>
             <a:fld id="{CF58F6F5-F0C6-4ABB-B9FB-470D5B157132}" type="datetimeFigureOut">
               <a:rPr lang="zh-CN" altLang="en-US" smtClean="0"/>
-              <a:t>2017/1/21</a:t>
+              <a:t>2017/6/13</a:t>
             </a:fld>
             <a:endParaRPr lang="zh-CN" altLang="en-US"/>
           </a:p>
@@ -5361,10 +5348,9 @@
           </a:lstStyle>
           <a:p>
             <a:r>
-              <a:rPr lang="zh-CN" altLang="en-US" smtClean="0"/>
+              <a:rPr lang="zh-CN" altLang="en-US"/>
               <a:t>单击此处编辑母版标题样式</a:t>
             </a:r>
-            <a:endParaRPr lang="zh-CN" altLang="en-US"/>
           </a:p>
         </p:txBody>
       </p:sp>
@@ -5418,38 +5404,37 @@
           <a:p>
             <a:pPr lvl="0"/>
             <a:r>
-              <a:rPr lang="zh-CN" altLang="en-US" smtClean="0"/>
+              <a:rPr lang="zh-CN" altLang="en-US"/>
               <a:t>单击此处编辑母版文本样式</a:t>
             </a:r>
           </a:p>
           <a:p>
             <a:pPr lvl="1"/>
             <a:r>
-              <a:rPr lang="zh-CN" altLang="en-US" smtClean="0"/>
+              <a:rPr lang="zh-CN" altLang="en-US"/>
               <a:t>第二级</a:t>
             </a:r>
           </a:p>
           <a:p>
             <a:pPr lvl="2"/>
             <a:r>
-              <a:rPr lang="zh-CN" altLang="en-US" smtClean="0"/>
+              <a:rPr lang="zh-CN" altLang="en-US"/>
               <a:t>第三级</a:t>
             </a:r>
           </a:p>
           <a:p>
             <a:pPr lvl="3"/>
             <a:r>
-              <a:rPr lang="zh-CN" altLang="en-US" smtClean="0"/>
+              <a:rPr lang="zh-CN" altLang="en-US"/>
               <a:t>第四级</a:t>
             </a:r>
           </a:p>
           <a:p>
             <a:pPr lvl="4"/>
             <a:r>
-              <a:rPr lang="zh-CN" altLang="en-US" smtClean="0"/>
+              <a:rPr lang="zh-CN" altLang="en-US"/>
               <a:t>第五级</a:t>
             </a:r>
-            <a:endParaRPr lang="zh-CN" altLang="en-US"/>
           </a:p>
         </p:txBody>
       </p:sp>
@@ -5512,7 +5497,7 @@
           <a:p>
             <a:pPr lvl="0"/>
             <a:r>
-              <a:rPr lang="zh-CN" altLang="en-US" smtClean="0"/>
+              <a:rPr lang="zh-CN" altLang="en-US"/>
               <a:t>单击此处编辑母版文本样式</a:t>
             </a:r>
           </a:p>
@@ -5535,7 +5520,7 @@
           <a:p>
             <a:fld id="{CF58F6F5-F0C6-4ABB-B9FB-470D5B157132}" type="datetimeFigureOut">
               <a:rPr lang="zh-CN" altLang="en-US" smtClean="0"/>
-              <a:t>2017/1/21</a:t>
+              <a:t>2017/6/13</a:t>
             </a:fld>
             <a:endParaRPr lang="zh-CN" altLang="en-US"/>
           </a:p>
@@ -5633,10 +5618,9 @@
           </a:lstStyle>
           <a:p>
             <a:r>
-              <a:rPr lang="zh-CN" altLang="en-US" smtClean="0"/>
+              <a:rPr lang="zh-CN" altLang="en-US"/>
               <a:t>单击此处编辑母版标题样式</a:t>
             </a:r>
-            <a:endParaRPr lang="zh-CN" altLang="en-US"/>
           </a:p>
         </p:txBody>
       </p:sp>
@@ -5760,7 +5744,7 @@
           <a:p>
             <a:pPr lvl="0"/>
             <a:r>
-              <a:rPr lang="zh-CN" altLang="en-US" smtClean="0"/>
+              <a:rPr lang="zh-CN" altLang="en-US"/>
               <a:t>单击此处编辑母版文本样式</a:t>
             </a:r>
           </a:p>
@@ -5783,7 +5767,7 @@
           <a:p>
             <a:fld id="{CF58F6F5-F0C6-4ABB-B9FB-470D5B157132}" type="datetimeFigureOut">
               <a:rPr lang="zh-CN" altLang="en-US" smtClean="0"/>
-              <a:t>2017/1/21</a:t>
+              <a:t>2017/6/13</a:t>
             </a:fld>
             <a:endParaRPr lang="zh-CN" altLang="en-US"/>
           </a:p>
@@ -5887,10 +5871,9 @@
           <a:lstStyle/>
           <a:p>
             <a:r>
-              <a:rPr lang="zh-CN" altLang="en-US" smtClean="0"/>
+              <a:rPr lang="zh-CN" altLang="en-US"/>
               <a:t>单击此处编辑母版标题样式</a:t>
             </a:r>
-            <a:endParaRPr lang="zh-CN" altLang="en-US"/>
           </a:p>
         </p:txBody>
       </p:sp>
@@ -5921,38 +5904,37 @@
           <a:p>
             <a:pPr lvl="0"/>
             <a:r>
-              <a:rPr lang="zh-CN" altLang="en-US" smtClean="0"/>
+              <a:rPr lang="zh-CN" altLang="en-US"/>
               <a:t>单击此处编辑母版文本样式</a:t>
             </a:r>
           </a:p>
           <a:p>
             <a:pPr lvl="1"/>
             <a:r>
-              <a:rPr lang="zh-CN" altLang="en-US" smtClean="0"/>
+              <a:rPr lang="zh-CN" altLang="en-US"/>
               <a:t>第二级</a:t>
             </a:r>
           </a:p>
           <a:p>
             <a:pPr lvl="2"/>
             <a:r>
-              <a:rPr lang="zh-CN" altLang="en-US" smtClean="0"/>
+              <a:rPr lang="zh-CN" altLang="en-US"/>
               <a:t>第三级</a:t>
             </a:r>
           </a:p>
           <a:p>
             <a:pPr lvl="3"/>
             <a:r>
-              <a:rPr lang="zh-CN" altLang="en-US" smtClean="0"/>
+              <a:rPr lang="zh-CN" altLang="en-US"/>
               <a:t>第四级</a:t>
             </a:r>
           </a:p>
           <a:p>
             <a:pPr lvl="4"/>
             <a:r>
-              <a:rPr lang="zh-CN" altLang="en-US" smtClean="0"/>
+              <a:rPr lang="zh-CN" altLang="en-US"/>
               <a:t>第五级</a:t>
             </a:r>
-            <a:endParaRPr lang="zh-CN" altLang="en-US"/>
           </a:p>
         </p:txBody>
       </p:sp>
@@ -5991,7 +5973,7 @@
           <a:p>
             <a:fld id="{CF58F6F5-F0C6-4ABB-B9FB-470D5B157132}" type="datetimeFigureOut">
               <a:rPr lang="zh-CN" altLang="en-US" smtClean="0"/>
-              <a:t>2017/1/21</a:t>
+              <a:t>2017/6/13</a:t>
             </a:fld>
             <a:endParaRPr lang="zh-CN" altLang="en-US"/>
           </a:p>
@@ -6641,7 +6623,7 @@
           <a:p>
             <a:pPr algn="ctr"/>
             <a:r>
-              <a:rPr lang="zh-CN" altLang="en-US" sz="3600" dirty="0" smtClean="0">
+              <a:rPr lang="zh-CN" altLang="en-US" sz="3600" dirty="0">
                 <a:ln w="18415" cmpd="sng">
                   <a:noFill/>
                   <a:prstDash val="solid"/>
@@ -6665,28 +6647,6 @@
               </a:rPr>
               <a:t>毕业设计开题报告</a:t>
             </a:r>
-            <a:endParaRPr lang="zh-CN" altLang="en-US" sz="3600" dirty="0">
-              <a:ln w="18415" cmpd="sng">
-                <a:noFill/>
-                <a:prstDash val="solid"/>
-              </a:ln>
-              <a:solidFill>
-                <a:schemeClr val="tx1">
-                  <a:lumMod val="85000"/>
-                  <a:lumOff val="15000"/>
-                </a:schemeClr>
-              </a:solidFill>
-              <a:effectLst>
-                <a:outerShdw blurRad="50800" dist="38100" dir="2700000" algn="tl" rotWithShape="0">
-                  <a:prstClr val="black">
-                    <a:alpha val="40000"/>
-                  </a:prstClr>
-                </a:outerShdw>
-              </a:effectLst>
-              <a:latin typeface="黑体" panose="02010609060101010101" pitchFamily="49" charset="-122"/>
-              <a:ea typeface="黑体" panose="02010609060101010101" pitchFamily="49" charset="-122"/>
-              <a:cs typeface="Aharoni" pitchFamily="2" charset="-79"/>
-            </a:endParaRPr>
           </a:p>
         </p:txBody>
       </p:sp>
@@ -6713,59 +6673,6 @@
           <a:lstStyle/>
           <a:p>
             <a:r>
-              <a:rPr lang="zh-CN" altLang="en-US" sz="3200" dirty="0" smtClean="0">
-                <a:solidFill>
-                  <a:schemeClr val="tx1">
-                    <a:lumMod val="85000"/>
-                    <a:lumOff val="15000"/>
-                  </a:schemeClr>
-                </a:solidFill>
-                <a:latin typeface="隶书" panose="02010509060101010101" pitchFamily="49" charset="-122"/>
-                <a:ea typeface="隶书" panose="02010509060101010101" pitchFamily="49" charset="-122"/>
-              </a:rPr>
-              <a:t>姓名：周建宇</a:t>
-            </a:r>
-            <a:endParaRPr lang="en-US" altLang="zh-CN" sz="3200" dirty="0" smtClean="0">
-              <a:solidFill>
-                <a:schemeClr val="tx1">
-                  <a:lumMod val="85000"/>
-                  <a:lumOff val="15000"/>
-                </a:schemeClr>
-              </a:solidFill>
-              <a:latin typeface="隶书" panose="02010509060101010101" pitchFamily="49" charset="-122"/>
-              <a:ea typeface="隶书" panose="02010509060101010101" pitchFamily="49" charset="-122"/>
-            </a:endParaRPr>
-          </a:p>
-          <a:p>
-            <a:r>
-              <a:rPr lang="zh-CN" altLang="en-US" sz="3200" dirty="0" smtClean="0">
-                <a:solidFill>
-                  <a:schemeClr val="tx1">
-                    <a:lumMod val="85000"/>
-                    <a:lumOff val="15000"/>
-                  </a:schemeClr>
-                </a:solidFill>
-                <a:latin typeface="隶书" panose="02010509060101010101" pitchFamily="49" charset="-122"/>
-                <a:ea typeface="隶书" panose="02010509060101010101" pitchFamily="49" charset="-122"/>
-              </a:rPr>
-              <a:t>班级：计</a:t>
-            </a:r>
-            <a:r>
-              <a:rPr lang="en-US" altLang="zh-CN" sz="3200" dirty="0" smtClean="0">
-                <a:solidFill>
-                  <a:schemeClr val="tx1">
-                    <a:lumMod val="85000"/>
-                    <a:lumOff val="15000"/>
-                  </a:schemeClr>
-                </a:solidFill>
-                <a:latin typeface="隶书" panose="02010509060101010101" pitchFamily="49" charset="-122"/>
-                <a:ea typeface="隶书" panose="02010509060101010101" pitchFamily="49" charset="-122"/>
-              </a:rPr>
-              <a:t>32</a:t>
-            </a:r>
-          </a:p>
-          <a:p>
-            <a:r>
               <a:rPr lang="zh-CN" altLang="en-US" sz="3200" dirty="0">
                 <a:solidFill>
                   <a:schemeClr val="tx1">
@@ -6776,10 +6683,22 @@
                 <a:latin typeface="隶书" panose="02010509060101010101" pitchFamily="49" charset="-122"/>
                 <a:ea typeface="隶书" panose="02010509060101010101" pitchFamily="49" charset="-122"/>
               </a:rPr>
-              <a:t>学</a:t>
-            </a:r>
-            <a:r>
-              <a:rPr lang="zh-CN" altLang="en-US" sz="3200" dirty="0" smtClean="0">
+              <a:t>姓名：周建宇</a:t>
+            </a:r>
+            <a:endParaRPr lang="en-US" altLang="zh-CN" sz="3200" dirty="0">
+              <a:solidFill>
+                <a:schemeClr val="tx1">
+                  <a:lumMod val="85000"/>
+                  <a:lumOff val="15000"/>
+                </a:schemeClr>
+              </a:solidFill>
+              <a:latin typeface="隶书" panose="02010509060101010101" pitchFamily="49" charset="-122"/>
+              <a:ea typeface="隶书" panose="02010509060101010101" pitchFamily="49" charset="-122"/>
+            </a:endParaRPr>
+          </a:p>
+          <a:p>
+            <a:r>
+              <a:rPr lang="zh-CN" altLang="en-US" sz="3200" dirty="0">
                 <a:solidFill>
                   <a:schemeClr val="tx1">
                     <a:lumMod val="85000"/>
@@ -6789,10 +6708,10 @@
                 <a:latin typeface="隶书" panose="02010509060101010101" pitchFamily="49" charset="-122"/>
                 <a:ea typeface="隶书" panose="02010509060101010101" pitchFamily="49" charset="-122"/>
               </a:rPr>
-              <a:t>号：</a:t>
-            </a:r>
-            <a:r>
-              <a:rPr lang="en-US" altLang="zh-CN" sz="3200" dirty="0" smtClean="0">
+              <a:t>班级：计</a:t>
+            </a:r>
+            <a:r>
+              <a:rPr lang="en-US" altLang="zh-CN" sz="3200" dirty="0">
                 <a:solidFill>
                   <a:schemeClr val="tx1">
                     <a:lumMod val="85000"/>
@@ -6802,12 +6721,12 @@
                 <a:latin typeface="隶书" panose="02010509060101010101" pitchFamily="49" charset="-122"/>
                 <a:ea typeface="隶书" panose="02010509060101010101" pitchFamily="49" charset="-122"/>
               </a:rPr>
-              <a:t>2013011326</a:t>
-            </a:r>
-          </a:p>
-          <a:p>
-            <a:r>
-              <a:rPr lang="zh-CN" altLang="en-US" sz="3200" dirty="0" smtClean="0">
+              <a:t>32</a:t>
+            </a:r>
+          </a:p>
+          <a:p>
+            <a:r>
+              <a:rPr lang="zh-CN" altLang="en-US" sz="3200" dirty="0">
                 <a:solidFill>
                   <a:schemeClr val="tx1">
                     <a:lumMod val="85000"/>
@@ -6817,18 +6736,36 @@
                 <a:latin typeface="隶书" panose="02010509060101010101" pitchFamily="49" charset="-122"/>
                 <a:ea typeface="隶书" panose="02010509060101010101" pitchFamily="49" charset="-122"/>
               </a:rPr>
+              <a:t>学号：</a:t>
+            </a:r>
+            <a:r>
+              <a:rPr lang="en-US" altLang="zh-CN" sz="3200" dirty="0">
+                <a:solidFill>
+                  <a:schemeClr val="tx1">
+                    <a:lumMod val="85000"/>
+                    <a:lumOff val="15000"/>
+                  </a:schemeClr>
+                </a:solidFill>
+                <a:latin typeface="隶书" panose="02010509060101010101" pitchFamily="49" charset="-122"/>
+                <a:ea typeface="隶书" panose="02010509060101010101" pitchFamily="49" charset="-122"/>
+              </a:rPr>
+              <a:t>2013011326</a:t>
+            </a:r>
+          </a:p>
+          <a:p>
+            <a:r>
+              <a:rPr lang="zh-CN" altLang="en-US" sz="3200" dirty="0">
+                <a:solidFill>
+                  <a:schemeClr val="tx1">
+                    <a:lumMod val="85000"/>
+                    <a:lumOff val="15000"/>
+                  </a:schemeClr>
+                </a:solidFill>
+                <a:latin typeface="隶书" panose="02010509060101010101" pitchFamily="49" charset="-122"/>
+                <a:ea typeface="隶书" panose="02010509060101010101" pitchFamily="49" charset="-122"/>
+              </a:rPr>
               <a:t>指导教师：徐华</a:t>
             </a:r>
-            <a:endParaRPr lang="zh-CN" altLang="en-US" sz="3200" dirty="0">
-              <a:solidFill>
-                <a:schemeClr val="tx1">
-                  <a:lumMod val="85000"/>
-                  <a:lumOff val="15000"/>
-                </a:schemeClr>
-              </a:solidFill>
-              <a:latin typeface="隶书" panose="02010509060101010101" pitchFamily="49" charset="-122"/>
-              <a:ea typeface="隶书" panose="02010509060101010101" pitchFamily="49" charset="-122"/>
-            </a:endParaRPr>
           </a:p>
         </p:txBody>
       </p:sp>
@@ -6904,7 +6841,7 @@
           <a:p>
             <a:pPr algn="ctr"/>
             <a:r>
-              <a:rPr lang="zh-CN" altLang="en-US" sz="4265" spc="400" dirty="0" smtClean="0">
+              <a:rPr lang="zh-CN" altLang="en-US" sz="4265" spc="400" dirty="0">
                 <a:ln w="18415" cmpd="sng">
                   <a:noFill/>
                   <a:prstDash val="solid"/>
@@ -6918,7 +6855,7 @@
               <a:t>基于</a:t>
             </a:r>
             <a:r>
-              <a:rPr lang="en-US" altLang="zh-CN" sz="4265" spc="400" dirty="0" smtClean="0">
+              <a:rPr lang="en-US" altLang="zh-CN" sz="4265" spc="400" dirty="0">
                 <a:ln w="18415" cmpd="sng">
                   <a:noFill/>
                   <a:prstDash val="solid"/>
@@ -6932,7 +6869,7 @@
               <a:t>DCN</a:t>
             </a:r>
             <a:r>
-              <a:rPr lang="zh-CN" altLang="en-US" sz="4265" spc="400" dirty="0" smtClean="0">
+              <a:rPr lang="zh-CN" altLang="en-US" sz="4265" spc="400" dirty="0">
                 <a:ln w="18415" cmpd="sng">
                   <a:noFill/>
                   <a:prstDash val="solid"/>
@@ -6945,8 +6882,8 @@
               </a:rPr>
               <a:t>的中文问题答案</a:t>
             </a:r>
-            <a:r>
-              <a:rPr lang="en-US" altLang="zh-CN" sz="4265" spc="400" dirty="0" smtClean="0">
+            <a:br>
+              <a:rPr lang="en-US" altLang="zh-CN" sz="4265" spc="400" dirty="0">
                 <a:ln w="18415" cmpd="sng">
                   <a:noFill/>
                   <a:prstDash val="solid"/>
@@ -6957,10 +6894,9 @@
                 <a:latin typeface="微软雅黑" panose="020B0503020204020204" pitchFamily="34" charset="-122"/>
                 <a:ea typeface="微软雅黑" panose="020B0503020204020204" pitchFamily="34" charset="-122"/>
               </a:rPr>
-              <a:t/>
-            </a:r>
-            <a:br>
-              <a:rPr lang="en-US" altLang="zh-CN" sz="4265" spc="400" dirty="0" smtClean="0">
+            </a:br>
+            <a:r>
+              <a:rPr lang="zh-CN" altLang="en-US" sz="4265" spc="400" dirty="0">
                 <a:ln w="18415" cmpd="sng">
                   <a:noFill/>
                   <a:prstDash val="solid"/>
@@ -6971,32 +6907,8 @@
                 <a:latin typeface="微软雅黑" panose="020B0503020204020204" pitchFamily="34" charset="-122"/>
                 <a:ea typeface="微软雅黑" panose="020B0503020204020204" pitchFamily="34" charset="-122"/>
               </a:rPr>
-            </a:br>
-            <a:r>
-              <a:rPr lang="zh-CN" altLang="en-US" sz="4265" spc="400" dirty="0" smtClean="0">
-                <a:ln w="18415" cmpd="sng">
-                  <a:noFill/>
-                  <a:prstDash val="solid"/>
-                </a:ln>
-                <a:solidFill>
-                  <a:schemeClr val="bg1"/>
-                </a:solidFill>
-                <a:latin typeface="微软雅黑" panose="020B0503020204020204" pitchFamily="34" charset="-122"/>
-                <a:ea typeface="微软雅黑" panose="020B0503020204020204" pitchFamily="34" charset="-122"/>
-              </a:rPr>
               <a:t>抽取方法研究</a:t>
             </a:r>
-            <a:endParaRPr lang="zh-CN" altLang="en-US" sz="4265" spc="400" dirty="0">
-              <a:ln w="18415" cmpd="sng">
-                <a:noFill/>
-                <a:prstDash val="solid"/>
-              </a:ln>
-              <a:solidFill>
-                <a:schemeClr val="bg1"/>
-              </a:solidFill>
-              <a:latin typeface="微软雅黑" panose="020B0503020204020204" pitchFamily="34" charset="-122"/>
-              <a:ea typeface="微软雅黑" panose="020B0503020204020204" pitchFamily="34" charset="-122"/>
-            </a:endParaRPr>
           </a:p>
         </p:txBody>
       </p:sp>
@@ -7235,13 +7147,6 @@
   <p:clrMapOvr>
     <a:masterClrMapping/>
   </p:clrMapOvr>
-  <p:timing>
-    <p:tnLst>
-      <p:par>
-        <p:cTn id="1" dur="indefinite" restart="never" nodeType="tmRoot"/>
-      </p:par>
-    </p:tnLst>
-  </p:timing>
 </p:sld>
 </file>
 
@@ -7289,7 +7194,7 @@
               </a:spcBef>
             </a:pPr>
             <a:r>
-              <a:rPr lang="zh-CN" altLang="en-US" sz="4265" kern="0" dirty="0" smtClean="0">
+              <a:rPr lang="zh-CN" altLang="en-US" sz="4265" kern="0" dirty="0">
                 <a:gradFill>
                   <a:gsLst>
                     <a:gs pos="0">
@@ -7544,13 +7449,13 @@
               <a:buChar char="•"/>
             </a:pPr>
             <a:r>
-              <a:rPr lang="zh-CN" altLang="en-US" sz="2800" dirty="0" smtClean="0">
+              <a:rPr lang="zh-CN" altLang="en-US" sz="2800" dirty="0">
                 <a:latin typeface="微软雅黑" panose="020B0503020204020204" pitchFamily="34" charset="-122"/>
                 <a:ea typeface="微软雅黑" panose="020B0503020204020204" pitchFamily="34" charset="-122"/>
               </a:rPr>
               <a:t>抓取并预处理问题与答案文本（百度知道、知乎）</a:t>
             </a:r>
-            <a:endParaRPr lang="en-US" altLang="zh-CN" sz="2800" dirty="0" smtClean="0">
+            <a:endParaRPr lang="en-US" altLang="zh-CN" sz="2800" dirty="0">
               <a:latin typeface="微软雅黑" panose="020B0503020204020204" pitchFamily="34" charset="-122"/>
               <a:ea typeface="微软雅黑" panose="020B0503020204020204" pitchFamily="34" charset="-122"/>
             </a:endParaRPr>
@@ -7560,7 +7465,7 @@
               <a:buFont typeface="Arial" panose="020B0604020202020204" pitchFamily="34" charset="0"/>
               <a:buChar char="•"/>
             </a:pPr>
-            <a:endParaRPr lang="en-US" altLang="zh-CN" sz="2800" dirty="0" smtClean="0">
+            <a:endParaRPr lang="en-US" altLang="zh-CN" sz="2800" dirty="0">
               <a:latin typeface="微软雅黑" panose="020B0503020204020204" pitchFamily="34" charset="-122"/>
               <a:ea typeface="微软雅黑" panose="020B0503020204020204" pitchFamily="34" charset="-122"/>
             </a:endParaRPr>
@@ -7571,13 +7476,13 @@
               <a:buChar char="•"/>
             </a:pPr>
             <a:r>
-              <a:rPr lang="zh-CN" altLang="en-US" sz="2800" dirty="0" smtClean="0">
+              <a:rPr lang="zh-CN" altLang="en-US" sz="2800" dirty="0">
                 <a:latin typeface="微软雅黑" panose="020B0503020204020204" pitchFamily="34" charset="-122"/>
                 <a:ea typeface="微软雅黑" panose="020B0503020204020204" pitchFamily="34" charset="-122"/>
               </a:rPr>
               <a:t>提取文本特征（中文分词、词性标注、关键词提取、文本编码）</a:t>
             </a:r>
-            <a:endParaRPr lang="en-US" altLang="zh-CN" sz="2800" dirty="0" smtClean="0">
+            <a:endParaRPr lang="en-US" altLang="zh-CN" sz="2800" dirty="0">
               <a:latin typeface="微软雅黑" panose="020B0503020204020204" pitchFamily="34" charset="-122"/>
               <a:ea typeface="微软雅黑" panose="020B0503020204020204" pitchFamily="34" charset="-122"/>
             </a:endParaRPr>
@@ -7587,7 +7492,7 @@
               <a:buFont typeface="Arial" panose="020B0604020202020204" pitchFamily="34" charset="0"/>
               <a:buChar char="•"/>
             </a:pPr>
-            <a:endParaRPr lang="zh-CN" altLang="en-US" sz="2800" dirty="0" smtClean="0">
+            <a:endParaRPr lang="zh-CN" altLang="en-US" sz="2800" dirty="0">
               <a:latin typeface="微软雅黑" panose="020B0503020204020204" pitchFamily="34" charset="-122"/>
               <a:ea typeface="微软雅黑" panose="020B0503020204020204" pitchFamily="34" charset="-122"/>
             </a:endParaRPr>
@@ -7598,27 +7503,27 @@
               <a:buChar char="•"/>
             </a:pPr>
             <a:r>
-              <a:rPr lang="zh-CN" altLang="en-US" sz="2800" dirty="0" smtClean="0">
+              <a:rPr lang="zh-CN" altLang="en-US" sz="2800" dirty="0">
                 <a:latin typeface="微软雅黑" panose="020B0503020204020204" pitchFamily="34" charset="-122"/>
                 <a:ea typeface="微软雅黑" panose="020B0503020204020204" pitchFamily="34" charset="-122"/>
               </a:rPr>
               <a:t>模型训练（训练集标注、</a:t>
             </a:r>
             <a:r>
-              <a:rPr lang="en-US" altLang="zh-CN" sz="2800" dirty="0" smtClean="0">
+              <a:rPr lang="en-US" altLang="zh-CN" sz="2800" dirty="0">
                 <a:latin typeface="微软雅黑" panose="020B0503020204020204" pitchFamily="34" charset="-122"/>
                 <a:ea typeface="微软雅黑" panose="020B0503020204020204" pitchFamily="34" charset="-122"/>
               </a:rPr>
               <a:t>DCN</a:t>
             </a:r>
             <a:r>
-              <a:rPr lang="zh-CN" altLang="en-US" sz="2800" dirty="0" smtClean="0">
+              <a:rPr lang="zh-CN" altLang="en-US" sz="2800" dirty="0">
                 <a:latin typeface="微软雅黑" panose="020B0503020204020204" pitchFamily="34" charset="-122"/>
                 <a:ea typeface="微软雅黑" panose="020B0503020204020204" pitchFamily="34" charset="-122"/>
               </a:rPr>
               <a:t>模型构建）</a:t>
             </a:r>
-            <a:endParaRPr lang="en-US" altLang="zh-CN" sz="2800" dirty="0" smtClean="0">
+            <a:endParaRPr lang="en-US" altLang="zh-CN" sz="2800" dirty="0">
               <a:latin typeface="微软雅黑" panose="020B0503020204020204" pitchFamily="34" charset="-122"/>
               <a:ea typeface="微软雅黑" panose="020B0503020204020204" pitchFamily="34" charset="-122"/>
             </a:endParaRPr>
@@ -7628,7 +7533,7 @@
               <a:buFont typeface="Arial" panose="020B0604020202020204" pitchFamily="34" charset="0"/>
               <a:buChar char="•"/>
             </a:pPr>
-            <a:endParaRPr lang="zh-CN" altLang="en-US" sz="2800" dirty="0" smtClean="0">
+            <a:endParaRPr lang="zh-CN" altLang="en-US" sz="2800" dirty="0">
               <a:latin typeface="微软雅黑" panose="020B0503020204020204" pitchFamily="34" charset="-122"/>
               <a:ea typeface="微软雅黑" panose="020B0503020204020204" pitchFamily="34" charset="-122"/>
             </a:endParaRPr>
@@ -7639,7 +7544,7 @@
               <a:buChar char="•"/>
             </a:pPr>
             <a:r>
-              <a:rPr lang="zh-CN" altLang="en-US" sz="2800" dirty="0" smtClean="0">
+              <a:rPr lang="zh-CN" altLang="en-US" sz="2800" dirty="0">
                 <a:latin typeface="微软雅黑" panose="020B0503020204020204" pitchFamily="34" charset="-122"/>
                 <a:ea typeface="微软雅黑" panose="020B0503020204020204" pitchFamily="34" charset="-122"/>
               </a:rPr>
@@ -7675,13 +7580,6 @@
       </p:transition>
     </mc:Fallback>
   </mc:AlternateContent>
-  <p:timing>
-    <p:tnLst>
-      <p:par>
-        <p:cTn id="1" dur="indefinite" restart="never" nodeType="tmRoot"/>
-      </p:par>
-    </p:tnLst>
-  </p:timing>
 </p:sld>
 </file>
 
@@ -7729,7 +7627,7 @@
               </a:spcBef>
             </a:pPr>
             <a:r>
-              <a:rPr lang="zh-CN" altLang="en-US" sz="4265" kern="0" dirty="0" smtClean="0">
+              <a:rPr lang="zh-CN" altLang="en-US" sz="4265" kern="0" dirty="0">
                 <a:gradFill>
                   <a:gsLst>
                     <a:gs pos="0">
@@ -7949,7 +7847,7 @@
               <a:buChar char="•"/>
             </a:pPr>
             <a:r>
-              <a:rPr lang="zh-CN" altLang="en-US" sz="3200" b="1" dirty="0" smtClean="0">
+              <a:rPr lang="zh-CN" altLang="en-US" sz="3200" b="1" dirty="0">
                 <a:solidFill>
                   <a:schemeClr val="tx1">
                     <a:lumMod val="75000"/>
@@ -7986,7 +7884,7 @@
               <a:buChar char="•"/>
             </a:pPr>
             <a:r>
-              <a:rPr lang="zh-CN" altLang="en-US" sz="3200" dirty="0" smtClean="0">
+              <a:rPr lang="zh-CN" altLang="en-US" sz="3200" dirty="0">
                 <a:solidFill>
                   <a:schemeClr val="bg2">
                     <a:lumMod val="75000"/>
@@ -7998,7 +7896,7 @@
               </a:rPr>
               <a:t>研究基础</a:t>
             </a:r>
-            <a:endParaRPr lang="en-US" altLang="zh-CN" sz="3200" dirty="0" smtClean="0">
+            <a:endParaRPr lang="en-US" altLang="zh-CN" sz="3200" dirty="0">
               <a:solidFill>
                 <a:schemeClr val="bg2">
                   <a:lumMod val="75000"/>
@@ -8031,20 +7929,7 @@
                 <a:ea typeface="微软雅黑" panose="020B0503020204020204" pitchFamily="34" charset="-122"/>
                 <a:sym typeface="微软雅黑" panose="020B0503020204020204" pitchFamily="34" charset="-122"/>
               </a:rPr>
-              <a:t>进度</a:t>
-            </a:r>
-            <a:r>
-              <a:rPr lang="zh-CN" altLang="en-US" sz="3200" dirty="0" smtClean="0">
-                <a:solidFill>
-                  <a:schemeClr val="bg2">
-                    <a:lumMod val="75000"/>
-                  </a:schemeClr>
-                </a:solidFill>
-                <a:latin typeface="微软雅黑" panose="020B0503020204020204" pitchFamily="34" charset="-122"/>
-                <a:ea typeface="微软雅黑" panose="020B0503020204020204" pitchFamily="34" charset="-122"/>
-                <a:sym typeface="微软雅黑" panose="020B0503020204020204" pitchFamily="34" charset="-122"/>
-              </a:rPr>
-              <a:t>安排和预期成果</a:t>
+              <a:t>进度安排和预期成果</a:t>
             </a:r>
             <a:endParaRPr lang="en-US" altLang="zh-CN" sz="3200" dirty="0">
               <a:solidFill>
@@ -8329,7 +8214,7 @@
               </a:spcBef>
             </a:pPr>
             <a:r>
-              <a:rPr lang="zh-CN" altLang="en-US" sz="4265" kern="0" dirty="0" smtClean="0">
+              <a:rPr lang="zh-CN" altLang="en-US" sz="4265" kern="0" dirty="0">
                 <a:gradFill>
                   <a:gsLst>
                     <a:gs pos="0">
@@ -8603,7 +8488,7 @@
               <a:buFontTx/>
               <a:buNone/>
             </a:pPr>
-            <a:endParaRPr kumimoji="0" lang="zh-CN" altLang="en-US" b="0" i="0" u="none" strike="noStrike" cap="none" normalizeH="0" baseline="0" smtClean="0">
+            <a:endParaRPr kumimoji="0" lang="zh-CN" altLang="en-US" b="0" i="0" u="none" strike="noStrike" cap="none" normalizeH="0" baseline="0">
               <a:ln>
                 <a:noFill/>
               </a:ln>
@@ -8663,7 +8548,7 @@
               <a:buNone/>
             </a:pPr>
             <a:r>
-              <a:rPr kumimoji="0" lang="zh-CN" altLang="en-US" b="0" i="0" u="none" strike="noStrike" cap="none" normalizeH="0" baseline="0" dirty="0" smtClean="0">
+              <a:rPr kumimoji="0" lang="zh-CN" altLang="en-US" b="0" i="0" u="none" strike="noStrike" cap="none" normalizeH="0" baseline="0" dirty="0">
                 <a:ln>
                   <a:noFill/>
                 </a:ln>
@@ -8725,10 +8610,10 @@
               <a:buNone/>
             </a:pPr>
             <a:r>
-              <a:rPr lang="zh-CN" altLang="en-US" dirty="0" smtClean="0"/>
+              <a:rPr lang="zh-CN" altLang="en-US" dirty="0"/>
               <a:t>删除无关内容</a:t>
             </a:r>
-            <a:endParaRPr kumimoji="0" lang="zh-CN" altLang="en-US" b="0" i="0" u="none" strike="noStrike" cap="none" normalizeH="0" baseline="0" dirty="0" smtClean="0">
+            <a:endParaRPr kumimoji="0" lang="zh-CN" altLang="en-US" b="0" i="0" u="none" strike="noStrike" cap="none" normalizeH="0" baseline="0" dirty="0">
               <a:ln>
                 <a:noFill/>
               </a:ln>
@@ -8786,7 +8671,7 @@
               <a:buNone/>
             </a:pPr>
             <a:r>
-              <a:rPr kumimoji="0" lang="zh-CN" altLang="en-US" b="0" i="0" u="none" strike="noStrike" cap="none" normalizeH="0" baseline="0" dirty="0" smtClean="0">
+              <a:rPr kumimoji="0" lang="zh-CN" altLang="en-US" b="0" i="0" u="none" strike="noStrike" cap="none" normalizeH="0" baseline="0" dirty="0">
                 <a:ln>
                   <a:noFill/>
                 </a:ln>
@@ -8848,20 +8733,20 @@
               <a:buNone/>
             </a:pPr>
             <a:r>
-              <a:rPr lang="en-US" altLang="zh-CN" dirty="0" smtClean="0">
+              <a:rPr lang="en-US" altLang="zh-CN" dirty="0">
                 <a:latin typeface="Times New Roman" panose="02020603050405020304" pitchFamily="18" charset="0"/>
                 <a:ea typeface="宋体" panose="02010600030101010101" pitchFamily="2" charset="-122"/>
               </a:rPr>
               <a:t>DCN</a:t>
             </a:r>
             <a:r>
-              <a:rPr lang="zh-CN" altLang="en-US" dirty="0" smtClean="0">
+              <a:rPr lang="zh-CN" altLang="en-US" dirty="0">
                 <a:latin typeface="Times New Roman" panose="02020603050405020304" pitchFamily="18" charset="0"/>
                 <a:ea typeface="宋体" panose="02010600030101010101" pitchFamily="2" charset="-122"/>
               </a:rPr>
               <a:t>模型训练</a:t>
             </a:r>
-            <a:endParaRPr kumimoji="0" lang="zh-CN" altLang="en-US" b="0" i="0" u="none" strike="noStrike" cap="none" normalizeH="0" baseline="0" dirty="0" smtClean="0">
+            <a:endParaRPr kumimoji="0" lang="zh-CN" altLang="en-US" b="0" i="0" u="none" strike="noStrike" cap="none" normalizeH="0" baseline="0" dirty="0">
               <a:ln>
                 <a:noFill/>
               </a:ln>
@@ -8921,7 +8806,7 @@
               <a:buNone/>
             </a:pPr>
             <a:r>
-              <a:rPr kumimoji="0" lang="zh-CN" altLang="en-US" b="0" i="0" u="none" strike="noStrike" cap="none" normalizeH="0" baseline="0" dirty="0" smtClean="0">
+              <a:rPr kumimoji="0" lang="zh-CN" altLang="en-US" b="0" i="0" u="none" strike="noStrike" cap="none" normalizeH="0" baseline="0" dirty="0">
                 <a:ln>
                   <a:noFill/>
                 </a:ln>
@@ -8983,7 +8868,7 @@
               <a:buNone/>
             </a:pPr>
             <a:r>
-              <a:rPr kumimoji="0" lang="zh-CN" altLang="en-US" b="0" i="0" u="none" strike="noStrike" cap="none" normalizeH="0" baseline="0" dirty="0" smtClean="0">
+              <a:rPr kumimoji="0" lang="zh-CN" altLang="en-US" b="0" i="0" u="none" strike="noStrike" cap="none" normalizeH="0" baseline="0" dirty="0">
                 <a:ln>
                   <a:noFill/>
                 </a:ln>
@@ -9042,7 +8927,7 @@
               <a:buNone/>
             </a:pPr>
             <a:r>
-              <a:rPr kumimoji="0" lang="zh-CN" altLang="en-US" b="0" i="0" u="none" strike="noStrike" cap="none" normalizeH="0" baseline="0" dirty="0" smtClean="0">
+              <a:rPr kumimoji="0" lang="zh-CN" altLang="en-US" b="0" i="0" u="none" strike="noStrike" cap="none" normalizeH="0" baseline="0" dirty="0">
                 <a:ln>
                   <a:noFill/>
                 </a:ln>
@@ -9101,7 +8986,7 @@
               <a:buNone/>
             </a:pPr>
             <a:r>
-              <a:rPr kumimoji="0" lang="zh-CN" altLang="en-US" b="0" i="0" u="none" strike="noStrike" cap="none" normalizeH="0" baseline="0" dirty="0" smtClean="0">
+              <a:rPr kumimoji="0" lang="zh-CN" altLang="en-US" b="0" i="0" u="none" strike="noStrike" cap="none" normalizeH="0" baseline="0" dirty="0">
                 <a:ln>
                   <a:noFill/>
                 </a:ln>
@@ -9160,7 +9045,7 @@
               <a:buNone/>
             </a:pPr>
             <a:r>
-              <a:rPr kumimoji="0" lang="zh-CN" altLang="en-US" b="0" i="0" u="none" strike="noStrike" cap="none" normalizeH="0" baseline="0" dirty="0" smtClean="0">
+              <a:rPr kumimoji="0" lang="zh-CN" altLang="en-US" b="0" i="0" u="none" strike="noStrike" cap="none" normalizeH="0" baseline="0" dirty="0">
                 <a:ln>
                   <a:noFill/>
                 </a:ln>
@@ -9219,27 +9104,20 @@
               <a:buNone/>
             </a:pPr>
             <a:r>
-              <a:rPr lang="zh-CN" altLang="en-US" dirty="0" smtClean="0">
+              <a:rPr lang="zh-CN" altLang="en-US" dirty="0">
                 <a:latin typeface="Times New Roman" panose="02020603050405020304" pitchFamily="18" charset="0"/>
                 <a:ea typeface="宋体" panose="02010600030101010101" pitchFamily="2" charset="-122"/>
               </a:rPr>
               <a:t>中文问答</a:t>
             </a:r>
-            <a:r>
-              <a:rPr lang="en-US" altLang="zh-CN" dirty="0" smtClean="0">
+            <a:br>
+              <a:rPr lang="en-US" altLang="zh-CN" dirty="0">
                 <a:latin typeface="Times New Roman" panose="02020603050405020304" pitchFamily="18" charset="0"/>
                 <a:ea typeface="宋体" panose="02010600030101010101" pitchFamily="2" charset="-122"/>
               </a:rPr>
-              <a:t/>
-            </a:r>
-            <a:br>
-              <a:rPr lang="en-US" altLang="zh-CN" dirty="0" smtClean="0">
-                <a:latin typeface="Times New Roman" panose="02020603050405020304" pitchFamily="18" charset="0"/>
-                <a:ea typeface="宋体" panose="02010600030101010101" pitchFamily="2" charset="-122"/>
-              </a:rPr>
             </a:br>
             <a:r>
-              <a:rPr kumimoji="0" lang="zh-CN" altLang="en-US" b="0" i="0" u="none" strike="noStrike" cap="none" normalizeH="0" baseline="0" dirty="0" smtClean="0">
+              <a:rPr kumimoji="0" lang="zh-CN" altLang="en-US" b="0" i="0" u="none" strike="noStrike" cap="none" normalizeH="0" baseline="0" dirty="0">
                 <a:ln>
                   <a:noFill/>
                 </a:ln>
@@ -9297,7 +9175,7 @@
               <a:buFontTx/>
               <a:buNone/>
             </a:pPr>
-            <a:endParaRPr kumimoji="0" lang="zh-CN" altLang="en-US" b="0" i="0" u="none" strike="noStrike" cap="none" normalizeH="0" baseline="0" smtClean="0">
+            <a:endParaRPr kumimoji="0" lang="zh-CN" altLang="en-US" b="0" i="0" u="none" strike="noStrike" cap="none" normalizeH="0" baseline="0">
               <a:ln>
                 <a:noFill/>
               </a:ln>
@@ -9356,7 +9234,7 @@
               <a:buFontTx/>
               <a:buNone/>
             </a:pPr>
-            <a:endParaRPr kumimoji="0" lang="zh-CN" altLang="en-US" sz="2000" b="0" i="0" u="none" strike="noStrike" cap="none" normalizeH="0" baseline="0" smtClean="0">
+            <a:endParaRPr kumimoji="0" lang="zh-CN" altLang="en-US" sz="2000" b="0" i="0" u="none" strike="noStrike" cap="none" normalizeH="0" baseline="0">
               <a:ln>
                 <a:noFill/>
               </a:ln>
@@ -9415,7 +9293,7 @@
               <a:buFontTx/>
               <a:buNone/>
             </a:pPr>
-            <a:endParaRPr kumimoji="0" lang="zh-CN" altLang="en-US" sz="2000" b="0" i="0" u="none" strike="noStrike" cap="none" normalizeH="0" baseline="0" smtClean="0">
+            <a:endParaRPr kumimoji="0" lang="zh-CN" altLang="en-US" sz="2000" b="0" i="0" u="none" strike="noStrike" cap="none" normalizeH="0" baseline="0">
               <a:ln>
                 <a:noFill/>
               </a:ln>
@@ -9474,7 +9352,7 @@
               <a:buFontTx/>
               <a:buNone/>
             </a:pPr>
-            <a:endParaRPr kumimoji="0" lang="zh-CN" altLang="en-US" sz="2000" b="0" i="0" u="none" strike="noStrike" cap="none" normalizeH="0" baseline="0" smtClean="0">
+            <a:endParaRPr kumimoji="0" lang="zh-CN" altLang="en-US" sz="2000" b="0" i="0" u="none" strike="noStrike" cap="none" normalizeH="0" baseline="0">
               <a:ln>
                 <a:noFill/>
               </a:ln>
@@ -9533,66 +9411,7 @@
               <a:buFontTx/>
               <a:buNone/>
             </a:pPr>
-            <a:endParaRPr kumimoji="0" lang="zh-CN" altLang="en-US" sz="2000" b="0" i="0" u="none" strike="noStrike" cap="none" normalizeH="0" baseline="0" smtClean="0">
-              <a:ln>
-                <a:noFill/>
-              </a:ln>
-              <a:solidFill>
-                <a:schemeClr val="tx1"/>
-              </a:solidFill>
-              <a:effectLst/>
-              <a:latin typeface="Times New Roman" panose="02020603050405020304" pitchFamily="18" charset="0"/>
-              <a:ea typeface="宋体" panose="02010600030101010101" pitchFamily="2" charset="-122"/>
-            </a:endParaRPr>
-          </a:p>
-        </p:txBody>
-      </p:sp>
-      <p:sp>
-        <p:nvSpPr>
-          <p:cNvPr id="33" name="右箭头 32"/>
-          <p:cNvSpPr/>
-          <p:nvPr/>
-        </p:nvSpPr>
-        <p:spPr bwMode="auto">
-          <a:xfrm rot="4207041">
-            <a:off x="4372985" y="3503802"/>
-            <a:ext cx="1626470" cy="277493"/>
-          </a:xfrm>
-          <a:prstGeom prst="rightArrow">
-            <a:avLst/>
-          </a:prstGeom>
-          <a:noFill/>
-          <a:ln w="9525" cap="flat" cmpd="sng" algn="ctr">
-            <a:solidFill>
-              <a:schemeClr val="tx1"/>
-            </a:solidFill>
-            <a:prstDash val="solid"/>
-            <a:round/>
-            <a:headEnd type="none" w="med" len="med"/>
-            <a:tailEnd type="none" w="med" len="med"/>
-          </a:ln>
-          <a:effectLst/>
-        </p:spPr>
-        <p:txBody>
-          <a:bodyPr vert="horz" wrap="square" lIns="91440" tIns="45720" rIns="91440" bIns="45720" numCol="1" rtlCol="0" anchor="t" anchorCtr="0" compatLnSpc="1"/>
-          <a:lstStyle/>
-          <a:p>
-            <a:pPr marL="0" marR="0" indent="0" algn="l" defTabSz="914400" rtl="0" eaLnBrk="1" fontAlgn="base" latinLnBrk="0" hangingPunct="1">
-              <a:lnSpc>
-                <a:spcPct val="100000"/>
-              </a:lnSpc>
-              <a:spcBef>
-                <a:spcPct val="0"/>
-              </a:spcBef>
-              <a:spcAft>
-                <a:spcPct val="0"/>
-              </a:spcAft>
-              <a:buClrTx/>
-              <a:buSzTx/>
-              <a:buFontTx/>
-              <a:buNone/>
-            </a:pPr>
-            <a:endParaRPr kumimoji="0" lang="zh-CN" altLang="en-US" sz="2000" b="0" i="0" u="none" strike="noStrike" cap="none" normalizeH="0" baseline="0" smtClean="0">
+            <a:endParaRPr kumimoji="0" lang="zh-CN" altLang="en-US" sz="2000" b="0" i="0" u="none" strike="noStrike" cap="none" normalizeH="0" baseline="0">
               <a:ln>
                 <a:noFill/>
               </a:ln>
@@ -9651,7 +9470,7 @@
               <a:buFontTx/>
               <a:buNone/>
             </a:pPr>
-            <a:endParaRPr kumimoji="0" lang="zh-CN" altLang="en-US" sz="2000" b="0" i="0" u="none" strike="noStrike" cap="none" normalizeH="0" baseline="0" smtClean="0">
+            <a:endParaRPr kumimoji="0" lang="zh-CN" altLang="en-US" sz="2000" b="0" i="0" u="none" strike="noStrike" cap="none" normalizeH="0" baseline="0">
               <a:ln>
                 <a:noFill/>
               </a:ln>
@@ -9718,7 +9537,7 @@
               <a:t>阅读理解</a:t>
             </a:r>
             <a:r>
-              <a:rPr kumimoji="0" lang="zh-CN" altLang="en-US" sz="2000" b="0" i="0" u="none" strike="noStrike" cap="none" normalizeH="0" baseline="0" dirty="0" smtClean="0">
+              <a:rPr kumimoji="0" lang="zh-CN" altLang="en-US" sz="2000" b="0" i="0" u="none" strike="noStrike" cap="none" normalizeH="0" baseline="0" dirty="0">
                 <a:ln>
                   <a:noFill/>
                 </a:ln>
@@ -9779,7 +9598,7 @@
               <a:buFontTx/>
               <a:buNone/>
             </a:pPr>
-            <a:endParaRPr kumimoji="0" lang="zh-CN" altLang="en-US" b="0" i="0" u="none" strike="noStrike" cap="none" normalizeH="0" baseline="0" smtClean="0">
+            <a:endParaRPr kumimoji="0" lang="zh-CN" altLang="en-US" b="0" i="0" u="none" strike="noStrike" cap="none" normalizeH="0" baseline="0">
               <a:ln>
                 <a:noFill/>
               </a:ln>
@@ -9838,7 +9657,7 @@
               <a:buFontTx/>
               <a:buNone/>
             </a:pPr>
-            <a:endParaRPr kumimoji="0" lang="zh-CN" altLang="en-US" sz="2000" b="0" i="0" u="none" strike="noStrike" cap="none" normalizeH="0" baseline="0" smtClean="0">
+            <a:endParaRPr kumimoji="0" lang="zh-CN" altLang="en-US" sz="2000" b="0" i="0" u="none" strike="noStrike" cap="none" normalizeH="0" baseline="0">
               <a:ln>
                 <a:noFill/>
               </a:ln>
@@ -9897,7 +9716,7 @@
               <a:buFontTx/>
               <a:buNone/>
             </a:pPr>
-            <a:endParaRPr kumimoji="0" lang="zh-CN" altLang="en-US" b="0" i="0" u="none" strike="noStrike" cap="none" normalizeH="0" baseline="0" smtClean="0">
+            <a:endParaRPr kumimoji="0" lang="zh-CN" altLang="en-US" b="0" i="0" u="none" strike="noStrike" cap="none" normalizeH="0" baseline="0">
               <a:ln>
                 <a:noFill/>
               </a:ln>
@@ -9956,7 +9775,7 @@
               <a:buFontTx/>
               <a:buNone/>
             </a:pPr>
-            <a:endParaRPr kumimoji="0" lang="zh-CN" altLang="en-US" sz="2000" b="0" i="0" u="none" strike="noStrike" cap="none" normalizeH="0" baseline="0" smtClean="0">
+            <a:endParaRPr kumimoji="0" lang="zh-CN" altLang="en-US" sz="2000" b="0" i="0" u="none" strike="noStrike" cap="none" normalizeH="0" baseline="0">
               <a:ln>
                 <a:noFill/>
               </a:ln>
@@ -10015,7 +9834,7 @@
               <a:buFontTx/>
               <a:buNone/>
             </a:pPr>
-            <a:endParaRPr kumimoji="0" lang="zh-CN" altLang="en-US" sz="2000" b="0" i="0" u="none" strike="noStrike" cap="none" normalizeH="0" baseline="0" smtClean="0">
+            <a:endParaRPr kumimoji="0" lang="zh-CN" altLang="en-US" sz="2000" b="0" i="0" u="none" strike="noStrike" cap="none" normalizeH="0" baseline="0">
               <a:ln>
                 <a:noFill/>
               </a:ln>
@@ -10074,7 +9893,7 @@
               <a:buFontTx/>
               <a:buNone/>
             </a:pPr>
-            <a:endParaRPr kumimoji="0" lang="zh-CN" altLang="en-US" sz="2000" b="0" i="0" u="none" strike="noStrike" cap="none" normalizeH="0" baseline="0" smtClean="0">
+            <a:endParaRPr kumimoji="0" lang="zh-CN" altLang="en-US" sz="2000" b="0" i="0" u="none" strike="noStrike" cap="none" normalizeH="0" baseline="0">
               <a:ln>
                 <a:noFill/>
               </a:ln>
@@ -10112,7 +9931,7 @@
           <a:p>
             <a:pPr algn="ctr"/>
             <a:r>
-              <a:rPr lang="zh-CN" altLang="en-US" dirty="0" smtClean="0">
+              <a:rPr lang="zh-CN" altLang="en-US" dirty="0">
                 <a:solidFill>
                   <a:schemeClr val="accent2"/>
                 </a:solidFill>
@@ -10121,13 +9940,6 @@
               </a:rPr>
               <a:t>数据预处理</a:t>
             </a:r>
-            <a:endParaRPr lang="zh-CN" altLang="en-US" dirty="0">
-              <a:solidFill>
-                <a:schemeClr val="accent2"/>
-              </a:solidFill>
-              <a:latin typeface="+mn-ea"/>
-              <a:ea typeface="+mn-ea"/>
-            </a:endParaRPr>
           </a:p>
         </p:txBody>
       </p:sp>
@@ -10140,7 +9952,7 @@
         <p:spPr>
           <a:xfrm>
             <a:off x="3098869" y="5624828"/>
-            <a:ext cx="1580333" cy="400110"/>
+            <a:ext cx="1680298" cy="369332"/>
           </a:xfrm>
           <a:prstGeom prst="rect">
             <a:avLst/>
@@ -10155,12 +9967,11 @@
           <a:p>
             <a:pPr algn="ctr"/>
             <a:r>
-              <a:rPr lang="zh-CN" altLang="en-US" dirty="0" smtClean="0">
+              <a:rPr lang="zh-CN" altLang="en-US">
                 <a:solidFill>
                   <a:schemeClr val="accent2"/>
                 </a:solidFill>
                 <a:latin typeface="+mn-ea"/>
-                <a:ea typeface="+mn-ea"/>
               </a:rPr>
               <a:t>特征提取</a:t>
             </a:r>
@@ -10169,7 +9980,6 @@
                 <a:schemeClr val="accent2"/>
               </a:solidFill>
               <a:latin typeface="+mn-ea"/>
-              <a:ea typeface="+mn-ea"/>
             </a:endParaRPr>
           </a:p>
         </p:txBody>
@@ -10219,7 +10029,7 @@
               <a:buFontTx/>
               <a:buNone/>
             </a:pPr>
-            <a:endParaRPr kumimoji="0" lang="zh-CN" altLang="en-US" sz="2000" b="0" i="0" u="none" strike="noStrike" cap="none" normalizeH="0" baseline="0" smtClean="0">
+            <a:endParaRPr kumimoji="0" lang="zh-CN" altLang="en-US" sz="2000" b="0" i="0" u="none" strike="noStrike" cap="none" normalizeH="0" baseline="0">
               <a:ln>
                 <a:noFill/>
               </a:ln>
@@ -10257,7 +10067,7 @@
           <a:p>
             <a:pPr algn="ctr"/>
             <a:r>
-              <a:rPr lang="zh-CN" altLang="en-US" dirty="0" smtClean="0">
+              <a:rPr lang="zh-CN" altLang="en-US" dirty="0">
                 <a:solidFill>
                   <a:schemeClr val="accent2"/>
                 </a:solidFill>
@@ -10266,13 +10076,6 @@
               </a:rPr>
               <a:t>训练分类模型</a:t>
             </a:r>
-            <a:endParaRPr lang="zh-CN" altLang="en-US" dirty="0">
-              <a:solidFill>
-                <a:schemeClr val="accent2"/>
-              </a:solidFill>
-              <a:latin typeface="+mn-ea"/>
-              <a:ea typeface="+mn-ea"/>
-            </a:endParaRPr>
           </a:p>
         </p:txBody>
       </p:sp>
@@ -10300,7 +10103,7 @@
           <a:p>
             <a:pPr algn="ctr"/>
             <a:r>
-              <a:rPr lang="zh-CN" altLang="en-US" dirty="0" smtClean="0">
+              <a:rPr lang="zh-CN" altLang="en-US" dirty="0">
                 <a:solidFill>
                   <a:schemeClr val="accent2"/>
                 </a:solidFill>
@@ -10310,7 +10113,7 @@
               <a:t>效果分析</a:t>
             </a:r>
             <a:r>
-              <a:rPr lang="zh-CN" altLang="en-US" dirty="0" smtClean="0">
+              <a:rPr lang="zh-CN" altLang="en-US" dirty="0">
                 <a:solidFill>
                   <a:schemeClr val="accent2"/>
                 </a:solidFill>
@@ -11478,74 +11281,21 @@
                             </p:childTnLst>
                           </p:cTn>
                         </p:par>
-                      </p:childTnLst>
-                    </p:cTn>
-                  </p:par>
-                  <p:par>
-                    <p:cTn id="103" fill="hold">
-                      <p:stCondLst>
-                        <p:cond delay="indefinite"/>
-                      </p:stCondLst>
-                      <p:childTnLst>
                         <p:par>
-                          <p:cTn id="104" fill="hold">
+                          <p:cTn id="103" fill="hold">
                             <p:stCondLst>
-                              <p:cond delay="0"/>
+                              <p:cond delay="4000"/>
                             </p:stCondLst>
                             <p:childTnLst>
                               <p:par>
-                                <p:cTn id="105" presetID="10" presetClass="entr" presetSubtype="0" fill="hold" grpId="0" nodeType="clickEffect">
+                                <p:cTn id="104" presetID="10" presetClass="entr" presetSubtype="0" fill="hold" grpId="0" nodeType="afterEffect">
                                   <p:stCondLst>
                                     <p:cond delay="0"/>
                                   </p:stCondLst>
                                   <p:childTnLst>
                                     <p:set>
                                       <p:cBhvr>
-                                        <p:cTn id="106" dur="1" fill="hold">
-                                          <p:stCondLst>
-                                            <p:cond delay="0"/>
-                                          </p:stCondLst>
-                                        </p:cTn>
-                                        <p:tgtEl>
-                                          <p:spTgt spid="33"/>
-                                        </p:tgtEl>
-                                        <p:attrNameLst>
-                                          <p:attrName>style.visibility</p:attrName>
-                                        </p:attrNameLst>
-                                      </p:cBhvr>
-                                      <p:to>
-                                        <p:strVal val="visible"/>
-                                      </p:to>
-                                    </p:set>
-                                    <p:animEffect transition="in" filter="fade">
-                                      <p:cBhvr>
-                                        <p:cTn id="107" dur="500"/>
-                                        <p:tgtEl>
-                                          <p:spTgt spid="33"/>
-                                        </p:tgtEl>
-                                      </p:cBhvr>
-                                    </p:animEffect>
-                                  </p:childTnLst>
-                                </p:cTn>
-                              </p:par>
-                            </p:childTnLst>
-                          </p:cTn>
-                        </p:par>
-                        <p:par>
-                          <p:cTn id="108" fill="hold">
-                            <p:stCondLst>
-                              <p:cond delay="500"/>
-                            </p:stCondLst>
-                            <p:childTnLst>
-                              <p:par>
-                                <p:cTn id="109" presetID="10" presetClass="entr" presetSubtype="0" fill="hold" grpId="0" nodeType="afterEffect">
-                                  <p:stCondLst>
-                                    <p:cond delay="0"/>
-                                  </p:stCondLst>
-                                  <p:childTnLst>
-                                    <p:set>
-                                      <p:cBhvr>
-                                        <p:cTn id="110" dur="1" fill="hold">
+                                        <p:cTn id="105" dur="1" fill="hold">
                                           <p:stCondLst>
                                             <p:cond delay="0"/>
                                           </p:stCondLst>
@@ -11563,7 +11313,7 @@
                                     </p:set>
                                     <p:animEffect transition="in" filter="fade">
                                       <p:cBhvr>
-                                        <p:cTn id="111" dur="500"/>
+                                        <p:cTn id="106" dur="500"/>
                                         <p:tgtEl>
                                           <p:spTgt spid="23"/>
                                         </p:tgtEl>
@@ -11576,20 +11326,20 @@
                           </p:cTn>
                         </p:par>
                         <p:par>
-                          <p:cTn id="112" fill="hold">
+                          <p:cTn id="107" fill="hold">
                             <p:stCondLst>
-                              <p:cond delay="1000"/>
+                              <p:cond delay="4500"/>
                             </p:stCondLst>
                             <p:childTnLst>
                               <p:par>
-                                <p:cTn id="113" presetID="10" presetClass="entr" presetSubtype="0" fill="hold" grpId="0" nodeType="afterEffect">
+                                <p:cTn id="108" presetID="10" presetClass="entr" presetSubtype="0" fill="hold" grpId="0" nodeType="afterEffect">
                                   <p:stCondLst>
                                     <p:cond delay="0"/>
                                   </p:stCondLst>
                                   <p:childTnLst>
                                     <p:set>
                                       <p:cBhvr>
-                                        <p:cTn id="114" dur="1" fill="hold">
+                                        <p:cTn id="109" dur="1" fill="hold">
                                           <p:stCondLst>
                                             <p:cond delay="0"/>
                                           </p:stCondLst>
@@ -11607,7 +11357,7 @@
                                     </p:set>
                                     <p:animEffect transition="in" filter="fade">
                                       <p:cBhvr>
-                                        <p:cTn id="115" dur="500"/>
+                                        <p:cTn id="110" dur="500"/>
                                         <p:tgtEl>
                                           <p:spTgt spid="37"/>
                                         </p:tgtEl>
@@ -11620,20 +11370,20 @@
                           </p:cTn>
                         </p:par>
                         <p:par>
-                          <p:cTn id="116" fill="hold">
+                          <p:cTn id="111" fill="hold">
                             <p:stCondLst>
-                              <p:cond delay="1500"/>
+                              <p:cond delay="5000"/>
                             </p:stCondLst>
                             <p:childTnLst>
                               <p:par>
-                                <p:cTn id="117" presetID="10" presetClass="entr" presetSubtype="0" fill="hold" grpId="0" nodeType="afterEffect">
+                                <p:cTn id="112" presetID="10" presetClass="entr" presetSubtype="0" fill="hold" grpId="0" nodeType="afterEffect">
                                   <p:stCondLst>
                                     <p:cond delay="0"/>
                                   </p:stCondLst>
                                   <p:childTnLst>
                                     <p:set>
                                       <p:cBhvr>
-                                        <p:cTn id="118" dur="1" fill="hold">
+                                        <p:cTn id="113" dur="1" fill="hold">
                                           <p:stCondLst>
                                             <p:cond delay="0"/>
                                           </p:stCondLst>
@@ -11651,7 +11401,7 @@
                                     </p:set>
                                     <p:animEffect transition="in" filter="fade">
                                       <p:cBhvr>
-                                        <p:cTn id="119" dur="500"/>
+                                        <p:cTn id="114" dur="500"/>
                                         <p:tgtEl>
                                           <p:spTgt spid="38"/>
                                         </p:tgtEl>
@@ -11664,20 +11414,20 @@
                           </p:cTn>
                         </p:par>
                         <p:par>
-                          <p:cTn id="120" fill="hold">
+                          <p:cTn id="115" fill="hold">
                             <p:stCondLst>
-                              <p:cond delay="2000"/>
+                              <p:cond delay="5500"/>
                             </p:stCondLst>
                             <p:childTnLst>
                               <p:par>
-                                <p:cTn id="121" presetID="10" presetClass="entr" presetSubtype="0" fill="hold" grpId="0" nodeType="afterEffect">
+                                <p:cTn id="116" presetID="10" presetClass="entr" presetSubtype="0" fill="hold" grpId="0" nodeType="afterEffect">
                                   <p:stCondLst>
                                     <p:cond delay="0"/>
                                   </p:stCondLst>
                                   <p:childTnLst>
                                     <p:set>
                                       <p:cBhvr>
-                                        <p:cTn id="122" dur="1" fill="hold">
+                                        <p:cTn id="117" dur="1" fill="hold">
                                           <p:stCondLst>
                                             <p:cond delay="0"/>
                                           </p:stCondLst>
@@ -11695,7 +11445,7 @@
                                     </p:set>
                                     <p:animEffect transition="in" filter="fade">
                                       <p:cBhvr>
-                                        <p:cTn id="123" dur="500"/>
+                                        <p:cTn id="118" dur="500"/>
                                         <p:tgtEl>
                                           <p:spTgt spid="17"/>
                                         </p:tgtEl>
@@ -11708,20 +11458,20 @@
                           </p:cTn>
                         </p:par>
                         <p:par>
-                          <p:cTn id="124" fill="hold">
+                          <p:cTn id="119" fill="hold">
                             <p:stCondLst>
-                              <p:cond delay="2500"/>
+                              <p:cond delay="6000"/>
                             </p:stCondLst>
                             <p:childTnLst>
                               <p:par>
-                                <p:cTn id="125" presetID="10" presetClass="entr" presetSubtype="0" fill="hold" grpId="0" nodeType="afterEffect">
+                                <p:cTn id="120" presetID="10" presetClass="entr" presetSubtype="0" fill="hold" grpId="0" nodeType="afterEffect">
                                   <p:stCondLst>
                                     <p:cond delay="0"/>
                                   </p:stCondLst>
                                   <p:childTnLst>
                                     <p:set>
                                       <p:cBhvr>
-                                        <p:cTn id="126" dur="1" fill="hold">
+                                        <p:cTn id="121" dur="1" fill="hold">
                                           <p:stCondLst>
                                             <p:cond delay="0"/>
                                           </p:stCondLst>
@@ -11739,7 +11489,7 @@
                                     </p:set>
                                     <p:animEffect transition="in" filter="fade">
                                       <p:cBhvr>
-                                        <p:cTn id="127" dur="500"/>
+                                        <p:cTn id="122" dur="500"/>
                                         <p:tgtEl>
                                           <p:spTgt spid="44"/>
                                         </p:tgtEl>
@@ -11752,20 +11502,20 @@
                           </p:cTn>
                         </p:par>
                         <p:par>
-                          <p:cTn id="128" fill="hold">
+                          <p:cTn id="123" fill="hold">
                             <p:stCondLst>
-                              <p:cond delay="3000"/>
+                              <p:cond delay="6500"/>
                             </p:stCondLst>
                             <p:childTnLst>
                               <p:par>
-                                <p:cTn id="129" presetID="10" presetClass="entr" presetSubtype="0" fill="hold" grpId="0" nodeType="afterEffect">
+                                <p:cTn id="124" presetID="10" presetClass="entr" presetSubtype="0" fill="hold" grpId="0" nodeType="afterEffect">
                                   <p:stCondLst>
                                     <p:cond delay="0"/>
                                   </p:stCondLst>
                                   <p:childTnLst>
                                     <p:set>
                                       <p:cBhvr>
-                                        <p:cTn id="130" dur="1" fill="hold">
+                                        <p:cTn id="125" dur="1" fill="hold">
                                           <p:stCondLst>
                                             <p:cond delay="0"/>
                                           </p:stCondLst>
@@ -11783,7 +11533,7 @@
                                     </p:set>
                                     <p:animEffect transition="in" filter="fade">
                                       <p:cBhvr>
-                                        <p:cTn id="131" dur="500"/>
+                                        <p:cTn id="126" dur="500"/>
                                         <p:tgtEl>
                                           <p:spTgt spid="46"/>
                                         </p:tgtEl>
@@ -11837,7 +11587,6 @@
       <p:bldP spid="30" grpId="0" animBg="1"/>
       <p:bldP spid="31" grpId="0" animBg="1"/>
       <p:bldP spid="32" grpId="0" animBg="1"/>
-      <p:bldP spid="33" grpId="0" animBg="1"/>
       <p:bldP spid="34" grpId="0" animBg="1"/>
       <p:bldP spid="35" grpId="0" animBg="1"/>
       <p:bldP spid="36" grpId="0" animBg="1"/>
@@ -11900,7 +11649,7 @@
               </a:spcBef>
             </a:pPr>
             <a:r>
-              <a:rPr lang="zh-CN" altLang="en-US" sz="4265" kern="0" dirty="0" smtClean="0">
+              <a:rPr lang="zh-CN" altLang="en-US" sz="4265" kern="0" dirty="0">
                 <a:gradFill>
                   <a:gsLst>
                     <a:gs pos="0">
@@ -12155,7 +11904,7 @@
               <a:buChar char="•"/>
             </a:pPr>
             <a:r>
-              <a:rPr lang="zh-CN" altLang="en-US" sz="3200" b="1" dirty="0" smtClean="0">
+              <a:rPr lang="zh-CN" altLang="en-US" sz="3200" b="1" dirty="0">
                 <a:solidFill>
                   <a:schemeClr val="tx1">
                     <a:lumMod val="75000"/>
@@ -12168,7 +11917,7 @@
               </a:rPr>
               <a:t>研究基础</a:t>
             </a:r>
-            <a:endParaRPr lang="en-US" altLang="zh-CN" sz="3200" b="1" dirty="0" smtClean="0">
+            <a:endParaRPr lang="en-US" altLang="zh-CN" sz="3200" b="1" dirty="0">
               <a:solidFill>
                 <a:schemeClr val="tx1">
                   <a:lumMod val="75000"/>
@@ -12202,20 +11951,7 @@
                 <a:ea typeface="微软雅黑" panose="020B0503020204020204" pitchFamily="34" charset="-122"/>
                 <a:sym typeface="微软雅黑" panose="020B0503020204020204" pitchFamily="34" charset="-122"/>
               </a:rPr>
-              <a:t>进度</a:t>
-            </a:r>
-            <a:r>
-              <a:rPr lang="zh-CN" altLang="en-US" sz="3200" dirty="0" smtClean="0">
-                <a:solidFill>
-                  <a:schemeClr val="bg2">
-                    <a:lumMod val="75000"/>
-                  </a:schemeClr>
-                </a:solidFill>
-                <a:latin typeface="微软雅黑" panose="020B0503020204020204" pitchFamily="34" charset="-122"/>
-                <a:ea typeface="微软雅黑" panose="020B0503020204020204" pitchFamily="34" charset="-122"/>
-                <a:sym typeface="微软雅黑" panose="020B0503020204020204" pitchFamily="34" charset="-122"/>
-              </a:rPr>
-              <a:t>安排和预期成果</a:t>
+              <a:t>进度安排和预期成果</a:t>
             </a:r>
             <a:endParaRPr lang="en-US" altLang="zh-CN" sz="3200" dirty="0">
               <a:solidFill>
@@ -12554,7 +12290,7 @@
               </a:spcBef>
             </a:pPr>
             <a:r>
-              <a:rPr lang="zh-CN" altLang="en-US" sz="4265" kern="0" dirty="0" smtClean="0">
+              <a:rPr lang="zh-CN" altLang="en-US" sz="4265" kern="0" dirty="0">
                 <a:gradFill>
                   <a:gsLst>
                     <a:gs pos="0">
@@ -12809,7 +12545,7 @@
               <a:buChar char="•"/>
             </a:pPr>
             <a:r>
-              <a:rPr lang="zh-CN" altLang="en-US" sz="2400" dirty="0" smtClean="0">
+              <a:rPr lang="zh-CN" altLang="en-US" sz="2400" dirty="0">
                 <a:latin typeface="微软雅黑" panose="020B0503020204020204" pitchFamily="34" charset="-122"/>
                 <a:ea typeface="微软雅黑" panose="020B0503020204020204" pitchFamily="34" charset="-122"/>
               </a:rPr>
@@ -12826,41 +12562,41 @@
               <a:buChar char="•"/>
             </a:pPr>
             <a:r>
-              <a:rPr lang="zh-CN" altLang="en-US" sz="2400" dirty="0" smtClean="0">
+              <a:rPr lang="zh-CN" altLang="en-US" sz="2400" dirty="0">
                 <a:latin typeface="微软雅黑" panose="020B0503020204020204" pitchFamily="34" charset="-122"/>
                 <a:ea typeface="微软雅黑" panose="020B0503020204020204" pitchFamily="34" charset="-122"/>
               </a:rPr>
               <a:t>问答系统研究综述：英文论文</a:t>
             </a:r>
             <a:r>
-              <a:rPr lang="en-US" altLang="zh-CN" sz="2400" dirty="0" smtClean="0">
+              <a:rPr lang="en-US" altLang="zh-CN" sz="2400" dirty="0">
                 <a:latin typeface="微软雅黑" panose="020B0503020204020204" pitchFamily="34" charset="-122"/>
                 <a:ea typeface="微软雅黑" panose="020B0503020204020204" pitchFamily="34" charset="-122"/>
               </a:rPr>
               <a:t>2</a:t>
             </a:r>
             <a:r>
-              <a:rPr lang="zh-CN" altLang="en-US" sz="2400" dirty="0" smtClean="0">
+              <a:rPr lang="zh-CN" altLang="en-US" sz="2400" dirty="0">
                 <a:latin typeface="微软雅黑" panose="020B0503020204020204" pitchFamily="34" charset="-122"/>
                 <a:ea typeface="微软雅黑" panose="020B0503020204020204" pitchFamily="34" charset="-122"/>
               </a:rPr>
               <a:t>篇，中文论文</a:t>
             </a:r>
             <a:r>
-              <a:rPr lang="en-US" altLang="zh-CN" sz="2400" dirty="0" smtClean="0">
+              <a:rPr lang="en-US" altLang="zh-CN" sz="2400" dirty="0">
                 <a:latin typeface="微软雅黑" panose="020B0503020204020204" pitchFamily="34" charset="-122"/>
                 <a:ea typeface="微软雅黑" panose="020B0503020204020204" pitchFamily="34" charset="-122"/>
               </a:rPr>
               <a:t>2</a:t>
             </a:r>
             <a:r>
-              <a:rPr lang="zh-CN" altLang="en-US" sz="2400" dirty="0" smtClean="0">
+              <a:rPr lang="zh-CN" altLang="en-US" sz="2400" dirty="0">
                 <a:latin typeface="微软雅黑" panose="020B0503020204020204" pitchFamily="34" charset="-122"/>
                 <a:ea typeface="微软雅黑" panose="020B0503020204020204" pitchFamily="34" charset="-122"/>
               </a:rPr>
               <a:t>篇</a:t>
             </a:r>
-            <a:endParaRPr lang="en-US" altLang="zh-CN" sz="2400" dirty="0" smtClean="0">
+            <a:endParaRPr lang="en-US" altLang="zh-CN" sz="2400" dirty="0">
               <a:latin typeface="微软雅黑" panose="020B0503020204020204" pitchFamily="34" charset="-122"/>
               <a:ea typeface="微软雅黑" panose="020B0503020204020204" pitchFamily="34" charset="-122"/>
             </a:endParaRPr>
@@ -12875,44 +12611,37 @@
                 <a:latin typeface="微软雅黑" panose="020B0503020204020204" pitchFamily="34" charset="-122"/>
                 <a:ea typeface="微软雅黑" panose="020B0503020204020204" pitchFamily="34" charset="-122"/>
               </a:rPr>
-              <a:t>答案</a:t>
-            </a:r>
-            <a:r>
-              <a:rPr lang="zh-CN" altLang="en-US" sz="2400" dirty="0" smtClean="0">
-                <a:latin typeface="微软雅黑" panose="020B0503020204020204" pitchFamily="34" charset="-122"/>
-                <a:ea typeface="微软雅黑" panose="020B0503020204020204" pitchFamily="34" charset="-122"/>
-              </a:rPr>
-              <a:t>抽取算法：英文论文</a:t>
-            </a:r>
-            <a:r>
-              <a:rPr lang="en-US" altLang="zh-CN" sz="2400" dirty="0" smtClean="0">
+              <a:t>答案抽取算法：英文论文</a:t>
+            </a:r>
+            <a:r>
+              <a:rPr lang="en-US" altLang="zh-CN" sz="2400" dirty="0">
                 <a:latin typeface="微软雅黑" panose="020B0503020204020204" pitchFamily="34" charset="-122"/>
                 <a:ea typeface="微软雅黑" panose="020B0503020204020204" pitchFamily="34" charset="-122"/>
               </a:rPr>
               <a:t>6</a:t>
             </a:r>
             <a:r>
-              <a:rPr lang="zh-CN" altLang="en-US" sz="2400" dirty="0" smtClean="0">
+              <a:rPr lang="zh-CN" altLang="en-US" sz="2400" dirty="0">
                 <a:latin typeface="微软雅黑" panose="020B0503020204020204" pitchFamily="34" charset="-122"/>
                 <a:ea typeface="微软雅黑" panose="020B0503020204020204" pitchFamily="34" charset="-122"/>
               </a:rPr>
               <a:t>篇，中文论文</a:t>
             </a:r>
             <a:r>
-              <a:rPr lang="en-US" altLang="zh-CN" sz="2400" dirty="0" smtClean="0">
+              <a:rPr lang="en-US" altLang="zh-CN" sz="2400" dirty="0">
                 <a:latin typeface="微软雅黑" panose="020B0503020204020204" pitchFamily="34" charset="-122"/>
                 <a:ea typeface="微软雅黑" panose="020B0503020204020204" pitchFamily="34" charset="-122"/>
               </a:rPr>
               <a:t>2</a:t>
             </a:r>
             <a:r>
-              <a:rPr lang="zh-CN" altLang="en-US" sz="2400" dirty="0" smtClean="0">
+              <a:rPr lang="zh-CN" altLang="en-US" sz="2400" dirty="0">
                 <a:latin typeface="微软雅黑" panose="020B0503020204020204" pitchFamily="34" charset="-122"/>
                 <a:ea typeface="微软雅黑" panose="020B0503020204020204" pitchFamily="34" charset="-122"/>
               </a:rPr>
               <a:t>篇</a:t>
             </a:r>
-            <a:endParaRPr lang="en-US" altLang="zh-CN" sz="2400" dirty="0" smtClean="0">
+            <a:endParaRPr lang="en-US" altLang="zh-CN" sz="2400" dirty="0">
               <a:latin typeface="微软雅黑" panose="020B0503020204020204" pitchFamily="34" charset="-122"/>
               <a:ea typeface="微软雅黑" panose="020B0503020204020204" pitchFamily="34" charset="-122"/>
             </a:endParaRPr>
@@ -12922,7 +12651,7 @@
               <a:buFont typeface="Arial" panose="020B0604020202020204" pitchFamily="34" charset="0"/>
               <a:buChar char="•"/>
             </a:pPr>
-            <a:endParaRPr lang="en-US" altLang="zh-CN" sz="2400" dirty="0" smtClean="0">
+            <a:endParaRPr lang="en-US" altLang="zh-CN" sz="2400" dirty="0">
               <a:latin typeface="微软雅黑" panose="020B0503020204020204" pitchFamily="34" charset="-122"/>
               <a:ea typeface="微软雅黑" panose="020B0503020204020204" pitchFamily="34" charset="-122"/>
             </a:endParaRPr>
@@ -12933,7 +12662,7 @@
               <a:buChar char="•"/>
             </a:pPr>
             <a:r>
-              <a:rPr lang="zh-CN" altLang="en-US" sz="2400" dirty="0" smtClean="0">
+              <a:rPr lang="zh-CN" altLang="en-US" sz="2400" dirty="0">
                 <a:latin typeface="微软雅黑" panose="020B0503020204020204" pitchFamily="34" charset="-122"/>
                 <a:ea typeface="微软雅黑" panose="020B0503020204020204" pitchFamily="34" charset="-122"/>
               </a:rPr>
@@ -12950,34 +12679,34 @@
               <a:buChar char="•"/>
             </a:pPr>
             <a:r>
-              <a:rPr lang="zh-CN" altLang="en-US" sz="2400" dirty="0" smtClean="0">
+              <a:rPr lang="zh-CN" altLang="en-US" sz="2400" dirty="0">
                 <a:latin typeface="微软雅黑" panose="020B0503020204020204" pitchFamily="34" charset="-122"/>
                 <a:ea typeface="微软雅黑" panose="020B0503020204020204" pitchFamily="34" charset="-122"/>
               </a:rPr>
               <a:t>分词工具：</a:t>
             </a:r>
             <a:r>
-              <a:rPr lang="en-US" altLang="zh-CN" sz="2400" dirty="0" smtClean="0">
+              <a:rPr lang="en-US" altLang="zh-CN" sz="2400" dirty="0">
                 <a:latin typeface="微软雅黑" panose="020B0503020204020204" pitchFamily="34" charset="-122"/>
                 <a:ea typeface="微软雅黑" panose="020B0503020204020204" pitchFamily="34" charset="-122"/>
               </a:rPr>
               <a:t>ANSJ</a:t>
             </a:r>
             <a:r>
-              <a:rPr lang="zh-CN" altLang="en-US" sz="2400" dirty="0" smtClean="0">
+              <a:rPr lang="zh-CN" altLang="en-US" sz="2400" dirty="0">
                 <a:latin typeface="微软雅黑" panose="020B0503020204020204" pitchFamily="34" charset="-122"/>
                 <a:ea typeface="微软雅黑" panose="020B0503020204020204" pitchFamily="34" charset="-122"/>
               </a:rPr>
               <a:t>，</a:t>
             </a:r>
             <a:r>
-              <a:rPr lang="en-US" altLang="zh-CN" sz="2400" dirty="0" smtClean="0">
+              <a:rPr lang="en-US" altLang="zh-CN" sz="2400" dirty="0">
                 <a:latin typeface="微软雅黑" panose="020B0503020204020204" pitchFamily="34" charset="-122"/>
                 <a:ea typeface="微软雅黑" panose="020B0503020204020204" pitchFamily="34" charset="-122"/>
               </a:rPr>
               <a:t>ICTCLAS</a:t>
             </a:r>
-            <a:endParaRPr lang="zh-CN" altLang="en-US" sz="2400" dirty="0" smtClean="0">
+            <a:endParaRPr lang="zh-CN" altLang="en-US" sz="2400" dirty="0">
               <a:latin typeface="微软雅黑" panose="020B0503020204020204" pitchFamily="34" charset="-122"/>
               <a:ea typeface="微软雅黑" panose="020B0503020204020204" pitchFamily="34" charset="-122"/>
             </a:endParaRPr>
@@ -12987,7 +12716,7 @@
               <a:buFont typeface="Arial" panose="020B0604020202020204" pitchFamily="34" charset="0"/>
               <a:buChar char="•"/>
             </a:pPr>
-            <a:endParaRPr lang="en-US" altLang="zh-CN" sz="2400" dirty="0" smtClean="0">
+            <a:endParaRPr lang="en-US" altLang="zh-CN" sz="2400" dirty="0">
               <a:latin typeface="微软雅黑" panose="020B0503020204020204" pitchFamily="34" charset="-122"/>
               <a:ea typeface="微软雅黑" panose="020B0503020204020204" pitchFamily="34" charset="-122"/>
             </a:endParaRPr>
@@ -13056,7 +12785,7 @@
               <a:t>现代汉语同义词词库</a:t>
             </a:r>
             <a:r>
-              <a:rPr lang="en-US" altLang="zh-CN" sz="2400" dirty="0" smtClean="0">
+              <a:rPr lang="en-US" altLang="zh-CN" sz="2400" dirty="0">
                 <a:latin typeface="微软雅黑" panose="020B0503020204020204" pitchFamily="34" charset="-122"/>
                 <a:ea typeface="微软雅黑" panose="020B0503020204020204" pitchFamily="34" charset="-122"/>
               </a:rPr>
@@ -13079,7 +12808,7 @@
               <a:buChar char="•"/>
             </a:pPr>
             <a:r>
-              <a:rPr lang="zh-CN" altLang="en-US" sz="2400" dirty="0" smtClean="0">
+              <a:rPr lang="zh-CN" altLang="en-US" sz="2400" dirty="0">
                 <a:latin typeface="微软雅黑" panose="020B0503020204020204" pitchFamily="34" charset="-122"/>
                 <a:ea typeface="微软雅黑" panose="020B0503020204020204" pitchFamily="34" charset="-122"/>
               </a:rPr>
@@ -13096,16 +12825,12 @@
               <a:buChar char="•"/>
             </a:pPr>
             <a:r>
-              <a:rPr lang="zh-CN" altLang="en-US" sz="2400" dirty="0" smtClean="0">
+              <a:rPr lang="zh-CN" altLang="en-US" sz="2400" dirty="0">
                 <a:latin typeface="微软雅黑" panose="020B0503020204020204" pitchFamily="34" charset="-122"/>
                 <a:ea typeface="微软雅黑" panose="020B0503020204020204" pitchFamily="34" charset="-122"/>
               </a:rPr>
               <a:t>百度知道中文问答数据集</a:t>
             </a:r>
-            <a:endParaRPr lang="zh-CN" altLang="en-US" sz="2400" dirty="0">
-              <a:latin typeface="微软雅黑" panose="020B0503020204020204" pitchFamily="34" charset="-122"/>
-              <a:ea typeface="微软雅黑" panose="020B0503020204020204" pitchFamily="34" charset="-122"/>
-            </a:endParaRPr>
           </a:p>
         </p:txBody>
       </p:sp>
@@ -13300,7 +13025,7 @@
               </a:spcBef>
             </a:pPr>
             <a:r>
-              <a:rPr lang="zh-CN" altLang="en-US" sz="4265" kern="0" dirty="0" smtClean="0">
+              <a:rPr lang="zh-CN" altLang="en-US" sz="4265" kern="0" dirty="0">
                 <a:gradFill>
                   <a:gsLst>
                     <a:gs pos="0">
@@ -13601,21 +13326,7 @@
                 <a:ea typeface="微软雅黑" panose="020B0503020204020204" pitchFamily="34" charset="-122"/>
                 <a:sym typeface="微软雅黑" panose="020B0503020204020204" pitchFamily="34" charset="-122"/>
               </a:rPr>
-              <a:t>进度</a:t>
-            </a:r>
-            <a:r>
-              <a:rPr lang="zh-CN" altLang="en-US" sz="3200" b="1" dirty="0" smtClean="0">
-                <a:solidFill>
-                  <a:schemeClr val="tx1">
-                    <a:lumMod val="75000"/>
-                    <a:lumOff val="25000"/>
-                  </a:schemeClr>
-                </a:solidFill>
-                <a:latin typeface="微软雅黑" panose="020B0503020204020204" pitchFamily="34" charset="-122"/>
-                <a:ea typeface="微软雅黑" panose="020B0503020204020204" pitchFamily="34" charset="-122"/>
-                <a:sym typeface="微软雅黑" panose="020B0503020204020204" pitchFamily="34" charset="-122"/>
-              </a:rPr>
-              <a:t>安排和预期成果</a:t>
+              <a:t>进度安排和预期成果</a:t>
             </a:r>
             <a:endParaRPr lang="en-US" altLang="zh-CN" sz="3200" b="1" dirty="0">
               <a:solidFill>
@@ -14214,24 +13925,17 @@
                 <a:latin typeface="微软雅黑" panose="020B0503020204020204" pitchFamily="34" charset="-122"/>
                 <a:ea typeface="微软雅黑" panose="020B0503020204020204" pitchFamily="34" charset="-122"/>
               </a:rPr>
-              <a:t>本</a:t>
-            </a:r>
-            <a:r>
-              <a:rPr lang="zh-CN" altLang="en-US" sz="2400" dirty="0" smtClean="0">
-                <a:latin typeface="微软雅黑" panose="020B0503020204020204" pitchFamily="34" charset="-122"/>
-                <a:ea typeface="微软雅黑" panose="020B0503020204020204" pitchFamily="34" charset="-122"/>
-              </a:rPr>
-              <a:t>学期</a:t>
-            </a:r>
-            <a:r>
-              <a:rPr lang="en-US" altLang="zh-CN" sz="2400" dirty="0" smtClean="0">
+              <a:t>本学期</a:t>
+            </a:r>
+            <a:r>
+              <a:rPr lang="en-US" altLang="zh-CN" sz="2400" dirty="0">
                 <a:latin typeface="微软雅黑" panose="020B0503020204020204" pitchFamily="34" charset="-122"/>
                 <a:ea typeface="微软雅黑" panose="020B0503020204020204" pitchFamily="34" charset="-122"/>
               </a:rPr>
               <a:t>15-17</a:t>
             </a:r>
             <a:r>
-              <a:rPr lang="zh-CN" altLang="en-US" sz="2400" dirty="0" smtClean="0">
+              <a:rPr lang="zh-CN" altLang="en-US" sz="2400" dirty="0">
                 <a:latin typeface="微软雅黑" panose="020B0503020204020204" pitchFamily="34" charset="-122"/>
                 <a:ea typeface="微软雅黑" panose="020B0503020204020204" pitchFamily="34" charset="-122"/>
               </a:rPr>
@@ -14254,7 +13958,7 @@
               <a:buFont typeface="Arial" panose="020B0604020202020204" pitchFamily="34" charset="0"/>
               <a:buChar char="•"/>
             </a:pPr>
-            <a:endParaRPr lang="en-US" altLang="zh-CN" sz="2400" dirty="0" smtClean="0">
+            <a:endParaRPr lang="en-US" altLang="zh-CN" sz="2400" dirty="0">
               <a:latin typeface="微软雅黑" panose="020B0503020204020204" pitchFamily="34" charset="-122"/>
               <a:ea typeface="微软雅黑" panose="020B0503020204020204" pitchFamily="34" charset="-122"/>
             </a:endParaRPr>
@@ -14269,24 +13973,17 @@
                 <a:latin typeface="微软雅黑" panose="020B0503020204020204" pitchFamily="34" charset="-122"/>
                 <a:ea typeface="微软雅黑" panose="020B0503020204020204" pitchFamily="34" charset="-122"/>
               </a:rPr>
-              <a:t>下</a:t>
-            </a:r>
-            <a:r>
-              <a:rPr lang="zh-CN" altLang="en-US" sz="2400" dirty="0" smtClean="0">
-                <a:latin typeface="微软雅黑" panose="020B0503020204020204" pitchFamily="34" charset="-122"/>
-                <a:ea typeface="微软雅黑" panose="020B0503020204020204" pitchFamily="34" charset="-122"/>
-              </a:rPr>
-              <a:t>学期</a:t>
-            </a:r>
-            <a:r>
-              <a:rPr lang="en-US" altLang="zh-CN" sz="2400" dirty="0" smtClean="0">
+              <a:t>下学期</a:t>
+            </a:r>
+            <a:r>
+              <a:rPr lang="en-US" altLang="zh-CN" sz="2400" dirty="0">
                 <a:latin typeface="微软雅黑" panose="020B0503020204020204" pitchFamily="34" charset="-122"/>
                 <a:ea typeface="微软雅黑" panose="020B0503020204020204" pitchFamily="34" charset="-122"/>
               </a:rPr>
               <a:t>1-3</a:t>
             </a:r>
             <a:r>
-              <a:rPr lang="zh-CN" altLang="en-US" sz="2400" dirty="0" smtClean="0">
+              <a:rPr lang="zh-CN" altLang="en-US" sz="2400" dirty="0">
                 <a:latin typeface="微软雅黑" panose="020B0503020204020204" pitchFamily="34" charset="-122"/>
                 <a:ea typeface="微软雅黑" panose="020B0503020204020204" pitchFamily="34" charset="-122"/>
               </a:rPr>
@@ -14309,7 +14006,7 @@
               <a:buFont typeface="Arial" panose="020B0604020202020204" pitchFamily="34" charset="0"/>
               <a:buChar char="•"/>
             </a:pPr>
-            <a:endParaRPr lang="en-US" altLang="zh-CN" sz="2400" dirty="0" smtClean="0">
+            <a:endParaRPr lang="en-US" altLang="zh-CN" sz="2400" dirty="0">
               <a:latin typeface="微软雅黑" panose="020B0503020204020204" pitchFamily="34" charset="-122"/>
               <a:ea typeface="微软雅黑" panose="020B0503020204020204" pitchFamily="34" charset="-122"/>
             </a:endParaRPr>
@@ -14324,24 +14021,17 @@
                 <a:latin typeface="微软雅黑" panose="020B0503020204020204" pitchFamily="34" charset="-122"/>
                 <a:ea typeface="微软雅黑" panose="020B0503020204020204" pitchFamily="34" charset="-122"/>
               </a:rPr>
-              <a:t>下</a:t>
-            </a:r>
-            <a:r>
-              <a:rPr lang="zh-CN" altLang="en-US" sz="2400" dirty="0" smtClean="0">
-                <a:latin typeface="微软雅黑" panose="020B0503020204020204" pitchFamily="34" charset="-122"/>
-                <a:ea typeface="微软雅黑" panose="020B0503020204020204" pitchFamily="34" charset="-122"/>
-              </a:rPr>
-              <a:t>学期</a:t>
-            </a:r>
-            <a:r>
-              <a:rPr lang="en-US" altLang="zh-CN" sz="2400" dirty="0" smtClean="0">
+              <a:t>下学期</a:t>
+            </a:r>
+            <a:r>
+              <a:rPr lang="en-US" altLang="zh-CN" sz="2400" dirty="0">
                 <a:latin typeface="微软雅黑" panose="020B0503020204020204" pitchFamily="34" charset="-122"/>
                 <a:ea typeface="微软雅黑" panose="020B0503020204020204" pitchFamily="34" charset="-122"/>
               </a:rPr>
               <a:t>4-8</a:t>
             </a:r>
             <a:r>
-              <a:rPr lang="zh-CN" altLang="en-US" sz="2400" dirty="0" smtClean="0">
+              <a:rPr lang="zh-CN" altLang="en-US" sz="2400" dirty="0">
                 <a:latin typeface="微软雅黑" panose="020B0503020204020204" pitchFamily="34" charset="-122"/>
                 <a:ea typeface="微软雅黑" panose="020B0503020204020204" pitchFamily="34" charset="-122"/>
               </a:rPr>
@@ -14366,16 +14056,9 @@
                 <a:latin typeface="微软雅黑" panose="020B0503020204020204" pitchFamily="34" charset="-122"/>
                 <a:ea typeface="微软雅黑" panose="020B0503020204020204" pitchFamily="34" charset="-122"/>
               </a:rPr>
-              <a:t>算法的核心代码，准备中期</a:t>
-            </a:r>
-            <a:r>
-              <a:rPr lang="zh-CN" altLang="en-US" sz="2400" noProof="1" smtClean="0">
-                <a:latin typeface="微软雅黑" panose="020B0503020204020204" pitchFamily="34" charset="-122"/>
-                <a:ea typeface="微软雅黑" panose="020B0503020204020204" pitchFamily="34" charset="-122"/>
-              </a:rPr>
-              <a:t>答辩</a:t>
-            </a:r>
-            <a:endParaRPr lang="en-US" altLang="zh-CN" sz="2400" noProof="1" smtClean="0">
+              <a:t>算法的核心代码，准备中期答辩</a:t>
+            </a:r>
+            <a:endParaRPr lang="en-US" altLang="zh-CN" sz="2400" noProof="1">
               <a:latin typeface="微软雅黑" panose="020B0503020204020204" pitchFamily="34" charset="-122"/>
               <a:ea typeface="微软雅黑" panose="020B0503020204020204" pitchFamily="34" charset="-122"/>
             </a:endParaRPr>
@@ -14400,24 +14083,17 @@
                 <a:latin typeface="微软雅黑" panose="020B0503020204020204" pitchFamily="34" charset="-122"/>
                 <a:ea typeface="微软雅黑" panose="020B0503020204020204" pitchFamily="34" charset="-122"/>
               </a:rPr>
-              <a:t>下</a:t>
-            </a:r>
-            <a:r>
-              <a:rPr lang="zh-CN" altLang="en-US" sz="2400" dirty="0" smtClean="0">
-                <a:latin typeface="微软雅黑" panose="020B0503020204020204" pitchFamily="34" charset="-122"/>
-                <a:ea typeface="微软雅黑" panose="020B0503020204020204" pitchFamily="34" charset="-122"/>
-              </a:rPr>
-              <a:t>学期</a:t>
-            </a:r>
-            <a:r>
-              <a:rPr lang="en-US" altLang="zh-CN" sz="2400" dirty="0" smtClean="0">
+              <a:t>下学期</a:t>
+            </a:r>
+            <a:r>
+              <a:rPr lang="en-US" altLang="zh-CN" sz="2400" dirty="0">
                 <a:latin typeface="微软雅黑" panose="020B0503020204020204" pitchFamily="34" charset="-122"/>
                 <a:ea typeface="微软雅黑" panose="020B0503020204020204" pitchFamily="34" charset="-122"/>
               </a:rPr>
               <a:t>9-12</a:t>
             </a:r>
             <a:r>
-              <a:rPr lang="zh-CN" altLang="en-US" sz="2400" dirty="0" smtClean="0">
+              <a:rPr lang="zh-CN" altLang="en-US" sz="2400" dirty="0">
                 <a:latin typeface="微软雅黑" panose="020B0503020204020204" pitchFamily="34" charset="-122"/>
                 <a:ea typeface="微软雅黑" panose="020B0503020204020204" pitchFamily="34" charset="-122"/>
               </a:rPr>
@@ -14428,16 +14104,9 @@
                 <a:latin typeface="微软雅黑" panose="020B0503020204020204" pitchFamily="34" charset="-122"/>
                 <a:ea typeface="微软雅黑" panose="020B0503020204020204" pitchFamily="34" charset="-122"/>
               </a:rPr>
-              <a:t>进行评测并对算法作出</a:t>
-            </a:r>
-            <a:r>
-              <a:rPr lang="zh-CN" altLang="en-US" sz="2400" noProof="1" smtClean="0">
-                <a:latin typeface="微软雅黑" panose="020B0503020204020204" pitchFamily="34" charset="-122"/>
-                <a:ea typeface="微软雅黑" panose="020B0503020204020204" pitchFamily="34" charset="-122"/>
-              </a:rPr>
-              <a:t>优化</a:t>
-            </a:r>
-            <a:endParaRPr lang="en-US" altLang="zh-CN" sz="2400" noProof="1" smtClean="0">
+              <a:t>进行评测并对算法作出优化</a:t>
+            </a:r>
+            <a:endParaRPr lang="en-US" altLang="zh-CN" sz="2400" noProof="1">
               <a:latin typeface="微软雅黑" panose="020B0503020204020204" pitchFamily="34" charset="-122"/>
               <a:ea typeface="微软雅黑" panose="020B0503020204020204" pitchFamily="34" charset="-122"/>
             </a:endParaRPr>
@@ -14458,21 +14127,21 @@
               <a:buChar char="•"/>
             </a:pPr>
             <a:r>
-              <a:rPr lang="zh-CN" altLang="en-US" sz="2400" noProof="1" smtClean="0">
+              <a:rPr lang="zh-CN" altLang="en-US" sz="2400" noProof="1">
                 <a:latin typeface="微软雅黑" panose="020B0503020204020204" pitchFamily="34" charset="-122"/>
                 <a:ea typeface="微软雅黑" panose="020B0503020204020204" pitchFamily="34" charset="-122"/>
               </a:rPr>
               <a:t>下学期</a:t>
             </a:r>
             <a:r>
-              <a:rPr lang="en-US" altLang="zh-CN" sz="2400" noProof="1" smtClean="0">
+              <a:rPr lang="en-US" altLang="zh-CN" sz="2400" noProof="1">
                 <a:latin typeface="微软雅黑" panose="020B0503020204020204" pitchFamily="34" charset="-122"/>
                 <a:ea typeface="微软雅黑" panose="020B0503020204020204" pitchFamily="34" charset="-122"/>
               </a:rPr>
               <a:t>13-16</a:t>
             </a:r>
             <a:r>
-              <a:rPr lang="zh-CN" altLang="en-US" sz="2400" noProof="1" smtClean="0">
+              <a:rPr lang="zh-CN" altLang="en-US" sz="2400" noProof="1">
                 <a:latin typeface="微软雅黑" panose="020B0503020204020204" pitchFamily="34" charset="-122"/>
                 <a:ea typeface="微软雅黑" panose="020B0503020204020204" pitchFamily="34" charset="-122"/>
               </a:rPr>
@@ -14676,7 +14345,7 @@
               </a:spcBef>
             </a:pPr>
             <a:r>
-              <a:rPr lang="zh-CN" altLang="en-US" sz="4265" kern="0" dirty="0" smtClean="0">
+              <a:rPr lang="zh-CN" altLang="en-US" sz="4265" kern="0" dirty="0">
                 <a:gradFill>
                   <a:gsLst>
                     <a:gs pos="0">
@@ -14931,27 +14600,27 @@
               <a:buChar char="•"/>
             </a:pPr>
             <a:r>
-              <a:rPr lang="zh-CN" altLang="en-US" sz="3200" noProof="1" smtClean="0">
+              <a:rPr lang="zh-CN" altLang="en-US" sz="3200" noProof="1">
                 <a:latin typeface="微软雅黑" panose="020B0503020204020204" pitchFamily="34" charset="-122"/>
                 <a:ea typeface="微软雅黑" panose="020B0503020204020204" pitchFamily="34" charset="-122"/>
               </a:rPr>
               <a:t>基于</a:t>
             </a:r>
             <a:r>
-              <a:rPr lang="en-US" altLang="zh-CN" sz="3200" noProof="1" smtClean="0">
+              <a:rPr lang="en-US" altLang="zh-CN" sz="3200" noProof="1">
                 <a:latin typeface="微软雅黑" panose="020B0503020204020204" pitchFamily="34" charset="-122"/>
                 <a:ea typeface="微软雅黑" panose="020B0503020204020204" pitchFamily="34" charset="-122"/>
               </a:rPr>
               <a:t>DCN</a:t>
             </a:r>
             <a:r>
-              <a:rPr lang="zh-CN" altLang="en-US" sz="3200" noProof="1" smtClean="0">
+              <a:rPr lang="zh-CN" altLang="en-US" sz="3200" noProof="1">
                 <a:latin typeface="微软雅黑" panose="020B0503020204020204" pitchFamily="34" charset="-122"/>
                 <a:ea typeface="微软雅黑" panose="020B0503020204020204" pitchFamily="34" charset="-122"/>
               </a:rPr>
               <a:t>的中文答案抽取算法实现</a:t>
             </a:r>
-            <a:endParaRPr lang="en-US" altLang="zh-CN" sz="3200" noProof="1" smtClean="0">
+            <a:endParaRPr lang="en-US" altLang="zh-CN" sz="3200" noProof="1">
               <a:latin typeface="微软雅黑" panose="020B0503020204020204" pitchFamily="34" charset="-122"/>
               <a:ea typeface="微软雅黑" panose="020B0503020204020204" pitchFamily="34" charset="-122"/>
             </a:endParaRPr>
@@ -14961,7 +14630,7 @@
               <a:buFont typeface="Arial" panose="020B0604020202020204" pitchFamily="34" charset="0"/>
               <a:buChar char="•"/>
             </a:pPr>
-            <a:endParaRPr lang="en-US" altLang="zh-CN" sz="3200" noProof="1" smtClean="0">
+            <a:endParaRPr lang="en-US" altLang="zh-CN" sz="3200" noProof="1">
               <a:latin typeface="微软雅黑" panose="020B0503020204020204" pitchFamily="34" charset="-122"/>
               <a:ea typeface="微软雅黑" panose="020B0503020204020204" pitchFamily="34" charset="-122"/>
             </a:endParaRPr>
@@ -14971,7 +14640,7 @@
               <a:buFont typeface="Arial" panose="020B0604020202020204" pitchFamily="34" charset="0"/>
               <a:buChar char="•"/>
             </a:pPr>
-            <a:endParaRPr lang="en-US" altLang="zh-CN" sz="3200" noProof="1" smtClean="0">
+            <a:endParaRPr lang="en-US" altLang="zh-CN" sz="3200" noProof="1">
               <a:latin typeface="微软雅黑" panose="020B0503020204020204" pitchFamily="34" charset="-122"/>
               <a:ea typeface="微软雅黑" panose="020B0503020204020204" pitchFamily="34" charset="-122"/>
             </a:endParaRPr>
@@ -14982,42 +14651,42 @@
               <a:buChar char="•"/>
             </a:pPr>
             <a:r>
-              <a:rPr lang="en-US" altLang="zh-CN" sz="3200" noProof="1" smtClean="0">
+              <a:rPr lang="en-US" altLang="zh-CN" sz="3200" noProof="1">
                 <a:latin typeface="微软雅黑" panose="020B0503020204020204" pitchFamily="34" charset="-122"/>
                 <a:ea typeface="微软雅黑" panose="020B0503020204020204" pitchFamily="34" charset="-122"/>
               </a:rPr>
               <a:t>《</a:t>
             </a:r>
             <a:r>
-              <a:rPr lang="zh-CN" altLang="en-US" sz="3200" noProof="1" smtClean="0">
+              <a:rPr lang="zh-CN" altLang="en-US" sz="3200" noProof="1">
                 <a:latin typeface="微软雅黑" panose="020B0503020204020204" pitchFamily="34" charset="-122"/>
                 <a:ea typeface="微软雅黑" panose="020B0503020204020204" pitchFamily="34" charset="-122"/>
               </a:rPr>
               <a:t>基于</a:t>
             </a:r>
             <a:r>
-              <a:rPr lang="en-US" altLang="zh-CN" sz="3200" noProof="1" smtClean="0">
+              <a:rPr lang="en-US" altLang="zh-CN" sz="3200" noProof="1">
                 <a:latin typeface="微软雅黑" panose="020B0503020204020204" pitchFamily="34" charset="-122"/>
                 <a:ea typeface="微软雅黑" panose="020B0503020204020204" pitchFamily="34" charset="-122"/>
               </a:rPr>
               <a:t>DCN</a:t>
             </a:r>
             <a:r>
-              <a:rPr lang="zh-CN" altLang="en-US" sz="3200" noProof="1" smtClean="0">
+              <a:rPr lang="zh-CN" altLang="en-US" sz="3200" noProof="1">
                 <a:latin typeface="微软雅黑" panose="020B0503020204020204" pitchFamily="34" charset="-122"/>
                 <a:ea typeface="微软雅黑" panose="020B0503020204020204" pitchFamily="34" charset="-122"/>
               </a:rPr>
               <a:t>的中文问题答案抽取方法研究</a:t>
             </a:r>
             <a:r>
-              <a:rPr lang="en-US" altLang="zh-CN" sz="3200" noProof="1" smtClean="0">
+              <a:rPr lang="en-US" altLang="zh-CN" sz="3200" noProof="1">
                 <a:latin typeface="微软雅黑" panose="020B0503020204020204" pitchFamily="34" charset="-122"/>
                 <a:ea typeface="微软雅黑" panose="020B0503020204020204" pitchFamily="34" charset="-122"/>
               </a:rPr>
               <a:t>》</a:t>
             </a:r>
             <a:r>
-              <a:rPr lang="zh-CN" altLang="en-US" sz="3200" noProof="1" smtClean="0">
+              <a:rPr lang="zh-CN" altLang="en-US" sz="3200" noProof="1">
                 <a:latin typeface="微软雅黑" panose="020B0503020204020204" pitchFamily="34" charset="-122"/>
                 <a:ea typeface="微软雅黑" panose="020B0503020204020204" pitchFamily="34" charset="-122"/>
               </a:rPr>
@@ -15476,15 +15145,15 @@
               <a:buChar char="•"/>
             </a:pPr>
             <a:r>
-              <a:rPr lang="en-US" altLang="zh-CN" sz="2400" b="1" dirty="0" smtClean="0"/>
+              <a:rPr lang="en-US" altLang="zh-CN" sz="2400" b="1" dirty="0"/>
               <a:t>[</a:t>
             </a:r>
             <a:r>
-              <a:rPr lang="en-US" altLang="zh-CN" sz="2400" b="1" dirty="0" err="1" smtClean="0"/>
+              <a:rPr lang="en-US" altLang="zh-CN" sz="2400" b="1" dirty="0" err="1"/>
               <a:t>Xiong</a:t>
             </a:r>
             <a:r>
-              <a:rPr lang="en-US" altLang="zh-CN" sz="2400" b="1" dirty="0" smtClean="0"/>
+              <a:rPr lang="en-US" altLang="zh-CN" sz="2400" b="1" dirty="0"/>
               <a:t> C., </a:t>
             </a:r>
             <a:r>
@@ -15493,26 +15162,22 @@
             </a:r>
             <a:r>
               <a:rPr lang="en-US" altLang="zh-CN" sz="2400" b="1" dirty="0"/>
+              <a:t> V. &amp; </a:t>
+            </a:r>
+            <a:r>
+              <a:rPr lang="en-US" altLang="zh-CN" sz="2400" b="1" dirty="0" err="1"/>
+              <a:t>Socher</a:t>
+            </a:r>
+            <a:r>
+              <a:rPr lang="en-US" altLang="zh-CN" sz="2400" b="1" dirty="0"/>
+              <a:t> R. 16] </a:t>
+            </a:r>
+            <a:r>
+              <a:rPr lang="en-US" altLang="zh-CN" sz="2400" dirty="0"/>
               <a:t> </a:t>
             </a:r>
             <a:r>
-              <a:rPr lang="en-US" altLang="zh-CN" sz="2400" b="1" dirty="0" smtClean="0"/>
-              <a:t>V. &amp; </a:t>
-            </a:r>
-            <a:r>
-              <a:rPr lang="en-US" altLang="zh-CN" sz="2400" b="1" dirty="0" err="1" smtClean="0"/>
-              <a:t>Socher</a:t>
-            </a:r>
-            <a:r>
-              <a:rPr lang="en-US" altLang="zh-CN" sz="2400" b="1" dirty="0" smtClean="0"/>
-              <a:t> R. 16] </a:t>
-            </a:r>
-            <a:r>
-              <a:rPr lang="en-US" altLang="zh-CN" sz="2400" dirty="0" smtClean="0"/>
-              <a:t> </a:t>
-            </a:r>
-            <a:r>
-              <a:rPr lang="en-US" altLang="zh-CN" sz="2400" dirty="0" smtClean="0">
+              <a:rPr lang="en-US" altLang="zh-CN" sz="2400" dirty="0">
                 <a:solidFill>
                   <a:schemeClr val="accent1">
                     <a:lumMod val="75000"/>
@@ -15539,25 +15204,8 @@
                   </a:schemeClr>
                 </a:solidFill>
               </a:rPr>
-              <a:t> Networks For Question </a:t>
-            </a:r>
-            <a:r>
-              <a:rPr lang="en-US" altLang="zh-CN" sz="2400" dirty="0" smtClean="0">
-                <a:solidFill>
-                  <a:schemeClr val="accent1">
-                    <a:lumMod val="75000"/>
-                  </a:schemeClr>
-                </a:solidFill>
-              </a:rPr>
-              <a:t>Answering.</a:t>
-            </a:r>
-            <a:endParaRPr lang="en-US" altLang="zh-CN" sz="2400" dirty="0">
-              <a:solidFill>
-                <a:schemeClr val="accent1">
-                  <a:lumMod val="75000"/>
-                </a:schemeClr>
-              </a:solidFill>
-            </a:endParaRPr>
+              <a:t> Networks For Question Answering.</a:t>
+            </a:r>
           </a:p>
           <a:p>
             <a:pPr marL="285750" indent="-285750">
@@ -15565,42 +15213,20 @@
               <a:buChar char="•"/>
             </a:pPr>
             <a:r>
-              <a:rPr lang="en-US" altLang="zh-CN" sz="2400" b="1" dirty="0" smtClean="0"/>
-              <a:t>[Li</a:t>
-            </a:r>
-            <a:r>
               <a:rPr lang="en-US" altLang="zh-CN" sz="2400" b="1" dirty="0"/>
-              <a:t>, </a:t>
-            </a:r>
-            <a:r>
-              <a:rPr lang="en-US" altLang="zh-CN" sz="2400" b="1" dirty="0" err="1" smtClean="0"/>
+              <a:t>[Li, </a:t>
+            </a:r>
+            <a:r>
+              <a:rPr lang="en-US" altLang="zh-CN" sz="2400" b="1" dirty="0" err="1"/>
               <a:t>Xiaoyan</a:t>
             </a:r>
             <a:r>
-              <a:rPr lang="en-US" altLang="zh-CN" sz="2400" b="1" dirty="0" smtClean="0"/>
-              <a:t>., </a:t>
-            </a:r>
-            <a:r>
               <a:rPr lang="en-US" altLang="zh-CN" sz="2400" b="1" dirty="0"/>
-              <a:t>Croft, et </a:t>
-            </a:r>
-            <a:r>
-              <a:rPr lang="en-US" altLang="zh-CN" sz="2400" b="1" dirty="0" smtClean="0"/>
-              <a:t>al. 11]</a:t>
-            </a:r>
-            <a:r>
-              <a:rPr lang="en-US" altLang="zh-CN" sz="2400" dirty="0" smtClean="0"/>
+              <a:t>., Croft, et al. 11]</a:t>
+            </a:r>
+            <a:r>
+              <a:rPr lang="en-US" altLang="zh-CN" sz="2400" dirty="0"/>
               <a:t>  </a:t>
-            </a:r>
-            <a:r>
-              <a:rPr lang="en-US" altLang="zh-CN" sz="2400" dirty="0" smtClean="0">
-                <a:solidFill>
-                  <a:schemeClr val="accent1">
-                    <a:lumMod val="75000"/>
-                  </a:schemeClr>
-                </a:solidFill>
-              </a:rPr>
-              <a:t>Evaluating </a:t>
             </a:r>
             <a:r>
               <a:rPr lang="en-US" altLang="zh-CN" sz="2400" dirty="0">
@@ -15610,25 +15236,8 @@
                   </a:schemeClr>
                 </a:solidFill>
               </a:rPr>
-              <a:t>question-answering techniques in </a:t>
-            </a:r>
-            <a:r>
-              <a:rPr lang="en-US" altLang="zh-CN" sz="2400" dirty="0" smtClean="0">
-                <a:solidFill>
-                  <a:schemeClr val="accent1">
-                    <a:lumMod val="75000"/>
-                  </a:schemeClr>
-                </a:solidFill>
-              </a:rPr>
-              <a:t>Chinese. </a:t>
-            </a:r>
-            <a:endParaRPr lang="en-US" altLang="zh-CN" sz="2400" dirty="0">
-              <a:solidFill>
-                <a:schemeClr val="accent1">
-                  <a:lumMod val="75000"/>
-                </a:schemeClr>
-              </a:solidFill>
-            </a:endParaRPr>
+              <a:t>Evaluating question-answering techniques in Chinese. </a:t>
+            </a:r>
           </a:p>
           <a:p>
             <a:pPr marL="285750" indent="-285750">
@@ -15636,11 +15245,11 @@
               <a:buChar char="•"/>
             </a:pPr>
             <a:r>
-              <a:rPr lang="en-US" altLang="zh-CN" sz="2400" b="1" dirty="0" smtClean="0"/>
+              <a:rPr lang="en-US" altLang="zh-CN" sz="2400" b="1" dirty="0"/>
               <a:t>[</a:t>
             </a:r>
             <a:r>
-              <a:rPr lang="en-US" altLang="zh-CN" sz="2400" b="1" dirty="0" err="1" smtClean="0"/>
+              <a:rPr lang="en-US" altLang="zh-CN" sz="2400" b="1" dirty="0" err="1"/>
               <a:t>Iyyer</a:t>
             </a:r>
             <a:r>
@@ -15648,30 +15257,12 @@
               <a:t>, </a:t>
             </a:r>
             <a:r>
-              <a:rPr lang="en-US" altLang="zh-CN" sz="2400" b="1" dirty="0" err="1" smtClean="0"/>
+              <a:rPr lang="en-US" altLang="zh-CN" sz="2400" b="1" dirty="0" err="1"/>
               <a:t>Mohit</a:t>
             </a:r>
             <a:r>
-              <a:rPr lang="en-US" altLang="zh-CN" sz="2400" b="1" dirty="0" smtClean="0"/>
-              <a:t>., </a:t>
-            </a:r>
-            <a:r>
               <a:rPr lang="en-US" altLang="zh-CN" sz="2400" b="1" dirty="0"/>
-              <a:t>et al</a:t>
-            </a:r>
-            <a:r>
-              <a:rPr lang="en-US" altLang="zh-CN" sz="2400" b="1" dirty="0" smtClean="0"/>
-              <a:t>. 14]  </a:t>
-            </a:r>
-            <a:r>
-              <a:rPr lang="en-US" altLang="zh-CN" sz="2400" dirty="0" smtClean="0">
-                <a:solidFill>
-                  <a:schemeClr val="accent1">
-                    <a:lumMod val="75000"/>
-                  </a:schemeClr>
-                </a:solidFill>
-              </a:rPr>
-              <a:t>A </a:t>
+              <a:t>., et al. 14]  </a:t>
             </a:r>
             <a:r>
               <a:rPr lang="en-US" altLang="zh-CN" sz="2400" dirty="0">
@@ -15681,17 +15272,17 @@
                   </a:schemeClr>
                 </a:solidFill>
               </a:rPr>
-              <a:t>Neural Network for Factoid Question Answering over Paragraphs</a:t>
-            </a:r>
-            <a:r>
-              <a:rPr lang="en-US" altLang="zh-CN" sz="2400" dirty="0" smtClean="0">
+              <a:t>A Neural Network for Factoid Question Answering over Paragraphs. </a:t>
+            </a:r>
+            <a:r>
+              <a:rPr lang="en-US" altLang="zh-CN" sz="2400" i="1" dirty="0">
                 <a:solidFill>
                   <a:schemeClr val="accent1">
                     <a:lumMod val="75000"/>
                   </a:schemeClr>
                 </a:solidFill>
               </a:rPr>
-              <a:t>.</a:t>
+              <a:t>Conference on Empirical Methods in Natural Language Processing</a:t>
             </a:r>
             <a:r>
               <a:rPr lang="en-US" altLang="zh-CN" sz="2400" dirty="0">
@@ -15701,7 +15292,55 @@
                   </a:schemeClr>
                 </a:solidFill>
               </a:rPr>
-              <a:t> </a:t>
+              <a:t> 2014:633-644.</a:t>
+            </a:r>
+          </a:p>
+          <a:p>
+            <a:pPr marL="285750" indent="-285750">
+              <a:buFont typeface="Arial" panose="020B0604020202020204" pitchFamily="34" charset="0"/>
+              <a:buChar char="•"/>
+            </a:pPr>
+            <a:r>
+              <a:rPr lang="en-US" altLang="zh-CN" sz="2400" b="1" dirty="0"/>
+              <a:t>[</a:t>
+            </a:r>
+            <a:r>
+              <a:rPr lang="en-US" altLang="zh-CN" sz="2400" b="1" dirty="0" err="1"/>
+              <a:t>Severyn</a:t>
+            </a:r>
+            <a:r>
+              <a:rPr lang="en-US" altLang="zh-CN" sz="2400" b="1" dirty="0"/>
+              <a:t>, </a:t>
+            </a:r>
+            <a:r>
+              <a:rPr lang="en-US" altLang="zh-CN" sz="2400" b="1" dirty="0" err="1"/>
+              <a:t>Aliaksei</a:t>
+            </a:r>
+            <a:r>
+              <a:rPr lang="en-US" altLang="zh-CN" sz="2400" b="1" dirty="0"/>
+              <a:t>., &amp; A </a:t>
+            </a:r>
+            <a:r>
+              <a:rPr lang="en-US" altLang="zh-CN" sz="2400" b="1" dirty="0" err="1"/>
+              <a:t>Moschitti</a:t>
+            </a:r>
+            <a:r>
+              <a:rPr lang="en-US" altLang="zh-CN" sz="2400" b="1" dirty="0"/>
+              <a:t>. 15] </a:t>
+            </a:r>
+            <a:r>
+              <a:rPr lang="en-US" altLang="zh-CN" sz="2400" dirty="0"/>
+              <a:t> </a:t>
+            </a:r>
+            <a:r>
+              <a:rPr lang="en-US" altLang="zh-CN" sz="2400" dirty="0">
+                <a:solidFill>
+                  <a:schemeClr val="accent1">
+                    <a:lumMod val="75000"/>
+                  </a:schemeClr>
+                </a:solidFill>
+              </a:rPr>
+              <a:t>Learning to Rank Short Text Pairs with Convolutional Deep Neural Networks. </a:t>
             </a:r>
             <a:r>
               <a:rPr lang="en-US" altLang="zh-CN" sz="2400" i="1" dirty="0">
@@ -15711,7 +15350,7 @@
                   </a:schemeClr>
                 </a:solidFill>
               </a:rPr>
-              <a:t>Conference on Empirical Methods in Natural Language Processing</a:t>
+              <a:t>The, International ACM SIGIR Conference</a:t>
             </a:r>
             <a:r>
               <a:rPr lang="en-US" altLang="zh-CN" sz="2400" dirty="0">
@@ -15721,72 +15360,27 @@
                   </a:schemeClr>
                 </a:solidFill>
               </a:rPr>
-              <a:t> 2014:633-644</a:t>
-            </a:r>
-            <a:r>
-              <a:rPr lang="en-US" altLang="zh-CN" sz="2400" dirty="0" smtClean="0">
+              <a:t> 2015:373-382.</a:t>
+            </a:r>
+          </a:p>
+          <a:p>
+            <a:pPr marL="285750" indent="-285750">
+              <a:buFont typeface="Arial" panose="020B0604020202020204" pitchFamily="34" charset="0"/>
+              <a:buChar char="•"/>
+            </a:pPr>
+            <a:r>
+              <a:rPr lang="en-US" altLang="zh-CN" sz="2400" b="1" dirty="0"/>
+              <a:t>[Sun, Hong., et al. 13] </a:t>
+            </a:r>
+            <a:r>
+              <a:rPr lang="en-US" altLang="zh-CN" sz="2400" b="1" dirty="0">
                 <a:solidFill>
                   <a:schemeClr val="accent1">
                     <a:lumMod val="75000"/>
                   </a:schemeClr>
                 </a:solidFill>
               </a:rPr>
-              <a:t>.</a:t>
-            </a:r>
-            <a:endParaRPr lang="en-US" altLang="zh-CN" sz="2400" dirty="0">
-              <a:solidFill>
-                <a:schemeClr val="accent1">
-                  <a:lumMod val="75000"/>
-                </a:schemeClr>
-              </a:solidFill>
-            </a:endParaRPr>
-          </a:p>
-          <a:p>
-            <a:pPr marL="285750" indent="-285750">
-              <a:buFont typeface="Arial" panose="020B0604020202020204" pitchFamily="34" charset="0"/>
-              <a:buChar char="•"/>
-            </a:pPr>
-            <a:r>
-              <a:rPr lang="en-US" altLang="zh-CN" sz="2400" b="1" dirty="0" smtClean="0"/>
-              <a:t>[</a:t>
-            </a:r>
-            <a:r>
-              <a:rPr lang="en-US" altLang="zh-CN" sz="2400" b="1" dirty="0" err="1" smtClean="0"/>
-              <a:t>Severyn</a:t>
-            </a:r>
-            <a:r>
-              <a:rPr lang="en-US" altLang="zh-CN" sz="2400" b="1" dirty="0"/>
-              <a:t>, </a:t>
-            </a:r>
-            <a:r>
-              <a:rPr lang="en-US" altLang="zh-CN" sz="2400" b="1" dirty="0" err="1" smtClean="0"/>
-              <a:t>Aliaksei</a:t>
-            </a:r>
-            <a:r>
-              <a:rPr lang="en-US" altLang="zh-CN" sz="2400" b="1" dirty="0" smtClean="0"/>
-              <a:t>., &amp; A </a:t>
-            </a:r>
-            <a:r>
-              <a:rPr lang="en-US" altLang="zh-CN" sz="2400" b="1" dirty="0" err="1" smtClean="0"/>
-              <a:t>Moschitti</a:t>
-            </a:r>
-            <a:r>
-              <a:rPr lang="en-US" altLang="zh-CN" sz="2400" b="1" dirty="0" smtClean="0"/>
-              <a:t>. 15] </a:t>
-            </a:r>
-            <a:r>
-              <a:rPr lang="en-US" altLang="zh-CN" sz="2400" dirty="0"/>
               <a:t> </a:t>
-            </a:r>
-            <a:r>
-              <a:rPr lang="en-US" altLang="zh-CN" sz="2400" dirty="0" smtClean="0">
-                <a:solidFill>
-                  <a:schemeClr val="accent1">
-                    <a:lumMod val="75000"/>
-                  </a:schemeClr>
-                </a:solidFill>
-              </a:rPr>
-              <a:t>Learning </a:t>
             </a:r>
             <a:r>
               <a:rPr lang="en-US" altLang="zh-CN" sz="2400" dirty="0">
@@ -15796,17 +15390,17 @@
                   </a:schemeClr>
                 </a:solidFill>
               </a:rPr>
-              <a:t>to Rank Short Text Pairs with Convolutional Deep Neural Networks</a:t>
-            </a:r>
-            <a:r>
-              <a:rPr lang="en-US" altLang="zh-CN" sz="2400" dirty="0" smtClean="0">
+              <a:t>Answer extraction from passage graph for question answering." </a:t>
+            </a:r>
+            <a:r>
+              <a:rPr lang="en-US" altLang="zh-CN" sz="2400" i="1" dirty="0">
                 <a:solidFill>
                   <a:schemeClr val="accent1">
                     <a:lumMod val="75000"/>
                   </a:schemeClr>
                 </a:solidFill>
               </a:rPr>
-              <a:t>.</a:t>
+              <a:t>International Joint Conference on Artificial Intelligence</a:t>
             </a:r>
             <a:r>
               <a:rPr lang="en-US" altLang="zh-CN" sz="2400" dirty="0">
@@ -15816,17 +15410,21 @@
                   </a:schemeClr>
                 </a:solidFill>
               </a:rPr>
-              <a:t> </a:t>
-            </a:r>
-            <a:r>
-              <a:rPr lang="en-US" altLang="zh-CN" sz="2400" i="1" dirty="0">
-                <a:solidFill>
-                  <a:schemeClr val="accent1">
-                    <a:lumMod val="75000"/>
-                  </a:schemeClr>
-                </a:solidFill>
-              </a:rPr>
-              <a:t>The, International ACM SIGIR Conference</a:t>
+              <a:t>2013:2169-2175.</a:t>
+            </a:r>
+          </a:p>
+          <a:p>
+            <a:pPr marL="285750" indent="-285750">
+              <a:buFont typeface="Arial" panose="020B0604020202020204" pitchFamily="34" charset="0"/>
+              <a:buChar char="•"/>
+            </a:pPr>
+            <a:r>
+              <a:rPr lang="en-US" altLang="zh-CN" sz="2400" b="1" dirty="0"/>
+              <a:t>[Hermann, Karl Moritz, et al. 15 ]</a:t>
+            </a:r>
+            <a:r>
+              <a:rPr lang="en-US" altLang="zh-CN" sz="2400" dirty="0"/>
+              <a:t> </a:t>
             </a:r>
             <a:r>
               <a:rPr lang="en-US" altLang="zh-CN" sz="2400" dirty="0">
@@ -15836,17 +15434,7 @@
                   </a:schemeClr>
                 </a:solidFill>
               </a:rPr>
-              <a:t> 2015:373-382</a:t>
-            </a:r>
-            <a:r>
-              <a:rPr lang="en-US" altLang="zh-CN" sz="2400" dirty="0" smtClean="0">
-                <a:solidFill>
-                  <a:schemeClr val="accent1">
-                    <a:lumMod val="75000"/>
-                  </a:schemeClr>
-                </a:solidFill>
-              </a:rPr>
-              <a:t>.</a:t>
+              <a:t>Teaching Machines to Read and Comprehend.  Computer Science.</a:t>
             </a:r>
           </a:p>
           <a:p>
@@ -15855,44 +15443,16 @@
               <a:buChar char="•"/>
             </a:pPr>
             <a:r>
-              <a:rPr lang="en-US" altLang="zh-CN" sz="2400" b="1" dirty="0" smtClean="0"/>
-              <a:t>[Sun</a:t>
-            </a:r>
-            <a:r>
-              <a:rPr lang="en-US" altLang="zh-CN" sz="2400" b="1" dirty="0"/>
-              <a:t>, </a:t>
-            </a:r>
-            <a:r>
-              <a:rPr lang="en-US" altLang="zh-CN" sz="2400" b="1" dirty="0" smtClean="0"/>
-              <a:t>Hong., </a:t>
-            </a:r>
-            <a:r>
-              <a:rPr lang="en-US" altLang="zh-CN" sz="2400" b="1" dirty="0"/>
-              <a:t>et al</a:t>
-            </a:r>
-            <a:r>
-              <a:rPr lang="en-US" altLang="zh-CN" sz="2400" b="1" dirty="0" smtClean="0"/>
-              <a:t>. 13] </a:t>
+              <a:rPr lang="en-US" altLang="zh-CN" sz="2400" b="1" noProof="1"/>
+              <a:t>[D Kapashi., &amp; P Shah. 15]</a:t>
             </a:r>
             <a:r>
               <a:rPr lang="en-US" altLang="zh-CN" sz="2400" b="1" dirty="0">
                 <a:solidFill>
-                  <a:schemeClr val="accent1">
-                    <a:lumMod val="75000"/>
-                  </a:schemeClr>
+                  <a:schemeClr val="accent1"/>
                 </a:solidFill>
               </a:rPr>
-              <a:t> </a:t>
-            </a:r>
-            <a:r>
-              <a:rPr lang="en-US" altLang="zh-CN" sz="2400" dirty="0" smtClean="0">
-                <a:solidFill>
-                  <a:schemeClr val="accent1">
-                    <a:lumMod val="75000"/>
-                  </a:schemeClr>
-                </a:solidFill>
-              </a:rPr>
-              <a:t>Answer </a:t>
+              <a:t>  </a:t>
             </a:r>
             <a:r>
               <a:rPr lang="en-US" altLang="zh-CN" sz="2400" dirty="0">
@@ -15902,17 +15462,25 @@
                   </a:schemeClr>
                 </a:solidFill>
               </a:rPr>
-              <a:t>extraction from passage graph for question answering." </a:t>
-            </a:r>
-            <a:r>
-              <a:rPr lang="en-US" altLang="zh-CN" sz="2400" i="1" dirty="0">
-                <a:solidFill>
-                  <a:schemeClr val="accent1">
-                    <a:lumMod val="75000"/>
-                  </a:schemeClr>
-                </a:solidFill>
-              </a:rPr>
-              <a:t>International Joint Conference on Artificial Intelligence</a:t>
+              <a:t>Answering Reading Comprehension Using Memory Networks.</a:t>
+            </a:r>
+          </a:p>
+          <a:p>
+            <a:pPr marL="285750" indent="-285750">
+              <a:buFont typeface="Arial" panose="020B0604020202020204" pitchFamily="34" charset="0"/>
+              <a:buChar char="•"/>
+            </a:pPr>
+            <a:r>
+              <a:rPr lang="en-US" altLang="zh-CN" sz="2400" b="1" dirty="0"/>
+              <a:t>[Cheng, J., Dong, L., &amp; </a:t>
+            </a:r>
+            <a:r>
+              <a:rPr lang="en-US" altLang="zh-CN" sz="2400" b="1" dirty="0" err="1"/>
+              <a:t>Lapata</a:t>
+            </a:r>
+            <a:r>
+              <a:rPr lang="en-US" altLang="zh-CN" sz="2400" b="1" dirty="0"/>
+              <a:t>, M. 2016]  </a:t>
             </a:r>
             <a:r>
               <a:rPr lang="en-US" altLang="zh-CN" sz="2400" dirty="0">
@@ -15922,35 +15490,17 @@
                   </a:schemeClr>
                 </a:solidFill>
               </a:rPr>
-              <a:t>2013:2169-2175</a:t>
-            </a:r>
-            <a:r>
-              <a:rPr lang="en-US" altLang="zh-CN" sz="2400" dirty="0" smtClean="0">
+              <a:t>Long short-term memory-networks for machine reading. </a:t>
+            </a:r>
+            <a:r>
+              <a:rPr lang="en-US" altLang="zh-CN" sz="2400" dirty="0" err="1">
                 <a:solidFill>
                   <a:schemeClr val="accent1">
                     <a:lumMod val="75000"/>
                   </a:schemeClr>
                 </a:solidFill>
               </a:rPr>
-              <a:t>.</a:t>
-            </a:r>
-          </a:p>
-          <a:p>
-            <a:pPr marL="285750" indent="-285750">
-              <a:buFont typeface="Arial" panose="020B0604020202020204" pitchFamily="34" charset="0"/>
-              <a:buChar char="•"/>
-            </a:pPr>
-            <a:r>
-              <a:rPr lang="en-US" altLang="zh-CN" sz="2400" b="1" dirty="0" smtClean="0"/>
-              <a:t>[Hermann</a:t>
-            </a:r>
-            <a:r>
-              <a:rPr lang="en-US" altLang="zh-CN" sz="2400" b="1" dirty="0"/>
-              <a:t>, Karl Moritz, et al. 15 ]</a:t>
-            </a:r>
-            <a:r>
-              <a:rPr lang="en-US" altLang="zh-CN" sz="2400" dirty="0"/>
-              <a:t> </a:t>
+              <a:t>arXiv</a:t>
             </a:r>
             <a:r>
               <a:rPr lang="en-US" altLang="zh-CN" sz="2400" dirty="0">
@@ -15960,7 +15510,7 @@
                   </a:schemeClr>
                 </a:solidFill>
               </a:rPr>
-              <a:t>Teaching Machines to Read and Comprehend.  Computer Science.</a:t>
+              <a:t> preprint arXiv:1601.06733</a:t>
             </a:r>
           </a:p>
           <a:p>
@@ -15968,132 +15518,7 @@
               <a:buFont typeface="Arial" panose="020B0604020202020204" pitchFamily="34" charset="0"/>
               <a:buChar char="•"/>
             </a:pPr>
-            <a:r>
-              <a:rPr lang="en-US" altLang="zh-CN" sz="2400" b="1" noProof="1"/>
-              <a:t>[D Kapashi., &amp; P Shah. 15]</a:t>
-            </a:r>
-            <a:r>
-              <a:rPr lang="en-US" altLang="zh-CN" sz="2400" b="1" dirty="0">
-                <a:solidFill>
-                  <a:schemeClr val="accent1"/>
-                </a:solidFill>
-              </a:rPr>
-              <a:t> </a:t>
-            </a:r>
-            <a:r>
-              <a:rPr lang="en-US" altLang="zh-CN" sz="2400" b="1" dirty="0" smtClean="0">
-                <a:solidFill>
-                  <a:schemeClr val="accent1"/>
-                </a:solidFill>
-              </a:rPr>
-              <a:t> </a:t>
-            </a:r>
-            <a:r>
-              <a:rPr lang="en-US" altLang="zh-CN" sz="2400" dirty="0" smtClean="0">
-                <a:solidFill>
-                  <a:schemeClr val="accent1">
-                    <a:lumMod val="75000"/>
-                  </a:schemeClr>
-                </a:solidFill>
-              </a:rPr>
-              <a:t>Answering </a:t>
-            </a:r>
-            <a:r>
-              <a:rPr lang="en-US" altLang="zh-CN" sz="2400" dirty="0">
-                <a:solidFill>
-                  <a:schemeClr val="accent1">
-                    <a:lumMod val="75000"/>
-                  </a:schemeClr>
-                </a:solidFill>
-              </a:rPr>
-              <a:t>Reading Comprehension Using Memory Networks.</a:t>
-            </a:r>
-          </a:p>
-          <a:p>
-            <a:pPr marL="285750" indent="-285750">
-              <a:buFont typeface="Arial" panose="020B0604020202020204" pitchFamily="34" charset="0"/>
-              <a:buChar char="•"/>
-            </a:pPr>
-            <a:r>
-              <a:rPr lang="en-US" altLang="zh-CN" sz="2400" b="1" dirty="0"/>
-              <a:t>[Cheng, J., Dong, L., &amp; </a:t>
-            </a:r>
-            <a:r>
-              <a:rPr lang="en-US" altLang="zh-CN" sz="2400" b="1" dirty="0" err="1"/>
-              <a:t>Lapata</a:t>
-            </a:r>
-            <a:r>
-              <a:rPr lang="en-US" altLang="zh-CN" sz="2400" b="1" dirty="0"/>
-              <a:t>, M. 2016</a:t>
-            </a:r>
-            <a:r>
-              <a:rPr lang="en-US" altLang="zh-CN" sz="2400" b="1" dirty="0" smtClean="0"/>
-              <a:t>]  </a:t>
-            </a:r>
-            <a:r>
-              <a:rPr lang="en-US" altLang="zh-CN" sz="2400" dirty="0" smtClean="0">
-                <a:solidFill>
-                  <a:schemeClr val="accent1">
-                    <a:lumMod val="75000"/>
-                  </a:schemeClr>
-                </a:solidFill>
-              </a:rPr>
-              <a:t>Long </a:t>
-            </a:r>
-            <a:r>
-              <a:rPr lang="en-US" altLang="zh-CN" sz="2400" dirty="0">
-                <a:solidFill>
-                  <a:schemeClr val="accent1">
-                    <a:lumMod val="75000"/>
-                  </a:schemeClr>
-                </a:solidFill>
-              </a:rPr>
-              <a:t>short-term memory-networks for machine reading. </a:t>
-            </a:r>
-            <a:r>
-              <a:rPr lang="en-US" altLang="zh-CN" sz="2400" dirty="0" err="1">
-                <a:solidFill>
-                  <a:schemeClr val="accent1">
-                    <a:lumMod val="75000"/>
-                  </a:schemeClr>
-                </a:solidFill>
-              </a:rPr>
-              <a:t>arXiv</a:t>
-            </a:r>
-            <a:r>
-              <a:rPr lang="en-US" altLang="zh-CN" sz="2400" dirty="0">
-                <a:solidFill>
-                  <a:schemeClr val="accent1">
-                    <a:lumMod val="75000"/>
-                  </a:schemeClr>
-                </a:solidFill>
-              </a:rPr>
-              <a:t> preprint </a:t>
-            </a:r>
-            <a:r>
-              <a:rPr lang="en-US" altLang="zh-CN" sz="2400" dirty="0" smtClean="0">
-                <a:solidFill>
-                  <a:schemeClr val="accent1">
-                    <a:lumMod val="75000"/>
-                  </a:schemeClr>
-                </a:solidFill>
-              </a:rPr>
-              <a:t>arXiv:1601.06733</a:t>
-            </a:r>
-            <a:endParaRPr lang="en-US" altLang="zh-CN" sz="2400" dirty="0">
-              <a:solidFill>
-                <a:schemeClr val="accent1">
-                  <a:lumMod val="75000"/>
-                </a:schemeClr>
-              </a:solidFill>
-            </a:endParaRPr>
-          </a:p>
-          <a:p>
-            <a:pPr marL="285750" indent="-285750">
-              <a:buFont typeface="Arial" panose="020B0604020202020204" pitchFamily="34" charset="0"/>
-              <a:buChar char="•"/>
-            </a:pPr>
-            <a:endParaRPr lang="en-US" altLang="zh-CN" sz="2400" noProof="1" smtClean="0">
+            <a:endParaRPr lang="en-US" altLang="zh-CN" sz="2400" noProof="1">
               <a:latin typeface="微软雅黑" panose="020B0503020204020204" pitchFamily="34" charset="-122"/>
               <a:ea typeface="微软雅黑" panose="020B0503020204020204" pitchFamily="34" charset="-122"/>
             </a:endParaRPr>
@@ -16388,7 +15813,7 @@
           <a:lstStyle/>
           <a:p>
             <a:r>
-              <a:rPr lang="en-US" altLang="zh-CN" sz="8000" b="1" dirty="0" smtClean="0">
+              <a:rPr lang="en-US" altLang="zh-CN" sz="8000" b="1" dirty="0">
                 <a:solidFill>
                   <a:schemeClr val="bg1"/>
                 </a:solidFill>
@@ -16614,7 +16039,7 @@
               </a:spcBef>
             </a:pPr>
             <a:r>
-              <a:rPr lang="zh-CN" altLang="en-US" sz="4265" kern="0" dirty="0" smtClean="0">
+              <a:rPr lang="zh-CN" altLang="en-US" sz="4265" kern="0" dirty="0">
                 <a:gradFill>
                   <a:gsLst>
                     <a:gs pos="0">
@@ -16764,7 +16189,7 @@
               <a:buChar char="•"/>
             </a:pPr>
             <a:r>
-              <a:rPr lang="zh-CN" altLang="en-US" sz="3200" dirty="0" smtClean="0">
+              <a:rPr lang="zh-CN" altLang="en-US" sz="3200" dirty="0">
                 <a:solidFill>
                   <a:schemeClr val="tx1">
                     <a:lumMod val="75000"/>
@@ -16801,7 +16226,7 @@
               <a:buChar char="•"/>
             </a:pPr>
             <a:r>
-              <a:rPr lang="zh-CN" altLang="en-US" sz="3200" dirty="0" smtClean="0">
+              <a:rPr lang="zh-CN" altLang="en-US" sz="3200" dirty="0">
                 <a:solidFill>
                   <a:schemeClr val="tx1">
                     <a:lumMod val="75000"/>
@@ -16838,7 +16263,7 @@
               <a:buChar char="•"/>
             </a:pPr>
             <a:r>
-              <a:rPr lang="zh-CN" altLang="en-US" sz="3200" dirty="0" smtClean="0">
+              <a:rPr lang="zh-CN" altLang="en-US" sz="3200" dirty="0">
                 <a:solidFill>
                   <a:schemeClr val="tx1">
                     <a:lumMod val="75000"/>
@@ -16875,7 +16300,7 @@
               <a:buChar char="•"/>
             </a:pPr>
             <a:r>
-              <a:rPr lang="zh-CN" altLang="en-US" sz="3200" dirty="0" smtClean="0">
+              <a:rPr lang="zh-CN" altLang="en-US" sz="3200" dirty="0">
                 <a:solidFill>
                   <a:schemeClr val="tx1">
                     <a:lumMod val="75000"/>
@@ -16888,7 +16313,7 @@
               </a:rPr>
               <a:t>研究基础</a:t>
             </a:r>
-            <a:endParaRPr lang="en-US" altLang="zh-CN" sz="3200" dirty="0" smtClean="0">
+            <a:endParaRPr lang="en-US" altLang="zh-CN" sz="3200" dirty="0">
               <a:solidFill>
                 <a:schemeClr val="tx1">
                   <a:lumMod val="75000"/>
@@ -16923,21 +16348,7 @@
                 <a:ea typeface="微软雅黑" panose="020B0503020204020204" pitchFamily="34" charset="-122"/>
                 <a:sym typeface="微软雅黑" panose="020B0503020204020204" pitchFamily="34" charset="-122"/>
               </a:rPr>
-              <a:t>进度</a:t>
-            </a:r>
-            <a:r>
-              <a:rPr lang="zh-CN" altLang="en-US" sz="3200" dirty="0" smtClean="0">
-                <a:solidFill>
-                  <a:schemeClr val="tx1">
-                    <a:lumMod val="75000"/>
-                    <a:lumOff val="25000"/>
-                  </a:schemeClr>
-                </a:solidFill>
-                <a:latin typeface="微软雅黑" panose="020B0503020204020204" pitchFamily="34" charset="-122"/>
-                <a:ea typeface="微软雅黑" panose="020B0503020204020204" pitchFamily="34" charset="-122"/>
-                <a:sym typeface="微软雅黑" panose="020B0503020204020204" pitchFamily="34" charset="-122"/>
-              </a:rPr>
-              <a:t>安排和预期成果</a:t>
+              <a:t>进度安排和预期成果</a:t>
             </a:r>
             <a:endParaRPr lang="en-US" altLang="zh-CN" sz="3200" dirty="0">
               <a:solidFill>
@@ -17223,7 +16634,7 @@
               </a:spcBef>
             </a:pPr>
             <a:r>
-              <a:rPr lang="zh-CN" altLang="en-US" sz="4265" kern="0" dirty="0" smtClean="0">
+              <a:rPr lang="zh-CN" altLang="en-US" sz="4265" kern="0" dirty="0">
                 <a:gradFill>
                   <a:gsLst>
                     <a:gs pos="0">
@@ -17373,7 +16784,7 @@
               <a:buChar char="•"/>
             </a:pPr>
             <a:r>
-              <a:rPr lang="zh-CN" altLang="en-US" sz="3200" b="1" dirty="0" smtClean="0">
+              <a:rPr lang="zh-CN" altLang="en-US" sz="3200" b="1" dirty="0">
                 <a:solidFill>
                   <a:schemeClr val="tx1">
                     <a:lumMod val="75000"/>
@@ -17410,7 +16821,7 @@
               <a:buChar char="•"/>
             </a:pPr>
             <a:r>
-              <a:rPr lang="zh-CN" altLang="en-US" sz="3200" dirty="0" smtClean="0">
+              <a:rPr lang="zh-CN" altLang="en-US" sz="3200" dirty="0">
                 <a:solidFill>
                   <a:schemeClr val="bg2">
                     <a:lumMod val="75000"/>
@@ -17445,7 +16856,7 @@
               <a:buChar char="•"/>
             </a:pPr>
             <a:r>
-              <a:rPr lang="zh-CN" altLang="en-US" sz="3200" dirty="0" smtClean="0">
+              <a:rPr lang="zh-CN" altLang="en-US" sz="3200" dirty="0">
                 <a:solidFill>
                   <a:schemeClr val="bg2">
                     <a:lumMod val="75000"/>
@@ -17480,7 +16891,7 @@
               <a:buChar char="•"/>
             </a:pPr>
             <a:r>
-              <a:rPr lang="zh-CN" altLang="en-US" sz="3200" dirty="0" smtClean="0">
+              <a:rPr lang="zh-CN" altLang="en-US" sz="3200" dirty="0">
                 <a:solidFill>
                   <a:schemeClr val="bg2">
                     <a:lumMod val="75000"/>
@@ -17492,7 +16903,7 @@
               </a:rPr>
               <a:t>研究基础</a:t>
             </a:r>
-            <a:endParaRPr lang="en-US" altLang="zh-CN" sz="3200" dirty="0" smtClean="0">
+            <a:endParaRPr lang="en-US" altLang="zh-CN" sz="3200" dirty="0">
               <a:solidFill>
                 <a:schemeClr val="bg2">
                   <a:lumMod val="75000"/>
@@ -17525,20 +16936,7 @@
                 <a:ea typeface="微软雅黑" panose="020B0503020204020204" pitchFamily="34" charset="-122"/>
                 <a:sym typeface="微软雅黑" panose="020B0503020204020204" pitchFamily="34" charset="-122"/>
               </a:rPr>
-              <a:t>进度</a:t>
-            </a:r>
-            <a:r>
-              <a:rPr lang="zh-CN" altLang="en-US" sz="3200" dirty="0" smtClean="0">
-                <a:solidFill>
-                  <a:schemeClr val="bg2">
-                    <a:lumMod val="75000"/>
-                  </a:schemeClr>
-                </a:solidFill>
-                <a:latin typeface="微软雅黑" panose="020B0503020204020204" pitchFamily="34" charset="-122"/>
-                <a:ea typeface="微软雅黑" panose="020B0503020204020204" pitchFamily="34" charset="-122"/>
-                <a:sym typeface="微软雅黑" panose="020B0503020204020204" pitchFamily="34" charset="-122"/>
-              </a:rPr>
-              <a:t>安排和预期成果</a:t>
+              <a:t>进度安排和预期成果</a:t>
             </a:r>
             <a:endParaRPr lang="en-US" altLang="zh-CN" sz="3200" dirty="0">
               <a:solidFill>
@@ -17973,7 +17371,7 @@
               <a:buChar char="•"/>
             </a:pPr>
             <a:r>
-              <a:rPr lang="zh-CN" altLang="en-US" dirty="0" smtClean="0">
+              <a:rPr lang="zh-CN" altLang="en-US" dirty="0">
                 <a:solidFill>
                   <a:schemeClr val="tx1">
                     <a:lumMod val="75000"/>
@@ -17986,7 +17384,7 @@
               </a:rPr>
               <a:t>热门研究方向</a:t>
             </a:r>
-            <a:endParaRPr lang="en-US" altLang="zh-CN" dirty="0" smtClean="0">
+            <a:endParaRPr lang="en-US" altLang="zh-CN" dirty="0">
               <a:solidFill>
                 <a:schemeClr val="tx1">
                   <a:lumMod val="75000"/>
@@ -18010,7 +17408,7 @@
               <a:buChar char="•"/>
             </a:pPr>
             <a:r>
-              <a:rPr lang="en-US" altLang="zh-CN" dirty="0" smtClean="0">
+              <a:rPr lang="en-US" altLang="zh-CN" dirty="0">
                 <a:solidFill>
                   <a:schemeClr val="tx1">
                     <a:lumMod val="75000"/>
@@ -18024,7 +17422,7 @@
               <a:t>TERC</a:t>
             </a:r>
             <a:r>
-              <a:rPr lang="zh-CN" altLang="en-US" dirty="0" smtClean="0">
+              <a:rPr lang="zh-CN" altLang="en-US" dirty="0">
                 <a:solidFill>
                   <a:schemeClr val="tx1">
                     <a:lumMod val="75000"/>
@@ -18038,7 +17436,7 @@
               <a:t>与</a:t>
             </a:r>
             <a:r>
-              <a:rPr lang="en-US" altLang="zh-CN" dirty="0" smtClean="0">
+              <a:rPr lang="en-US" altLang="zh-CN" dirty="0">
                 <a:solidFill>
                   <a:schemeClr val="tx1">
                     <a:lumMod val="75000"/>
@@ -18052,7 +17450,7 @@
               <a:t>1999</a:t>
             </a:r>
             <a:r>
-              <a:rPr lang="zh-CN" altLang="en-US" dirty="0" smtClean="0">
+              <a:rPr lang="zh-CN" altLang="en-US" dirty="0">
                 <a:solidFill>
                   <a:schemeClr val="tx1">
                     <a:lumMod val="75000"/>
@@ -18065,7 +17463,7 @@
               </a:rPr>
               <a:t>年开始举办问答比赛</a:t>
             </a:r>
-            <a:endParaRPr lang="en-US" altLang="zh-CN" dirty="0" smtClean="0">
+            <a:endParaRPr lang="en-US" altLang="zh-CN" dirty="0">
               <a:solidFill>
                 <a:schemeClr val="tx1">
                   <a:lumMod val="75000"/>
@@ -18089,7 +17487,7 @@
               <a:buChar char="•"/>
             </a:pPr>
             <a:r>
-              <a:rPr lang="zh-CN" altLang="en-US" dirty="0" smtClean="0">
+              <a:rPr lang="zh-CN" altLang="en-US" dirty="0">
                 <a:solidFill>
                   <a:schemeClr val="tx1">
                     <a:lumMod val="75000"/>
@@ -18103,7 +17501,7 @@
               <a:t>信息检索</a:t>
             </a:r>
             <a:r>
-              <a:rPr lang="en-US" altLang="zh-CN" dirty="0" smtClean="0">
+              <a:rPr lang="en-US" altLang="zh-CN" dirty="0">
                 <a:solidFill>
                   <a:schemeClr val="tx1">
                     <a:lumMod val="75000"/>
@@ -18117,7 +17515,7 @@
               <a:t>(IR)</a:t>
             </a:r>
             <a:r>
-              <a:rPr lang="zh-CN" altLang="en-US" dirty="0" smtClean="0">
+              <a:rPr lang="zh-CN" altLang="en-US" dirty="0">
                 <a:solidFill>
                   <a:schemeClr val="tx1">
                     <a:lumMod val="75000"/>
@@ -18131,7 +17529,7 @@
               <a:t>、信息挖掘（</a:t>
             </a:r>
             <a:r>
-              <a:rPr lang="en-US" altLang="zh-CN" dirty="0" smtClean="0">
+              <a:rPr lang="en-US" altLang="zh-CN" dirty="0">
                 <a:solidFill>
                   <a:schemeClr val="tx1">
                     <a:lumMod val="75000"/>
@@ -18145,7 +17543,7 @@
               <a:t>IE</a:t>
             </a:r>
             <a:r>
-              <a:rPr lang="zh-CN" altLang="en-US" dirty="0" smtClean="0">
+              <a:rPr lang="zh-CN" altLang="en-US" dirty="0">
                 <a:solidFill>
                   <a:schemeClr val="tx1">
                     <a:lumMod val="75000"/>
@@ -18159,7 +17557,7 @@
               <a:t>）、自然语言处理（</a:t>
             </a:r>
             <a:r>
-              <a:rPr lang="en-US" altLang="zh-CN" dirty="0" smtClean="0">
+              <a:rPr lang="en-US" altLang="zh-CN" dirty="0">
                 <a:solidFill>
                   <a:schemeClr val="tx1">
                     <a:lumMod val="75000"/>
@@ -18173,7 +17571,7 @@
               <a:t>NLP</a:t>
             </a:r>
             <a:r>
-              <a:rPr lang="zh-CN" altLang="en-US" dirty="0" smtClean="0">
+              <a:rPr lang="zh-CN" altLang="en-US" dirty="0">
                 <a:solidFill>
                   <a:schemeClr val="tx1">
                     <a:lumMod val="75000"/>
@@ -18187,11 +17585,11 @@
               <a:t>）技术综合（</a:t>
             </a:r>
             <a:r>
-              <a:rPr lang="en-US" altLang="zh-CN" dirty="0" smtClean="0"/>
+              <a:rPr lang="en-US" altLang="zh-CN" dirty="0"/>
               <a:t>Wang, 2013</a:t>
             </a:r>
             <a:r>
-              <a:rPr lang="zh-CN" altLang="en-US" dirty="0" smtClean="0">
+              <a:rPr lang="zh-CN" altLang="en-US" dirty="0">
                 <a:solidFill>
                   <a:schemeClr val="tx1">
                     <a:lumMod val="75000"/>
@@ -18204,7 +17602,7 @@
               </a:rPr>
               <a:t>）</a:t>
             </a:r>
-            <a:endParaRPr lang="en-US" altLang="zh-CN" dirty="0" smtClean="0">
+            <a:endParaRPr lang="en-US" altLang="zh-CN" dirty="0">
               <a:solidFill>
                 <a:schemeClr val="tx1">
                   <a:lumMod val="75000"/>
@@ -18239,23 +17637,9 @@
                 <a:ea typeface="微软雅黑" panose="020B0503020204020204" pitchFamily="34" charset="-122"/>
                 <a:sym typeface="微软雅黑" panose="020B0503020204020204" pitchFamily="34" charset="-122"/>
               </a:rPr>
-              <a:t>问答</a:t>
-            </a:r>
-            <a:r>
-              <a:rPr lang="zh-CN" altLang="en-US" dirty="0" smtClean="0">
-                <a:solidFill>
-                  <a:schemeClr val="tx1">
-                    <a:lumMod val="75000"/>
-                    <a:lumOff val="25000"/>
-                  </a:schemeClr>
-                </a:solidFill>
-                <a:latin typeface="微软雅黑" panose="020B0503020204020204" pitchFamily="34" charset="-122"/>
-                <a:ea typeface="微软雅黑" panose="020B0503020204020204" pitchFamily="34" charset="-122"/>
-                <a:sym typeface="微软雅黑" panose="020B0503020204020204" pitchFamily="34" charset="-122"/>
-              </a:rPr>
-              <a:t>系统</a:t>
-            </a:r>
-            <a:endParaRPr lang="en-US" altLang="zh-CN" dirty="0" smtClean="0">
+              <a:t>问答系统</a:t>
+            </a:r>
+            <a:endParaRPr lang="en-US" altLang="zh-CN" dirty="0">
               <a:solidFill>
                 <a:schemeClr val="tx1">
                   <a:lumMod val="75000"/>
@@ -18290,23 +17674,9 @@
                 <a:ea typeface="微软雅黑" panose="020B0503020204020204" pitchFamily="34" charset="-122"/>
                 <a:sym typeface="微软雅黑" panose="020B0503020204020204" pitchFamily="34" charset="-122"/>
               </a:rPr>
-              <a:t>数据库问答</a:t>
-            </a:r>
-            <a:r>
-              <a:rPr lang="zh-CN" altLang="en-US" dirty="0" smtClean="0">
-                <a:solidFill>
-                  <a:schemeClr val="tx1">
-                    <a:lumMod val="75000"/>
-                    <a:lumOff val="25000"/>
-                  </a:schemeClr>
-                </a:solidFill>
-                <a:latin typeface="微软雅黑" panose="020B0503020204020204" pitchFamily="34" charset="-122"/>
-                <a:ea typeface="微软雅黑" panose="020B0503020204020204" pitchFamily="34" charset="-122"/>
-                <a:sym typeface="微软雅黑" panose="020B0503020204020204" pitchFamily="34" charset="-122"/>
-              </a:rPr>
-              <a:t>系统</a:t>
-            </a:r>
-            <a:endParaRPr lang="en-US" altLang="zh-CN" dirty="0" smtClean="0">
+              <a:t>数据库问答系统</a:t>
+            </a:r>
+            <a:endParaRPr lang="en-US" altLang="zh-CN" dirty="0">
               <a:solidFill>
                 <a:schemeClr val="tx1">
                   <a:lumMod val="75000"/>
@@ -18330,7 +17700,7 @@
               <a:buChar char="•"/>
             </a:pPr>
             <a:r>
-              <a:rPr lang="zh-CN" altLang="en-US" dirty="0" smtClean="0">
+              <a:rPr lang="zh-CN" altLang="en-US" dirty="0">
                 <a:solidFill>
                   <a:schemeClr val="tx1">
                     <a:lumMod val="75000"/>
@@ -18343,7 +17713,7 @@
               </a:rPr>
               <a:t>常问问题问答系统</a:t>
             </a:r>
-            <a:endParaRPr lang="en-US" altLang="zh-CN" dirty="0" smtClean="0">
+            <a:endParaRPr lang="en-US" altLang="zh-CN" dirty="0">
               <a:solidFill>
                 <a:schemeClr val="tx1">
                   <a:lumMod val="75000"/>
@@ -18367,7 +17737,7 @@
               <a:buChar char="•"/>
             </a:pPr>
             <a:r>
-              <a:rPr lang="zh-CN" altLang="en-US" dirty="0" smtClean="0">
+              <a:rPr lang="zh-CN" altLang="en-US" dirty="0">
                 <a:solidFill>
                   <a:srgbClr val="FF0000"/>
                 </a:solidFill>
@@ -18377,7 +17747,7 @@
               </a:rPr>
               <a:t>新闻问答系统</a:t>
             </a:r>
-            <a:endParaRPr lang="en-US" altLang="zh-CN" dirty="0" smtClean="0">
+            <a:endParaRPr lang="en-US" altLang="zh-CN" dirty="0">
               <a:solidFill>
                 <a:srgbClr val="FF0000"/>
               </a:solidFill>
@@ -18398,7 +17768,7 @@
               <a:buChar char="•"/>
             </a:pPr>
             <a:r>
-              <a:rPr lang="zh-CN" altLang="en-US" dirty="0" smtClean="0">
+              <a:rPr lang="zh-CN" altLang="en-US" dirty="0">
                 <a:solidFill>
                   <a:schemeClr val="tx1">
                     <a:lumMod val="75000"/>
@@ -18411,7 +17781,7 @@
               </a:rPr>
               <a:t>互联网问答系统</a:t>
             </a:r>
-            <a:endParaRPr lang="en-US" altLang="zh-CN" dirty="0" smtClean="0">
+            <a:endParaRPr lang="en-US" altLang="zh-CN" dirty="0">
               <a:solidFill>
                 <a:schemeClr val="tx1">
                   <a:lumMod val="75000"/>
@@ -18435,7 +17805,7 @@
               <a:buChar char="•"/>
             </a:pPr>
             <a:r>
-              <a:rPr lang="zh-CN" altLang="en-US" dirty="0" smtClean="0">
+              <a:rPr lang="zh-CN" altLang="en-US" dirty="0">
                 <a:solidFill>
                   <a:schemeClr val="tx1">
                     <a:lumMod val="75000"/>
@@ -18448,7 +17818,7 @@
               </a:rPr>
               <a:t>问题类型</a:t>
             </a:r>
-            <a:endParaRPr lang="en-US" altLang="zh-CN" dirty="0" smtClean="0">
+            <a:endParaRPr lang="en-US" altLang="zh-CN" dirty="0">
               <a:solidFill>
                 <a:schemeClr val="tx1">
                   <a:lumMod val="75000"/>
@@ -18472,7 +17842,7 @@
               <a:buChar char="•"/>
             </a:pPr>
             <a:r>
-              <a:rPr lang="zh-CN" altLang="en-US" dirty="0" smtClean="0">
+              <a:rPr lang="zh-CN" altLang="en-US" dirty="0">
                 <a:solidFill>
                   <a:srgbClr val="FF0000"/>
                 </a:solidFill>
@@ -18482,7 +17852,7 @@
               </a:rPr>
               <a:t>仿真陈述类问题</a:t>
             </a:r>
-            <a:endParaRPr lang="en-US" altLang="zh-CN" dirty="0" smtClean="0">
+            <a:endParaRPr lang="en-US" altLang="zh-CN" dirty="0">
               <a:solidFill>
                 <a:srgbClr val="FF0000"/>
               </a:solidFill>
@@ -18503,7 +17873,7 @@
               <a:buChar char="•"/>
             </a:pPr>
             <a:r>
-              <a:rPr lang="zh-CN" altLang="en-US" dirty="0" smtClean="0">
+              <a:rPr lang="zh-CN" altLang="en-US" dirty="0">
                 <a:solidFill>
                   <a:schemeClr val="tx1">
                     <a:lumMod val="75000"/>
@@ -18516,7 +17886,7 @@
               </a:rPr>
               <a:t>清单类问题</a:t>
             </a:r>
-            <a:endParaRPr lang="en-US" altLang="zh-CN" dirty="0" smtClean="0">
+            <a:endParaRPr lang="en-US" altLang="zh-CN" dirty="0">
               <a:solidFill>
                 <a:schemeClr val="tx1">
                   <a:lumMod val="75000"/>
@@ -18540,7 +17910,7 @@
               <a:buChar char="•"/>
             </a:pPr>
             <a:r>
-              <a:rPr lang="zh-CN" altLang="en-US" dirty="0" smtClean="0">
+              <a:rPr lang="zh-CN" altLang="en-US" dirty="0">
                 <a:solidFill>
                   <a:schemeClr val="tx1">
                     <a:lumMod val="75000"/>
@@ -18553,7 +17923,7 @@
               </a:rPr>
               <a:t>定义类问题</a:t>
             </a:r>
-            <a:endParaRPr lang="en-US" altLang="zh-CN" dirty="0" smtClean="0">
+            <a:endParaRPr lang="en-US" altLang="zh-CN" dirty="0">
               <a:solidFill>
                 <a:schemeClr val="tx1">
                   <a:lumMod val="75000"/>
@@ -18588,23 +17958,9 @@
                 <a:ea typeface="微软雅黑" panose="020B0503020204020204" pitchFamily="34" charset="-122"/>
                 <a:sym typeface="微软雅黑" panose="020B0503020204020204" pitchFamily="34" charset="-122"/>
               </a:rPr>
-              <a:t>时间</a:t>
-            </a:r>
-            <a:r>
-              <a:rPr lang="zh-CN" altLang="en-US" dirty="0" smtClean="0">
-                <a:solidFill>
-                  <a:schemeClr val="tx1">
-                    <a:lumMod val="75000"/>
-                    <a:lumOff val="25000"/>
-                  </a:schemeClr>
-                </a:solidFill>
-                <a:latin typeface="微软雅黑" panose="020B0503020204020204" pitchFamily="34" charset="-122"/>
-                <a:ea typeface="微软雅黑" panose="020B0503020204020204" pitchFamily="34" charset="-122"/>
-                <a:sym typeface="微软雅黑" panose="020B0503020204020204" pitchFamily="34" charset="-122"/>
-              </a:rPr>
-              <a:t>限制问题</a:t>
-            </a:r>
-            <a:endParaRPr lang="en-US" altLang="zh-CN" dirty="0" smtClean="0">
+              <a:t>时间限制问题</a:t>
+            </a:r>
+            <a:endParaRPr lang="en-US" altLang="zh-CN" dirty="0">
               <a:solidFill>
                 <a:schemeClr val="tx1">
                   <a:lumMod val="75000"/>
@@ -18628,7 +17984,7 @@
               <a:buChar char="•"/>
             </a:pPr>
             <a:r>
-              <a:rPr lang="zh-CN" altLang="en-US" dirty="0" smtClean="0">
+              <a:rPr lang="zh-CN" altLang="en-US" dirty="0">
                 <a:solidFill>
                   <a:schemeClr val="tx1">
                     <a:lumMod val="75000"/>
@@ -18641,7 +17997,7 @@
               </a:rPr>
               <a:t>序列问题</a:t>
             </a:r>
-            <a:endParaRPr lang="en-US" altLang="zh-CN" dirty="0" smtClean="0">
+            <a:endParaRPr lang="en-US" altLang="zh-CN" dirty="0">
               <a:solidFill>
                 <a:schemeClr val="tx1">
                   <a:lumMod val="75000"/>
@@ -18761,13 +18117,6 @@
       </p:transition>
     </mc:Fallback>
   </mc:AlternateContent>
-  <p:timing>
-    <p:tnLst>
-      <p:par>
-        <p:cTn id="1" dur="indefinite" restart="never" nodeType="tmRoot"/>
-      </p:par>
-    </p:tnLst>
-  </p:timing>
 </p:sld>
 </file>
 
@@ -19076,7 +18425,7 @@
               <a:buChar char="•"/>
             </a:pPr>
             <a:r>
-              <a:rPr lang="en-US" altLang="zh-CN" b="1" dirty="0" smtClean="0">
+              <a:rPr lang="en-US" altLang="zh-CN" b="1" dirty="0">
                 <a:solidFill>
                   <a:schemeClr val="tx1">
                     <a:lumMod val="75000"/>
@@ -19090,7 +18439,7 @@
               <a:t>Automatic Surface Text Pattern Learning Algorithm (</a:t>
             </a:r>
             <a:r>
-              <a:rPr lang="en-US" altLang="zh-CN" b="1" dirty="0" err="1" smtClean="0">
+              <a:rPr lang="en-US" altLang="zh-CN" b="1" dirty="0" err="1">
                 <a:solidFill>
                   <a:schemeClr val="tx1">
                     <a:lumMod val="75000"/>
@@ -19104,7 +18453,7 @@
               <a:t>Ravichandran</a:t>
             </a:r>
             <a:r>
-              <a:rPr lang="en-US" altLang="zh-CN" b="1" dirty="0" smtClean="0">
+              <a:rPr lang="en-US" altLang="zh-CN" b="1" dirty="0">
                 <a:solidFill>
                   <a:schemeClr val="tx1">
                     <a:lumMod val="75000"/>
@@ -19130,7 +18479,7 @@
               <a:buChar char="•"/>
             </a:pPr>
             <a:r>
-              <a:rPr lang="en-US" altLang="zh-CN" b="1" dirty="0" smtClean="0">
+              <a:rPr lang="en-US" altLang="zh-CN" b="1" dirty="0">
                 <a:solidFill>
                   <a:schemeClr val="tx1">
                     <a:lumMod val="75000"/>
@@ -19144,7 +18493,7 @@
               <a:t>Good precision but poor recall</a:t>
             </a:r>
             <a:br>
-              <a:rPr lang="en-US" altLang="zh-CN" b="1" dirty="0" smtClean="0">
+              <a:rPr lang="en-US" altLang="zh-CN" b="1" dirty="0">
                 <a:solidFill>
                   <a:schemeClr val="tx1">
                     <a:lumMod val="75000"/>
@@ -19156,7 +18505,7 @@
                 <a:sym typeface="微软雅黑" panose="020B0503020204020204" pitchFamily="34" charset="-122"/>
               </a:rPr>
             </a:br>
-            <a:endParaRPr lang="en-US" altLang="zh-CN" b="1" dirty="0" smtClean="0">
+            <a:endParaRPr lang="en-US" altLang="zh-CN" b="1" dirty="0">
               <a:solidFill>
                 <a:schemeClr val="tx1">
                   <a:lumMod val="75000"/>
@@ -19180,7 +18529,7 @@
               <a:buChar char="•"/>
             </a:pPr>
             <a:r>
-              <a:rPr lang="en-US" altLang="zh-CN" b="1" dirty="0" smtClean="0">
+              <a:rPr lang="en-US" altLang="zh-CN" b="1" dirty="0">
                 <a:solidFill>
                   <a:schemeClr val="tx1">
                     <a:lumMod val="75000"/>
@@ -19194,7 +18543,7 @@
               <a:t>Factor Graph Prediction Model(</a:t>
             </a:r>
             <a:r>
-              <a:rPr lang="en-US" altLang="zh-CN" b="1" dirty="0" smtClean="0">
+              <a:rPr lang="en-US" altLang="zh-CN" b="1" dirty="0">
                 <a:solidFill>
                   <a:schemeClr val="tx1">
                     <a:lumMod val="75000"/>
@@ -19207,7 +18556,7 @@
               <a:t>Hong Sun et al., 2013</a:t>
             </a:r>
             <a:r>
-              <a:rPr lang="en-US" altLang="zh-CN" b="1" dirty="0" smtClean="0">
+              <a:rPr lang="en-US" altLang="zh-CN" b="1" dirty="0">
                 <a:solidFill>
                   <a:schemeClr val="tx1">
                     <a:lumMod val="75000"/>
@@ -19233,7 +18582,7 @@
               <a:buChar char="•"/>
             </a:pPr>
             <a:r>
-              <a:rPr lang="en-US" altLang="zh-CN" b="1" dirty="0" smtClean="0">
+              <a:rPr lang="en-US" altLang="zh-CN" b="1" dirty="0">
                 <a:solidFill>
                   <a:schemeClr val="tx1">
                     <a:lumMod val="75000"/>
@@ -19259,7 +18608,7 @@
               <a:buChar char="•"/>
             </a:pPr>
             <a:r>
-              <a:rPr lang="en-US" altLang="zh-CN" b="1" dirty="0" smtClean="0">
+              <a:rPr lang="en-US" altLang="zh-CN" b="1" dirty="0">
                 <a:solidFill>
                   <a:schemeClr val="tx1">
                     <a:lumMod val="75000"/>
@@ -19272,7 +18621,7 @@
               <a:t>only consider connections among words with the same stem</a:t>
             </a:r>
             <a:br>
-              <a:rPr lang="en-US" altLang="zh-CN" b="1" dirty="0" smtClean="0">
+              <a:rPr lang="en-US" altLang="zh-CN" b="1" dirty="0">
                 <a:solidFill>
                   <a:schemeClr val="tx1">
                     <a:lumMod val="75000"/>
@@ -19283,7 +18632,7 @@
                 <a:ea typeface="微软雅黑" panose="020B0503020204020204" pitchFamily="34" charset="-122"/>
               </a:rPr>
             </a:br>
-            <a:endParaRPr lang="en-US" altLang="zh-CN" b="1" dirty="0" smtClean="0">
+            <a:endParaRPr lang="en-US" altLang="zh-CN" b="1" dirty="0">
               <a:solidFill>
                 <a:schemeClr val="tx1">
                   <a:lumMod val="75000"/>
@@ -19306,7 +18655,7 @@
               <a:buChar char="•"/>
             </a:pPr>
             <a:r>
-              <a:rPr lang="en-US" altLang="zh-CN" b="1" dirty="0" err="1" smtClean="0">
+              <a:rPr lang="en-US" altLang="zh-CN" b="1" dirty="0" err="1">
                 <a:solidFill>
                   <a:schemeClr val="tx1">
                     <a:lumMod val="75000"/>
@@ -19319,7 +18668,7 @@
               <a:t>Synactic</a:t>
             </a:r>
             <a:r>
-              <a:rPr lang="en-US" altLang="zh-CN" b="1" dirty="0" smtClean="0">
+              <a:rPr lang="en-US" altLang="zh-CN" b="1" dirty="0">
                 <a:solidFill>
                   <a:schemeClr val="tx1">
                     <a:lumMod val="75000"/>
@@ -19344,7 +18693,7 @@
               <a:buChar char="•"/>
             </a:pPr>
             <a:r>
-              <a:rPr lang="en-US" altLang="zh-CN" b="1" dirty="0" smtClean="0">
+              <a:rPr lang="en-US" altLang="zh-CN" b="1" dirty="0">
                 <a:solidFill>
                   <a:schemeClr val="tx1">
                     <a:lumMod val="75000"/>
@@ -19369,7 +18718,7 @@
               <a:buChar char="•"/>
             </a:pPr>
             <a:r>
-              <a:rPr lang="en-US" altLang="zh-CN" b="1" smtClean="0">
+              <a:rPr lang="en-US" altLang="zh-CN" b="1">
                 <a:solidFill>
                   <a:schemeClr val="tx1">
                     <a:lumMod val="75000"/>
@@ -19382,7 +18731,7 @@
               <a:t>Seaver</a:t>
             </a:r>
             <a:r>
-              <a:rPr lang="en-US" altLang="zh-CN" b="1" dirty="0" smtClean="0">
+              <a:rPr lang="en-US" altLang="zh-CN" b="1" dirty="0">
                 <a:solidFill>
                   <a:schemeClr val="tx1">
                     <a:lumMod val="75000"/>
@@ -19392,10 +18741,10 @@
                 <a:latin typeface="微软雅黑" panose="020B0503020204020204" pitchFamily="34" charset="-122"/>
                 <a:ea typeface="微软雅黑" panose="020B0503020204020204" pitchFamily="34" charset="-122"/>
               </a:rPr>
-              <a:t> </a:t>
-            </a:r>
-            <a:r>
-              <a:rPr lang="en-US" altLang="zh-CN" b="1" dirty="0" smtClean="0">
+              <a:t> data sparsity</a:t>
+            </a:r>
+            <a:br>
+              <a:rPr lang="en-US" altLang="zh-CN" b="1" dirty="0">
                 <a:solidFill>
                   <a:schemeClr val="tx1">
                     <a:lumMod val="75000"/>
@@ -19405,21 +18754,8 @@
                 <a:latin typeface="微软雅黑" panose="020B0503020204020204" pitchFamily="34" charset="-122"/>
                 <a:ea typeface="微软雅黑" panose="020B0503020204020204" pitchFamily="34" charset="-122"/>
               </a:rPr>
-              <a:t>data sparsity</a:t>
-            </a:r>
-            <a:br>
-              <a:rPr lang="en-US" altLang="zh-CN" b="1" dirty="0" smtClean="0">
-                <a:solidFill>
-                  <a:schemeClr val="tx1">
-                    <a:lumMod val="75000"/>
-                    <a:lumOff val="25000"/>
-                  </a:schemeClr>
-                </a:solidFill>
-                <a:latin typeface="微软雅黑" panose="020B0503020204020204" pitchFamily="34" charset="-122"/>
-                <a:ea typeface="微软雅黑" panose="020B0503020204020204" pitchFamily="34" charset="-122"/>
-              </a:rPr>
             </a:br>
-            <a:endParaRPr lang="en-US" altLang="zh-CN" b="1" dirty="0" smtClean="0">
+            <a:endParaRPr lang="en-US" altLang="zh-CN" b="1" dirty="0">
               <a:solidFill>
                 <a:schemeClr val="tx1">
                   <a:lumMod val="75000"/>
@@ -19442,7 +18778,7 @@
               <a:buChar char="•"/>
             </a:pPr>
             <a:r>
-              <a:rPr lang="en-US" altLang="zh-CN" b="1" dirty="0" smtClean="0">
+              <a:rPr lang="en-US" altLang="zh-CN" b="1" dirty="0">
                 <a:solidFill>
                   <a:srgbClr val="FF0000"/>
                 </a:solidFill>
@@ -19453,7 +18789,7 @@
               <a:t>Dynamic </a:t>
             </a:r>
             <a:r>
-              <a:rPr lang="en-US" altLang="zh-CN" b="1" dirty="0" err="1" smtClean="0">
+              <a:rPr lang="en-US" altLang="zh-CN" b="1" dirty="0" err="1">
                 <a:solidFill>
                   <a:srgbClr val="FF0000"/>
                 </a:solidFill>
@@ -19464,7 +18800,7 @@
               <a:t>Coattention</a:t>
             </a:r>
             <a:r>
-              <a:rPr lang="en-US" altLang="zh-CN" b="1" dirty="0" smtClean="0">
+              <a:rPr lang="en-US" altLang="zh-CN" b="1" dirty="0">
                 <a:solidFill>
                   <a:srgbClr val="FF0000"/>
                 </a:solidFill>
@@ -19475,7 +18811,7 @@
               <a:t> Network Model (</a:t>
             </a:r>
             <a:r>
-              <a:rPr lang="en-US" altLang="zh-CN" b="1" dirty="0" err="1" smtClean="0">
+              <a:rPr lang="en-US" altLang="zh-CN" b="1" dirty="0" err="1">
                 <a:solidFill>
                   <a:srgbClr val="FF0000"/>
                 </a:solidFill>
@@ -19485,7 +18821,7 @@
               <a:t>Xiong</a:t>
             </a:r>
             <a:r>
-              <a:rPr lang="en-US" altLang="zh-CN" b="1" dirty="0" smtClean="0">
+              <a:rPr lang="en-US" altLang="zh-CN" b="1" dirty="0">
                 <a:solidFill>
                   <a:srgbClr val="FF0000"/>
                 </a:solidFill>
@@ -19495,7 +18831,7 @@
               <a:t> et al.</a:t>
             </a:r>
             <a:r>
-              <a:rPr lang="en-US" altLang="zh-CN" b="1" dirty="0" smtClean="0">
+              <a:rPr lang="en-US" altLang="zh-CN" b="1" dirty="0">
                 <a:solidFill>
                   <a:srgbClr val="FF0000"/>
                 </a:solidFill>
@@ -19518,7 +18854,7 @@
               <a:buChar char="•"/>
             </a:pPr>
             <a:r>
-              <a:rPr lang="en-US" altLang="zh-CN" b="1" dirty="0" smtClean="0">
+              <a:rPr lang="en-US" altLang="zh-CN" b="1" dirty="0">
                 <a:solidFill>
                   <a:schemeClr val="tx1">
                     <a:lumMod val="75000"/>
@@ -19544,7 +18880,7 @@
               <a:buChar char="•"/>
             </a:pPr>
             <a:r>
-              <a:rPr lang="en-US" altLang="zh-CN" b="1" dirty="0" smtClean="0">
+              <a:rPr lang="en-US" altLang="zh-CN" b="1" dirty="0">
                 <a:solidFill>
                   <a:schemeClr val="tx1">
                     <a:lumMod val="75000"/>
@@ -19613,13 +18949,6 @@
       </p:transition>
     </mc:Fallback>
   </mc:AlternateContent>
-  <p:timing>
-    <p:tnLst>
-      <p:par>
-        <p:cTn id="1" dur="indefinite" restart="never" nodeType="tmRoot"/>
-      </p:par>
-    </p:tnLst>
-  </p:timing>
 </p:sld>
 </file>
 
@@ -19667,7 +18996,7 @@
               </a:spcBef>
             </a:pPr>
             <a:r>
-              <a:rPr lang="en-US" altLang="zh-CN" sz="2800" kern="0" dirty="0" smtClean="0">
+              <a:rPr lang="en-US" altLang="zh-CN" sz="2800" kern="0" dirty="0">
                 <a:gradFill>
                   <a:gsLst>
                     <a:gs pos="0">
@@ -19686,7 +19015,7 @@
               <a:t>Dynamic </a:t>
             </a:r>
             <a:r>
-              <a:rPr lang="en-US" altLang="zh-CN" sz="2800" kern="0" dirty="0" err="1" smtClean="0">
+              <a:rPr lang="en-US" altLang="zh-CN" sz="2800" kern="0" dirty="0" err="1">
                 <a:gradFill>
                   <a:gsLst>
                     <a:gs pos="0">
@@ -19705,7 +19034,7 @@
               <a:t>Coattention</a:t>
             </a:r>
             <a:r>
-              <a:rPr lang="en-US" altLang="zh-CN" sz="2800" kern="0" dirty="0" smtClean="0">
+              <a:rPr lang="en-US" altLang="zh-CN" sz="2800" kern="0" dirty="0">
                 <a:gradFill>
                   <a:gsLst>
                     <a:gs pos="0">
@@ -19724,7 +19053,7 @@
               <a:t> Network——</a:t>
             </a:r>
             <a:r>
-              <a:rPr lang="en-US" altLang="zh-CN" sz="2800" kern="0" dirty="0" err="1" smtClean="0">
+              <a:rPr lang="en-US" altLang="zh-CN" sz="2800" kern="0" dirty="0" err="1">
                 <a:gradFill>
                   <a:gsLst>
                     <a:gs pos="0">
@@ -19743,7 +19072,7 @@
               <a:t>Coattention</a:t>
             </a:r>
             <a:r>
-              <a:rPr lang="en-US" altLang="zh-CN" sz="2800" kern="0" dirty="0" smtClean="0">
+              <a:rPr lang="en-US" altLang="zh-CN" sz="2800" kern="0" dirty="0">
                 <a:gradFill>
                   <a:gsLst>
                     <a:gs pos="0">
@@ -20013,13 +19342,6 @@
       </p:transition>
     </mc:Fallback>
   </mc:AlternateContent>
-  <p:timing>
-    <p:tnLst>
-      <p:par>
-        <p:cTn id="1" dur="indefinite" restart="never" nodeType="tmRoot"/>
-      </p:par>
-    </p:tnLst>
-  </p:timing>
 </p:sld>
 </file>
 
@@ -20121,26 +19443,7 @@
                 <a:ea typeface="微软雅黑" panose="020B0503020204020204" pitchFamily="34" charset="-122"/>
                 <a:cs typeface="Segoe UI" panose="020B0502040204020203" pitchFamily="34" charset="0"/>
               </a:rPr>
-              <a:t> Network</a:t>
-            </a:r>
-            <a:r>
-              <a:rPr lang="en-US" altLang="zh-CN" sz="2800" kern="0" dirty="0" smtClean="0">
-                <a:gradFill>
-                  <a:gsLst>
-                    <a:gs pos="0">
-                      <a:schemeClr val="tx1"/>
-                    </a:gs>
-                    <a:gs pos="86000">
-                      <a:schemeClr val="tx1"/>
-                    </a:gs>
-                  </a:gsLst>
-                  <a:lin ang="5400000" scaled="0"/>
-                </a:gradFill>
-                <a:latin typeface="微软雅黑" panose="020B0503020204020204" pitchFamily="34" charset="-122"/>
-                <a:ea typeface="微软雅黑" panose="020B0503020204020204" pitchFamily="34" charset="-122"/>
-                <a:cs typeface="Segoe UI" panose="020B0502040204020203" pitchFamily="34" charset="0"/>
-              </a:rPr>
-              <a:t>——Dynamic Decoder</a:t>
+              <a:t> Network——Dynamic Decoder</a:t>
             </a:r>
             <a:endParaRPr lang="zh-CN" altLang="en-US" sz="2800" dirty="0">
               <a:solidFill>
@@ -20398,13 +19701,6 @@
       </p:transition>
     </mc:Fallback>
   </mc:AlternateContent>
-  <p:timing>
-    <p:tnLst>
-      <p:par>
-        <p:cTn id="1" dur="indefinite" restart="never" nodeType="tmRoot"/>
-      </p:par>
-    </p:tnLst>
-  </p:timing>
 </p:sld>
 </file>
 
@@ -20452,7 +19748,7 @@
               </a:spcBef>
             </a:pPr>
             <a:r>
-              <a:rPr lang="zh-CN" altLang="en-US" sz="4265" kern="0" dirty="0" smtClean="0">
+              <a:rPr lang="zh-CN" altLang="en-US" sz="4265" kern="0" dirty="0">
                 <a:gradFill>
                   <a:gsLst>
                     <a:gs pos="0">
@@ -20637,7 +19933,7 @@
               <a:buChar char="•"/>
             </a:pPr>
             <a:r>
-              <a:rPr lang="zh-CN" altLang="en-US" sz="3200" b="1" dirty="0" smtClean="0">
+              <a:rPr lang="zh-CN" altLang="en-US" sz="3200" b="1" dirty="0">
                 <a:solidFill>
                   <a:schemeClr val="tx1">
                     <a:lumMod val="85000"/>
@@ -20674,7 +19970,7 @@
               <a:buChar char="•"/>
             </a:pPr>
             <a:r>
-              <a:rPr lang="zh-CN" altLang="en-US" sz="3200" dirty="0" smtClean="0">
+              <a:rPr lang="zh-CN" altLang="en-US" sz="3200" dirty="0">
                 <a:solidFill>
                   <a:schemeClr val="bg2">
                     <a:lumMod val="75000"/>
@@ -20709,7 +20005,7 @@
               <a:buChar char="•"/>
             </a:pPr>
             <a:r>
-              <a:rPr lang="zh-CN" altLang="en-US" sz="3200" dirty="0" smtClean="0">
+              <a:rPr lang="zh-CN" altLang="en-US" sz="3200" dirty="0">
                 <a:solidFill>
                   <a:schemeClr val="bg2">
                     <a:lumMod val="75000"/>
@@ -20721,7 +20017,7 @@
               </a:rPr>
               <a:t>研究基础</a:t>
             </a:r>
-            <a:endParaRPr lang="en-US" altLang="zh-CN" sz="3200" dirty="0" smtClean="0">
+            <a:endParaRPr lang="en-US" altLang="zh-CN" sz="3200" dirty="0">
               <a:solidFill>
                 <a:schemeClr val="bg2">
                   <a:lumMod val="75000"/>
@@ -20754,20 +20050,7 @@
                 <a:ea typeface="微软雅黑" panose="020B0503020204020204" pitchFamily="34" charset="-122"/>
                 <a:sym typeface="微软雅黑" panose="020B0503020204020204" pitchFamily="34" charset="-122"/>
               </a:rPr>
-              <a:t>进度</a:t>
-            </a:r>
-            <a:r>
-              <a:rPr lang="zh-CN" altLang="en-US" sz="3200" dirty="0" smtClean="0">
-                <a:solidFill>
-                  <a:schemeClr val="bg2">
-                    <a:lumMod val="75000"/>
-                  </a:schemeClr>
-                </a:solidFill>
-                <a:latin typeface="微软雅黑" panose="020B0503020204020204" pitchFamily="34" charset="-122"/>
-                <a:ea typeface="微软雅黑" panose="020B0503020204020204" pitchFamily="34" charset="-122"/>
-                <a:sym typeface="微软雅黑" panose="020B0503020204020204" pitchFamily="34" charset="-122"/>
-              </a:rPr>
-              <a:t>安排和预期成果</a:t>
+              <a:t>进度安排和预期成果</a:t>
             </a:r>
             <a:endParaRPr lang="en-US" altLang="zh-CN" sz="3200" dirty="0">
               <a:solidFill>
@@ -21068,26 +20351,7 @@
                 <a:ea typeface="微软雅黑" panose="020B0503020204020204" pitchFamily="34" charset="-122"/>
                 <a:cs typeface="Segoe UI" panose="020B0502040204020203" pitchFamily="34" charset="0"/>
               </a:rPr>
-              <a:t>研究</a:t>
-            </a:r>
-            <a:r>
-              <a:rPr lang="zh-CN" altLang="en-US" sz="4265" kern="0" dirty="0" smtClean="0">
-                <a:gradFill>
-                  <a:gsLst>
-                    <a:gs pos="0">
-                      <a:schemeClr val="tx1"/>
-                    </a:gs>
-                    <a:gs pos="86000">
-                      <a:schemeClr val="tx1"/>
-                    </a:gs>
-                  </a:gsLst>
-                  <a:lin ang="5400000" scaled="0"/>
-                </a:gradFill>
-                <a:latin typeface="微软雅黑" panose="020B0503020204020204" pitchFamily="34" charset="-122"/>
-                <a:ea typeface="微软雅黑" panose="020B0503020204020204" pitchFamily="34" charset="-122"/>
-                <a:cs typeface="Segoe UI" panose="020B0502040204020203" pitchFamily="34" charset="0"/>
-              </a:rPr>
-              <a:t>内容</a:t>
+              <a:t>研究内容</a:t>
             </a:r>
             <a:endParaRPr lang="zh-CN" altLang="en-US" sz="4265" dirty="0">
               <a:solidFill>
@@ -21341,13 +20605,6 @@
       </p:transition>
     </mc:Fallback>
   </mc:AlternateContent>
-  <p:timing>
-    <p:tnLst>
-      <p:par>
-        <p:cTn id="1" dur="indefinite" restart="never" nodeType="tmRoot"/>
-      </p:par>
-    </p:tnLst>
-  </p:timing>
 </p:sld>
 </file>
 
